--- a/docs/images_of_spec.pptx
+++ b/docs/images_of_spec.pptx
@@ -15,6 +15,12 @@
     <p:sldId id="265" r:id="rId9"/>
     <p:sldId id="262" r:id="rId10"/>
     <p:sldId id="260" r:id="rId11"/>
+    <p:sldId id="269" r:id="rId12"/>
+    <p:sldId id="270" r:id="rId13"/>
+    <p:sldId id="271" r:id="rId14"/>
+    <p:sldId id="273" r:id="rId15"/>
+    <p:sldId id="272" r:id="rId16"/>
+    <p:sldId id="274" r:id="rId17"/>
   </p:sldIdLst>
   <p:sldSz cx="12192000" cy="6858000"/>
   <p:notesSz cx="6858000" cy="9144000"/>
@@ -252,7 +258,7 @@
           <a:p>
             <a:fld id="{278DCA68-1BB8-4FF4-BF77-5209A30E84B9}" type="datetimeFigureOut">
               <a:rPr lang="en-US" smtClean="0"/>
-              <a:t>5/16/2018</a:t>
+              <a:t>3/29/2019</a:t>
             </a:fld>
             <a:endParaRPr lang="en-US"/>
           </a:p>
@@ -422,7 +428,7 @@
           <a:p>
             <a:fld id="{278DCA68-1BB8-4FF4-BF77-5209A30E84B9}" type="datetimeFigureOut">
               <a:rPr lang="en-US" smtClean="0"/>
-              <a:t>5/16/2018</a:t>
+              <a:t>3/29/2019</a:t>
             </a:fld>
             <a:endParaRPr lang="en-US"/>
           </a:p>
@@ -602,7 +608,7 @@
           <a:p>
             <a:fld id="{278DCA68-1BB8-4FF4-BF77-5209A30E84B9}" type="datetimeFigureOut">
               <a:rPr lang="en-US" smtClean="0"/>
-              <a:t>5/16/2018</a:t>
+              <a:t>3/29/2019</a:t>
             </a:fld>
             <a:endParaRPr lang="en-US"/>
           </a:p>
@@ -772,7 +778,7 @@
           <a:p>
             <a:fld id="{278DCA68-1BB8-4FF4-BF77-5209A30E84B9}" type="datetimeFigureOut">
               <a:rPr lang="en-US" smtClean="0"/>
-              <a:t>5/16/2018</a:t>
+              <a:t>3/29/2019</a:t>
             </a:fld>
             <a:endParaRPr lang="en-US"/>
           </a:p>
@@ -1018,7 +1024,7 @@
           <a:p>
             <a:fld id="{278DCA68-1BB8-4FF4-BF77-5209A30E84B9}" type="datetimeFigureOut">
               <a:rPr lang="en-US" smtClean="0"/>
-              <a:t>5/16/2018</a:t>
+              <a:t>3/29/2019</a:t>
             </a:fld>
             <a:endParaRPr lang="en-US"/>
           </a:p>
@@ -1250,7 +1256,7 @@
           <a:p>
             <a:fld id="{278DCA68-1BB8-4FF4-BF77-5209A30E84B9}" type="datetimeFigureOut">
               <a:rPr lang="en-US" smtClean="0"/>
-              <a:t>5/16/2018</a:t>
+              <a:t>3/29/2019</a:t>
             </a:fld>
             <a:endParaRPr lang="en-US"/>
           </a:p>
@@ -1617,7 +1623,7 @@
           <a:p>
             <a:fld id="{278DCA68-1BB8-4FF4-BF77-5209A30E84B9}" type="datetimeFigureOut">
               <a:rPr lang="en-US" smtClean="0"/>
-              <a:t>5/16/2018</a:t>
+              <a:t>3/29/2019</a:t>
             </a:fld>
             <a:endParaRPr lang="en-US"/>
           </a:p>
@@ -1735,7 +1741,7 @@
           <a:p>
             <a:fld id="{278DCA68-1BB8-4FF4-BF77-5209A30E84B9}" type="datetimeFigureOut">
               <a:rPr lang="en-US" smtClean="0"/>
-              <a:t>5/16/2018</a:t>
+              <a:t>3/29/2019</a:t>
             </a:fld>
             <a:endParaRPr lang="en-US"/>
           </a:p>
@@ -1830,7 +1836,7 @@
           <a:p>
             <a:fld id="{278DCA68-1BB8-4FF4-BF77-5209A30E84B9}" type="datetimeFigureOut">
               <a:rPr lang="en-US" smtClean="0"/>
-              <a:t>5/16/2018</a:t>
+              <a:t>3/29/2019</a:t>
             </a:fld>
             <a:endParaRPr lang="en-US"/>
           </a:p>
@@ -2107,7 +2113,7 @@
           <a:p>
             <a:fld id="{278DCA68-1BB8-4FF4-BF77-5209A30E84B9}" type="datetimeFigureOut">
               <a:rPr lang="en-US" smtClean="0"/>
-              <a:t>5/16/2018</a:t>
+              <a:t>3/29/2019</a:t>
             </a:fld>
             <a:endParaRPr lang="en-US"/>
           </a:p>
@@ -2360,7 +2366,7 @@
           <a:p>
             <a:fld id="{278DCA68-1BB8-4FF4-BF77-5209A30E84B9}" type="datetimeFigureOut">
               <a:rPr lang="en-US" smtClean="0"/>
-              <a:t>5/16/2018</a:t>
+              <a:t>3/29/2019</a:t>
             </a:fld>
             <a:endParaRPr lang="en-US"/>
           </a:p>
@@ -2573,7 +2579,7 @@
           <a:p>
             <a:fld id="{278DCA68-1BB8-4FF4-BF77-5209A30E84B9}" type="datetimeFigureOut">
               <a:rPr lang="en-US" smtClean="0"/>
-              <a:t>5/16/2018</a:t>
+              <a:t>3/29/2019</a:t>
             </a:fld>
             <a:endParaRPr lang="en-US"/>
           </a:p>
@@ -4431,6 +4437,3737 @@
     <p:extLst>
       <p:ext uri="{BB962C8B-B14F-4D97-AF65-F5344CB8AC3E}">
         <p14:creationId xmlns:p14="http://schemas.microsoft.com/office/powerpoint/2010/main" val="569019648"/>
+      </p:ext>
+    </p:extLst>
+  </p:cSld>
+  <p:clrMapOvr>
+    <a:masterClrMapping/>
+  </p:clrMapOvr>
+</p:sld>
+</file>
+
+<file path=ppt/slides/slide11.xml><?xml version="1.0" encoding="utf-8"?>
+<p:sld xmlns:a="http://schemas.openxmlformats.org/drawingml/2006/main" xmlns:r="http://schemas.openxmlformats.org/officeDocument/2006/relationships" xmlns:p="http://schemas.openxmlformats.org/presentationml/2006/main">
+  <p:cSld>
+    <p:spTree>
+      <p:nvGrpSpPr>
+        <p:cNvPr id="1" name=""/>
+        <p:cNvGrpSpPr/>
+        <p:nvPr/>
+      </p:nvGrpSpPr>
+      <p:grpSpPr>
+        <a:xfrm>
+          <a:off x="0" y="0"/>
+          <a:ext cx="0" cy="0"/>
+          <a:chOff x="0" y="0"/>
+          <a:chExt cx="0" cy="0"/>
+        </a:xfrm>
+      </p:grpSpPr>
+      <p:sp>
+        <p:nvSpPr>
+          <p:cNvPr id="2" name="제목 1"/>
+          <p:cNvSpPr>
+            <a:spLocks noGrp="1"/>
+          </p:cNvSpPr>
+          <p:nvPr>
+            <p:ph type="title"/>
+          </p:nvPr>
+        </p:nvSpPr>
+        <p:spPr/>
+        <p:txBody>
+          <a:bodyPr/>
+          <a:lstStyle/>
+          <a:p>
+            <a:r>
+              <a:rPr lang="en-US" dirty="0" smtClean="0"/>
+              <a:t>spatial-navigation-action</a:t>
+            </a:r>
+            <a:endParaRPr lang="en-US" dirty="0"/>
+          </a:p>
+        </p:txBody>
+      </p:sp>
+      <p:sp>
+        <p:nvSpPr>
+          <p:cNvPr id="3" name="텍스트 개체 틀 2"/>
+          <p:cNvSpPr>
+            <a:spLocks noGrp="1"/>
+          </p:cNvSpPr>
+          <p:nvPr>
+            <p:ph type="body" idx="1"/>
+          </p:nvPr>
+        </p:nvSpPr>
+        <p:spPr/>
+        <p:txBody>
+          <a:bodyPr/>
+          <a:lstStyle/>
+          <a:p>
+            <a:endParaRPr lang="en-US" dirty="0"/>
+          </a:p>
+        </p:txBody>
+      </p:sp>
+    </p:spTree>
+    <p:extLst>
+      <p:ext uri="{BB962C8B-B14F-4D97-AF65-F5344CB8AC3E}">
+        <p14:creationId xmlns:p14="http://schemas.microsoft.com/office/powerpoint/2010/main" val="145510910"/>
+      </p:ext>
+    </p:extLst>
+  </p:cSld>
+  <p:clrMapOvr>
+    <a:masterClrMapping/>
+  </p:clrMapOvr>
+</p:sld>
+</file>
+
+<file path=ppt/slides/slide12.xml><?xml version="1.0" encoding="utf-8"?>
+<p:sld xmlns:a="http://schemas.openxmlformats.org/drawingml/2006/main" xmlns:r="http://schemas.openxmlformats.org/officeDocument/2006/relationships" xmlns:p="http://schemas.openxmlformats.org/presentationml/2006/main">
+  <p:cSld>
+    <p:spTree>
+      <p:nvGrpSpPr>
+        <p:cNvPr id="1" name=""/>
+        <p:cNvGrpSpPr/>
+        <p:nvPr/>
+      </p:nvGrpSpPr>
+      <p:grpSpPr>
+        <a:xfrm>
+          <a:off x="0" y="0"/>
+          <a:ext cx="0" cy="0"/>
+          <a:chOff x="0" y="0"/>
+          <a:chExt cx="0" cy="0"/>
+        </a:xfrm>
+      </p:grpSpPr>
+      <p:grpSp>
+        <p:nvGrpSpPr>
+          <p:cNvPr id="8" name="그룹 7"/>
+          <p:cNvGrpSpPr/>
+          <p:nvPr/>
+        </p:nvGrpSpPr>
+        <p:grpSpPr>
+          <a:xfrm>
+            <a:off x="2234104" y="495306"/>
+            <a:ext cx="7588757" cy="6178454"/>
+            <a:chOff x="2234104" y="495306"/>
+            <a:chExt cx="7588757" cy="6178454"/>
+          </a:xfrm>
+        </p:grpSpPr>
+        <p:sp>
+          <p:nvSpPr>
+            <p:cNvPr id="54" name="직사각형 53"/>
+            <p:cNvSpPr/>
+            <p:nvPr/>
+          </p:nvSpPr>
+          <p:spPr>
+            <a:xfrm>
+              <a:off x="2282329" y="1505246"/>
+              <a:ext cx="2788837" cy="5168514"/>
+            </a:xfrm>
+            <a:prstGeom prst="rect">
+              <a:avLst/>
+            </a:prstGeom>
+            <a:solidFill>
+              <a:schemeClr val="bg1"/>
+            </a:solidFill>
+            <a:ln>
+              <a:solidFill>
+                <a:schemeClr val="bg1">
+                  <a:lumMod val="75000"/>
+                </a:schemeClr>
+              </a:solidFill>
+              <a:prstDash val="dash"/>
+            </a:ln>
+          </p:spPr>
+          <p:style>
+            <a:lnRef idx="2">
+              <a:schemeClr val="accent1">
+                <a:shade val="50000"/>
+              </a:schemeClr>
+            </a:lnRef>
+            <a:fillRef idx="1">
+              <a:schemeClr val="accent1"/>
+            </a:fillRef>
+            <a:effectRef idx="0">
+              <a:schemeClr val="accent1"/>
+            </a:effectRef>
+            <a:fontRef idx="minor">
+              <a:schemeClr val="lt1"/>
+            </a:fontRef>
+          </p:style>
+          <p:txBody>
+            <a:bodyPr rtlCol="0" anchor="ctr"/>
+            <a:lstStyle/>
+            <a:p>
+              <a:pPr algn="ctr"/>
+              <a:endParaRPr lang="en-US"/>
+            </a:p>
+          </p:txBody>
+        </p:sp>
+        <p:sp>
+          <p:nvSpPr>
+            <p:cNvPr id="55" name="직사각형 54"/>
+            <p:cNvSpPr/>
+            <p:nvPr/>
+          </p:nvSpPr>
+          <p:spPr>
+            <a:xfrm>
+              <a:off x="2234104" y="2777576"/>
+              <a:ext cx="2804404" cy="2552154"/>
+            </a:xfrm>
+            <a:prstGeom prst="rect">
+              <a:avLst/>
+            </a:prstGeom>
+            <a:solidFill>
+              <a:schemeClr val="bg1"/>
+            </a:solidFill>
+            <a:ln>
+              <a:solidFill>
+                <a:schemeClr val="tx1"/>
+              </a:solidFill>
+            </a:ln>
+          </p:spPr>
+          <p:style>
+            <a:lnRef idx="2">
+              <a:schemeClr val="accent1">
+                <a:shade val="50000"/>
+              </a:schemeClr>
+            </a:lnRef>
+            <a:fillRef idx="1">
+              <a:schemeClr val="accent1"/>
+            </a:fillRef>
+            <a:effectRef idx="0">
+              <a:schemeClr val="accent1"/>
+            </a:effectRef>
+            <a:fontRef idx="minor">
+              <a:schemeClr val="lt1"/>
+            </a:fontRef>
+          </p:style>
+          <p:txBody>
+            <a:bodyPr rtlCol="0" anchor="ctr"/>
+            <a:lstStyle/>
+            <a:p>
+              <a:pPr algn="ctr"/>
+              <a:endParaRPr lang="en-US"/>
+            </a:p>
+          </p:txBody>
+        </p:sp>
+        <p:sp>
+          <p:nvSpPr>
+            <p:cNvPr id="56" name="직사각형 55"/>
+            <p:cNvSpPr/>
+            <p:nvPr/>
+          </p:nvSpPr>
+          <p:spPr>
+            <a:xfrm>
+              <a:off x="3092000" y="1781411"/>
+              <a:ext cx="1080000" cy="720000"/>
+            </a:xfrm>
+            <a:prstGeom prst="rect">
+              <a:avLst/>
+            </a:prstGeom>
+            <a:ln>
+              <a:solidFill>
+                <a:schemeClr val="tx1"/>
+              </a:solidFill>
+            </a:ln>
+          </p:spPr>
+          <p:style>
+            <a:lnRef idx="2">
+              <a:schemeClr val="accent1">
+                <a:shade val="50000"/>
+              </a:schemeClr>
+            </a:lnRef>
+            <a:fillRef idx="1">
+              <a:schemeClr val="accent1"/>
+            </a:fillRef>
+            <a:effectRef idx="0">
+              <a:schemeClr val="accent1"/>
+            </a:effectRef>
+            <a:fontRef idx="minor">
+              <a:schemeClr val="lt1"/>
+            </a:fontRef>
+          </p:style>
+          <p:txBody>
+            <a:bodyPr rtlCol="0" anchor="ctr"/>
+            <a:lstStyle/>
+            <a:p>
+              <a:pPr algn="ctr"/>
+              <a:r>
+                <a:rPr lang="en-US" dirty="0" smtClean="0"/>
+                <a:t>Box 1</a:t>
+              </a:r>
+              <a:endParaRPr lang="en-US" dirty="0"/>
+            </a:p>
+          </p:txBody>
+        </p:sp>
+        <p:sp>
+          <p:nvSpPr>
+            <p:cNvPr id="58" name="직사각형 57"/>
+            <p:cNvSpPr/>
+            <p:nvPr/>
+          </p:nvSpPr>
+          <p:spPr>
+            <a:xfrm>
+              <a:off x="3092000" y="5609329"/>
+              <a:ext cx="1080000" cy="720000"/>
+            </a:xfrm>
+            <a:prstGeom prst="rect">
+              <a:avLst/>
+            </a:prstGeom>
+            <a:ln>
+              <a:solidFill>
+                <a:schemeClr val="tx1"/>
+              </a:solidFill>
+            </a:ln>
+          </p:spPr>
+          <p:style>
+            <a:lnRef idx="2">
+              <a:schemeClr val="accent1">
+                <a:shade val="50000"/>
+              </a:schemeClr>
+            </a:lnRef>
+            <a:fillRef idx="1">
+              <a:schemeClr val="accent1"/>
+            </a:fillRef>
+            <a:effectRef idx="0">
+              <a:schemeClr val="accent1"/>
+            </a:effectRef>
+            <a:fontRef idx="minor">
+              <a:schemeClr val="lt1"/>
+            </a:fontRef>
+          </p:style>
+          <p:txBody>
+            <a:bodyPr rtlCol="0" anchor="ctr"/>
+            <a:lstStyle/>
+            <a:p>
+              <a:pPr algn="ctr"/>
+              <a:r>
+                <a:rPr lang="en-US" dirty="0" smtClean="0"/>
+                <a:t>Box 3</a:t>
+              </a:r>
+              <a:endParaRPr lang="en-US" dirty="0"/>
+            </a:p>
+          </p:txBody>
+        </p:sp>
+        <p:sp>
+          <p:nvSpPr>
+            <p:cNvPr id="59" name="직사각형 58"/>
+            <p:cNvSpPr/>
+            <p:nvPr/>
+          </p:nvSpPr>
+          <p:spPr>
+            <a:xfrm>
+              <a:off x="3092000" y="3663837"/>
+              <a:ext cx="1080000" cy="720000"/>
+            </a:xfrm>
+            <a:prstGeom prst="rect">
+              <a:avLst/>
+            </a:prstGeom>
+            <a:solidFill>
+              <a:srgbClr val="D95757"/>
+            </a:solidFill>
+            <a:ln>
+              <a:solidFill>
+                <a:schemeClr val="tx1"/>
+              </a:solidFill>
+            </a:ln>
+          </p:spPr>
+          <p:style>
+            <a:lnRef idx="2">
+              <a:schemeClr val="accent1">
+                <a:shade val="50000"/>
+              </a:schemeClr>
+            </a:lnRef>
+            <a:fillRef idx="1">
+              <a:schemeClr val="accent1"/>
+            </a:fillRef>
+            <a:effectRef idx="0">
+              <a:schemeClr val="accent1"/>
+            </a:effectRef>
+            <a:fontRef idx="minor">
+              <a:schemeClr val="lt1"/>
+            </a:fontRef>
+          </p:style>
+          <p:txBody>
+            <a:bodyPr rtlCol="0" anchor="ctr"/>
+            <a:lstStyle/>
+            <a:p>
+              <a:pPr algn="ctr"/>
+              <a:r>
+                <a:rPr lang="en-US" dirty="0" smtClean="0"/>
+                <a:t>Box 2</a:t>
+              </a:r>
+              <a:endParaRPr lang="en-US" dirty="0"/>
+            </a:p>
+          </p:txBody>
+        </p:sp>
+        <p:sp>
+          <p:nvSpPr>
+            <p:cNvPr id="60" name="직사각형 59"/>
+            <p:cNvSpPr/>
+            <p:nvPr/>
+          </p:nvSpPr>
+          <p:spPr>
+            <a:xfrm>
+              <a:off x="4817166" y="2777575"/>
+              <a:ext cx="254000" cy="2556000"/>
+            </a:xfrm>
+            <a:prstGeom prst="rect">
+              <a:avLst/>
+            </a:prstGeom>
+            <a:solidFill>
+              <a:schemeClr val="bg1"/>
+            </a:solidFill>
+            <a:ln>
+              <a:solidFill>
+                <a:schemeClr val="tx1"/>
+              </a:solidFill>
+            </a:ln>
+          </p:spPr>
+          <p:style>
+            <a:lnRef idx="2">
+              <a:schemeClr val="accent3"/>
+            </a:lnRef>
+            <a:fillRef idx="1">
+              <a:schemeClr val="lt1"/>
+            </a:fillRef>
+            <a:effectRef idx="0">
+              <a:schemeClr val="accent3"/>
+            </a:effectRef>
+            <a:fontRef idx="minor">
+              <a:schemeClr val="dk1"/>
+            </a:fontRef>
+          </p:style>
+          <p:txBody>
+            <a:bodyPr rtlCol="0" anchor="ctr"/>
+            <a:lstStyle/>
+            <a:p>
+              <a:pPr algn="ctr"/>
+              <a:endParaRPr lang="en-US"/>
+            </a:p>
+          </p:txBody>
+        </p:sp>
+        <p:sp>
+          <p:nvSpPr>
+            <p:cNvPr id="61" name="직사각형 60"/>
+            <p:cNvSpPr/>
+            <p:nvPr/>
+          </p:nvSpPr>
+          <p:spPr>
+            <a:xfrm>
+              <a:off x="4842855" y="3416203"/>
+              <a:ext cx="206248" cy="1041400"/>
+            </a:xfrm>
+            <a:prstGeom prst="rect">
+              <a:avLst/>
+            </a:prstGeom>
+            <a:solidFill>
+              <a:schemeClr val="bg1">
+                <a:lumMod val="75000"/>
+              </a:schemeClr>
+            </a:solidFill>
+            <a:ln>
+              <a:noFill/>
+            </a:ln>
+          </p:spPr>
+          <p:style>
+            <a:lnRef idx="2">
+              <a:schemeClr val="dk1">
+                <a:shade val="50000"/>
+              </a:schemeClr>
+            </a:lnRef>
+            <a:fillRef idx="1">
+              <a:schemeClr val="dk1"/>
+            </a:fillRef>
+            <a:effectRef idx="0">
+              <a:schemeClr val="dk1"/>
+            </a:effectRef>
+            <a:fontRef idx="minor">
+              <a:schemeClr val="lt1"/>
+            </a:fontRef>
+          </p:style>
+          <p:txBody>
+            <a:bodyPr rtlCol="0" anchor="ctr"/>
+            <a:lstStyle/>
+            <a:p>
+              <a:pPr algn="ctr"/>
+              <a:endParaRPr lang="en-US"/>
+            </a:p>
+          </p:txBody>
+        </p:sp>
+        <p:grpSp>
+          <p:nvGrpSpPr>
+            <p:cNvPr id="62" name="그룹 61"/>
+            <p:cNvGrpSpPr/>
+            <p:nvPr/>
+          </p:nvGrpSpPr>
+          <p:grpSpPr>
+            <a:xfrm>
+              <a:off x="4842855" y="2788461"/>
+              <a:ext cx="206248" cy="177800"/>
+              <a:chOff x="676338" y="1066800"/>
+              <a:chExt cx="206248" cy="177800"/>
+            </a:xfrm>
+          </p:grpSpPr>
+          <p:sp>
+            <p:nvSpPr>
+              <p:cNvPr id="70" name="직사각형 69"/>
+              <p:cNvSpPr/>
+              <p:nvPr/>
+            </p:nvSpPr>
+            <p:spPr>
+              <a:xfrm>
+                <a:off x="676338" y="1066800"/>
+                <a:ext cx="206248" cy="177800"/>
+              </a:xfrm>
+              <a:prstGeom prst="rect">
+                <a:avLst/>
+              </a:prstGeom>
+              <a:solidFill>
+                <a:schemeClr val="bg1">
+                  <a:lumMod val="75000"/>
+                </a:schemeClr>
+              </a:solidFill>
+              <a:ln>
+                <a:noFill/>
+              </a:ln>
+            </p:spPr>
+            <p:style>
+              <a:lnRef idx="2">
+                <a:schemeClr val="accent1">
+                  <a:shade val="50000"/>
+                </a:schemeClr>
+              </a:lnRef>
+              <a:fillRef idx="1">
+                <a:schemeClr val="accent1"/>
+              </a:fillRef>
+              <a:effectRef idx="0">
+                <a:schemeClr val="accent1"/>
+              </a:effectRef>
+              <a:fontRef idx="minor">
+                <a:schemeClr val="lt1"/>
+              </a:fontRef>
+            </p:style>
+            <p:txBody>
+              <a:bodyPr rtlCol="0" anchor="ctr"/>
+              <a:lstStyle/>
+              <a:p>
+                <a:pPr algn="ctr"/>
+                <a:endParaRPr lang="en-US"/>
+              </a:p>
+            </p:txBody>
+          </p:sp>
+          <p:sp>
+            <p:nvSpPr>
+              <p:cNvPr id="71" name="이등변 삼각형 70"/>
+              <p:cNvSpPr/>
+              <p:nvPr/>
+            </p:nvSpPr>
+            <p:spPr>
+              <a:xfrm>
+                <a:off x="701738" y="1085850"/>
+                <a:ext cx="154686" cy="133350"/>
+              </a:xfrm>
+              <a:prstGeom prst="triangle">
+                <a:avLst/>
+              </a:prstGeom>
+              <a:solidFill>
+                <a:schemeClr val="tx1"/>
+              </a:solidFill>
+              <a:ln>
+                <a:noFill/>
+              </a:ln>
+            </p:spPr>
+            <p:style>
+              <a:lnRef idx="2">
+                <a:schemeClr val="dk1">
+                  <a:shade val="50000"/>
+                </a:schemeClr>
+              </a:lnRef>
+              <a:fillRef idx="1">
+                <a:schemeClr val="dk1"/>
+              </a:fillRef>
+              <a:effectRef idx="0">
+                <a:schemeClr val="dk1"/>
+              </a:effectRef>
+              <a:fontRef idx="minor">
+                <a:schemeClr val="lt1"/>
+              </a:fontRef>
+            </p:style>
+            <p:txBody>
+              <a:bodyPr rtlCol="0" anchor="ctr"/>
+              <a:lstStyle/>
+              <a:p>
+                <a:pPr algn="ctr"/>
+                <a:endParaRPr lang="en-US"/>
+              </a:p>
+            </p:txBody>
+          </p:sp>
+        </p:grpSp>
+        <p:grpSp>
+          <p:nvGrpSpPr>
+            <p:cNvPr id="63" name="그룹 62"/>
+            <p:cNvGrpSpPr/>
+            <p:nvPr/>
+          </p:nvGrpSpPr>
+          <p:grpSpPr>
+            <a:xfrm flipH="1" flipV="1">
+              <a:off x="4842855" y="5144673"/>
+              <a:ext cx="206248" cy="177800"/>
+              <a:chOff x="676338" y="1066800"/>
+              <a:chExt cx="206248" cy="177800"/>
+            </a:xfrm>
+          </p:grpSpPr>
+          <p:sp>
+            <p:nvSpPr>
+              <p:cNvPr id="68" name="직사각형 67"/>
+              <p:cNvSpPr/>
+              <p:nvPr/>
+            </p:nvSpPr>
+            <p:spPr>
+              <a:xfrm>
+                <a:off x="676338" y="1066800"/>
+                <a:ext cx="206248" cy="177800"/>
+              </a:xfrm>
+              <a:prstGeom prst="rect">
+                <a:avLst/>
+              </a:prstGeom>
+              <a:solidFill>
+                <a:schemeClr val="bg1">
+                  <a:lumMod val="75000"/>
+                </a:schemeClr>
+              </a:solidFill>
+              <a:ln>
+                <a:noFill/>
+              </a:ln>
+            </p:spPr>
+            <p:style>
+              <a:lnRef idx="2">
+                <a:schemeClr val="accent1">
+                  <a:shade val="50000"/>
+                </a:schemeClr>
+              </a:lnRef>
+              <a:fillRef idx="1">
+                <a:schemeClr val="accent1"/>
+              </a:fillRef>
+              <a:effectRef idx="0">
+                <a:schemeClr val="accent1"/>
+              </a:effectRef>
+              <a:fontRef idx="minor">
+                <a:schemeClr val="lt1"/>
+              </a:fontRef>
+            </p:style>
+            <p:txBody>
+              <a:bodyPr rtlCol="0" anchor="ctr"/>
+              <a:lstStyle/>
+              <a:p>
+                <a:pPr algn="ctr"/>
+                <a:endParaRPr lang="en-US"/>
+              </a:p>
+            </p:txBody>
+          </p:sp>
+          <p:sp>
+            <p:nvSpPr>
+              <p:cNvPr id="69" name="이등변 삼각형 68"/>
+              <p:cNvSpPr/>
+              <p:nvPr/>
+            </p:nvSpPr>
+            <p:spPr>
+              <a:xfrm>
+                <a:off x="701738" y="1085850"/>
+                <a:ext cx="154686" cy="133350"/>
+              </a:xfrm>
+              <a:prstGeom prst="triangle">
+                <a:avLst/>
+              </a:prstGeom>
+              <a:solidFill>
+                <a:schemeClr val="tx1"/>
+              </a:solidFill>
+              <a:ln>
+                <a:noFill/>
+              </a:ln>
+            </p:spPr>
+            <p:style>
+              <a:lnRef idx="2">
+                <a:schemeClr val="dk1">
+                  <a:shade val="50000"/>
+                </a:schemeClr>
+              </a:lnRef>
+              <a:fillRef idx="1">
+                <a:schemeClr val="dk1"/>
+              </a:fillRef>
+              <a:effectRef idx="0">
+                <a:schemeClr val="dk1"/>
+              </a:effectRef>
+              <a:fontRef idx="minor">
+                <a:schemeClr val="lt1"/>
+              </a:fontRef>
+            </p:style>
+            <p:txBody>
+              <a:bodyPr rtlCol="0" anchor="ctr"/>
+              <a:lstStyle/>
+              <a:p>
+                <a:pPr algn="ctr"/>
+                <a:endParaRPr lang="en-US"/>
+              </a:p>
+            </p:txBody>
+          </p:sp>
+        </p:grpSp>
+        <p:sp>
+          <p:nvSpPr>
+            <p:cNvPr id="72" name="직사각형 71"/>
+            <p:cNvSpPr/>
+            <p:nvPr/>
+          </p:nvSpPr>
+          <p:spPr>
+            <a:xfrm>
+              <a:off x="2554991" y="5558135"/>
+              <a:ext cx="2154018" cy="822387"/>
+            </a:xfrm>
+            <a:prstGeom prst="rect">
+              <a:avLst/>
+            </a:prstGeom>
+            <a:solidFill>
+              <a:schemeClr val="bg1">
+                <a:alpha val="50000"/>
+              </a:schemeClr>
+            </a:solidFill>
+            <a:ln>
+              <a:noFill/>
+            </a:ln>
+          </p:spPr>
+          <p:style>
+            <a:lnRef idx="2">
+              <a:schemeClr val="accent1">
+                <a:shade val="50000"/>
+              </a:schemeClr>
+            </a:lnRef>
+            <a:fillRef idx="1">
+              <a:schemeClr val="accent1"/>
+            </a:fillRef>
+            <a:effectRef idx="0">
+              <a:schemeClr val="accent1"/>
+            </a:effectRef>
+            <a:fontRef idx="minor">
+              <a:schemeClr val="lt1"/>
+            </a:fontRef>
+          </p:style>
+          <p:txBody>
+            <a:bodyPr rtlCol="0" anchor="ctr"/>
+            <a:lstStyle/>
+            <a:p>
+              <a:pPr algn="ctr"/>
+              <a:endParaRPr lang="en-US"/>
+            </a:p>
+          </p:txBody>
+        </p:sp>
+        <p:sp>
+          <p:nvSpPr>
+            <p:cNvPr id="73" name="직사각형 72"/>
+            <p:cNvSpPr/>
+            <p:nvPr/>
+          </p:nvSpPr>
+          <p:spPr>
+            <a:xfrm>
+              <a:off x="2555292" y="1726784"/>
+              <a:ext cx="2154018" cy="822387"/>
+            </a:xfrm>
+            <a:prstGeom prst="rect">
+              <a:avLst/>
+            </a:prstGeom>
+            <a:solidFill>
+              <a:schemeClr val="bg1">
+                <a:alpha val="50000"/>
+              </a:schemeClr>
+            </a:solidFill>
+            <a:ln>
+              <a:noFill/>
+            </a:ln>
+          </p:spPr>
+          <p:style>
+            <a:lnRef idx="2">
+              <a:schemeClr val="accent1">
+                <a:shade val="50000"/>
+              </a:schemeClr>
+            </a:lnRef>
+            <a:fillRef idx="1">
+              <a:schemeClr val="accent1"/>
+            </a:fillRef>
+            <a:effectRef idx="0">
+              <a:schemeClr val="accent1"/>
+            </a:effectRef>
+            <a:fontRef idx="minor">
+              <a:schemeClr val="lt1"/>
+            </a:fontRef>
+          </p:style>
+          <p:txBody>
+            <a:bodyPr rtlCol="0" anchor="ctr"/>
+            <a:lstStyle/>
+            <a:p>
+              <a:pPr algn="ctr"/>
+              <a:endParaRPr lang="en-US"/>
+            </a:p>
+          </p:txBody>
+        </p:sp>
+        <p:sp>
+          <p:nvSpPr>
+            <p:cNvPr id="74" name="직사각형 73"/>
+            <p:cNvSpPr/>
+            <p:nvPr/>
+          </p:nvSpPr>
+          <p:spPr>
+            <a:xfrm>
+              <a:off x="7034024" y="495306"/>
+              <a:ext cx="2788837" cy="5168514"/>
+            </a:xfrm>
+            <a:prstGeom prst="rect">
+              <a:avLst/>
+            </a:prstGeom>
+            <a:solidFill>
+              <a:schemeClr val="bg1"/>
+            </a:solidFill>
+            <a:ln>
+              <a:solidFill>
+                <a:schemeClr val="bg1">
+                  <a:lumMod val="75000"/>
+                </a:schemeClr>
+              </a:solidFill>
+              <a:prstDash val="dash"/>
+            </a:ln>
+          </p:spPr>
+          <p:style>
+            <a:lnRef idx="2">
+              <a:schemeClr val="accent1">
+                <a:shade val="50000"/>
+              </a:schemeClr>
+            </a:lnRef>
+            <a:fillRef idx="1">
+              <a:schemeClr val="accent1"/>
+            </a:fillRef>
+            <a:effectRef idx="0">
+              <a:schemeClr val="accent1"/>
+            </a:effectRef>
+            <a:fontRef idx="minor">
+              <a:schemeClr val="lt1"/>
+            </a:fontRef>
+          </p:style>
+          <p:txBody>
+            <a:bodyPr rtlCol="0" anchor="ctr"/>
+            <a:lstStyle/>
+            <a:p>
+              <a:pPr algn="ctr"/>
+              <a:endParaRPr lang="en-US"/>
+            </a:p>
+          </p:txBody>
+        </p:sp>
+        <p:sp>
+          <p:nvSpPr>
+            <p:cNvPr id="75" name="직사각형 74"/>
+            <p:cNvSpPr/>
+            <p:nvPr/>
+          </p:nvSpPr>
+          <p:spPr>
+            <a:xfrm>
+              <a:off x="6985799" y="2777576"/>
+              <a:ext cx="2804404" cy="2552154"/>
+            </a:xfrm>
+            <a:prstGeom prst="rect">
+              <a:avLst/>
+            </a:prstGeom>
+            <a:solidFill>
+              <a:schemeClr val="bg1"/>
+            </a:solidFill>
+            <a:ln>
+              <a:solidFill>
+                <a:schemeClr val="tx1"/>
+              </a:solidFill>
+            </a:ln>
+          </p:spPr>
+          <p:style>
+            <a:lnRef idx="2">
+              <a:schemeClr val="accent1">
+                <a:shade val="50000"/>
+              </a:schemeClr>
+            </a:lnRef>
+            <a:fillRef idx="1">
+              <a:schemeClr val="accent1"/>
+            </a:fillRef>
+            <a:effectRef idx="0">
+              <a:schemeClr val="accent1"/>
+            </a:effectRef>
+            <a:fontRef idx="minor">
+              <a:schemeClr val="lt1"/>
+            </a:fontRef>
+          </p:style>
+          <p:txBody>
+            <a:bodyPr rtlCol="0" anchor="ctr"/>
+            <a:lstStyle/>
+            <a:p>
+              <a:pPr algn="ctr"/>
+              <a:endParaRPr lang="en-US"/>
+            </a:p>
+          </p:txBody>
+        </p:sp>
+        <p:sp>
+          <p:nvSpPr>
+            <p:cNvPr id="76" name="직사각형 75"/>
+            <p:cNvSpPr/>
+            <p:nvPr/>
+          </p:nvSpPr>
+          <p:spPr>
+            <a:xfrm>
+              <a:off x="7843695" y="771471"/>
+              <a:ext cx="1080000" cy="720000"/>
+            </a:xfrm>
+            <a:prstGeom prst="rect">
+              <a:avLst/>
+            </a:prstGeom>
+            <a:ln>
+              <a:solidFill>
+                <a:schemeClr val="tx1"/>
+              </a:solidFill>
+            </a:ln>
+          </p:spPr>
+          <p:style>
+            <a:lnRef idx="2">
+              <a:schemeClr val="accent1">
+                <a:shade val="50000"/>
+              </a:schemeClr>
+            </a:lnRef>
+            <a:fillRef idx="1">
+              <a:schemeClr val="accent1"/>
+            </a:fillRef>
+            <a:effectRef idx="0">
+              <a:schemeClr val="accent1"/>
+            </a:effectRef>
+            <a:fontRef idx="minor">
+              <a:schemeClr val="lt1"/>
+            </a:fontRef>
+          </p:style>
+          <p:txBody>
+            <a:bodyPr rtlCol="0" anchor="ctr"/>
+            <a:lstStyle/>
+            <a:p>
+              <a:pPr algn="ctr"/>
+              <a:r>
+                <a:rPr lang="en-US" dirty="0" smtClean="0"/>
+                <a:t>Box 1</a:t>
+              </a:r>
+              <a:endParaRPr lang="en-US" dirty="0"/>
+            </a:p>
+          </p:txBody>
+        </p:sp>
+        <p:sp>
+          <p:nvSpPr>
+            <p:cNvPr id="77" name="직사각형 76"/>
+            <p:cNvSpPr/>
+            <p:nvPr/>
+          </p:nvSpPr>
+          <p:spPr>
+            <a:xfrm>
+              <a:off x="7843695" y="4599389"/>
+              <a:ext cx="1080000" cy="720000"/>
+            </a:xfrm>
+            <a:prstGeom prst="rect">
+              <a:avLst/>
+            </a:prstGeom>
+            <a:solidFill>
+              <a:srgbClr val="D95757"/>
+            </a:solidFill>
+            <a:ln>
+              <a:solidFill>
+                <a:schemeClr val="tx1"/>
+              </a:solidFill>
+            </a:ln>
+          </p:spPr>
+          <p:style>
+            <a:lnRef idx="2">
+              <a:schemeClr val="accent1">
+                <a:shade val="50000"/>
+              </a:schemeClr>
+            </a:lnRef>
+            <a:fillRef idx="1">
+              <a:schemeClr val="accent1"/>
+            </a:fillRef>
+            <a:effectRef idx="0">
+              <a:schemeClr val="accent1"/>
+            </a:effectRef>
+            <a:fontRef idx="minor">
+              <a:schemeClr val="lt1"/>
+            </a:fontRef>
+          </p:style>
+          <p:txBody>
+            <a:bodyPr rtlCol="0" anchor="ctr"/>
+            <a:lstStyle/>
+            <a:p>
+              <a:pPr algn="ctr"/>
+              <a:r>
+                <a:rPr lang="en-US" dirty="0" smtClean="0"/>
+                <a:t>Box 3</a:t>
+              </a:r>
+              <a:endParaRPr lang="en-US" dirty="0"/>
+            </a:p>
+          </p:txBody>
+        </p:sp>
+        <p:sp>
+          <p:nvSpPr>
+            <p:cNvPr id="78" name="직사각형 77"/>
+            <p:cNvSpPr/>
+            <p:nvPr/>
+          </p:nvSpPr>
+          <p:spPr>
+            <a:xfrm>
+              <a:off x="7843695" y="2681193"/>
+              <a:ext cx="1080000" cy="720000"/>
+            </a:xfrm>
+            <a:prstGeom prst="rect">
+              <a:avLst/>
+            </a:prstGeom>
+            <a:solidFill>
+              <a:schemeClr val="accent1"/>
+            </a:solidFill>
+            <a:ln>
+              <a:solidFill>
+                <a:schemeClr val="tx1"/>
+              </a:solidFill>
+            </a:ln>
+          </p:spPr>
+          <p:style>
+            <a:lnRef idx="2">
+              <a:schemeClr val="accent1">
+                <a:shade val="50000"/>
+              </a:schemeClr>
+            </a:lnRef>
+            <a:fillRef idx="1">
+              <a:schemeClr val="accent1"/>
+            </a:fillRef>
+            <a:effectRef idx="0">
+              <a:schemeClr val="accent1"/>
+            </a:effectRef>
+            <a:fontRef idx="minor">
+              <a:schemeClr val="lt1"/>
+            </a:fontRef>
+          </p:style>
+          <p:txBody>
+            <a:bodyPr rtlCol="0" anchor="ctr"/>
+            <a:lstStyle/>
+            <a:p>
+              <a:pPr algn="ctr"/>
+              <a:r>
+                <a:rPr lang="en-US" dirty="0" smtClean="0"/>
+                <a:t>Box 2</a:t>
+              </a:r>
+              <a:endParaRPr lang="en-US" dirty="0"/>
+            </a:p>
+          </p:txBody>
+        </p:sp>
+        <p:sp>
+          <p:nvSpPr>
+            <p:cNvPr id="79" name="직사각형 78"/>
+            <p:cNvSpPr/>
+            <p:nvPr/>
+          </p:nvSpPr>
+          <p:spPr>
+            <a:xfrm>
+              <a:off x="9568861" y="2777575"/>
+              <a:ext cx="254000" cy="2556000"/>
+            </a:xfrm>
+            <a:prstGeom prst="rect">
+              <a:avLst/>
+            </a:prstGeom>
+            <a:solidFill>
+              <a:schemeClr val="bg1"/>
+            </a:solidFill>
+            <a:ln>
+              <a:solidFill>
+                <a:schemeClr val="tx1"/>
+              </a:solidFill>
+            </a:ln>
+          </p:spPr>
+          <p:style>
+            <a:lnRef idx="2">
+              <a:schemeClr val="accent3"/>
+            </a:lnRef>
+            <a:fillRef idx="1">
+              <a:schemeClr val="lt1"/>
+            </a:fillRef>
+            <a:effectRef idx="0">
+              <a:schemeClr val="accent3"/>
+            </a:effectRef>
+            <a:fontRef idx="minor">
+              <a:schemeClr val="dk1"/>
+            </a:fontRef>
+          </p:style>
+          <p:txBody>
+            <a:bodyPr rtlCol="0" anchor="ctr"/>
+            <a:lstStyle/>
+            <a:p>
+              <a:pPr algn="ctr"/>
+              <a:endParaRPr lang="en-US"/>
+            </a:p>
+          </p:txBody>
+        </p:sp>
+        <p:sp>
+          <p:nvSpPr>
+            <p:cNvPr id="80" name="직사각형 79"/>
+            <p:cNvSpPr/>
+            <p:nvPr/>
+          </p:nvSpPr>
+          <p:spPr>
+            <a:xfrm>
+              <a:off x="9594550" y="3948470"/>
+              <a:ext cx="206248" cy="1041400"/>
+            </a:xfrm>
+            <a:prstGeom prst="rect">
+              <a:avLst/>
+            </a:prstGeom>
+            <a:solidFill>
+              <a:schemeClr val="bg1">
+                <a:lumMod val="75000"/>
+              </a:schemeClr>
+            </a:solidFill>
+            <a:ln>
+              <a:noFill/>
+            </a:ln>
+          </p:spPr>
+          <p:style>
+            <a:lnRef idx="2">
+              <a:schemeClr val="dk1">
+                <a:shade val="50000"/>
+              </a:schemeClr>
+            </a:lnRef>
+            <a:fillRef idx="1">
+              <a:schemeClr val="dk1"/>
+            </a:fillRef>
+            <a:effectRef idx="0">
+              <a:schemeClr val="dk1"/>
+            </a:effectRef>
+            <a:fontRef idx="minor">
+              <a:schemeClr val="lt1"/>
+            </a:fontRef>
+          </p:style>
+          <p:txBody>
+            <a:bodyPr rtlCol="0" anchor="ctr"/>
+            <a:lstStyle/>
+            <a:p>
+              <a:pPr algn="ctr"/>
+              <a:endParaRPr lang="en-US"/>
+            </a:p>
+          </p:txBody>
+        </p:sp>
+        <p:grpSp>
+          <p:nvGrpSpPr>
+            <p:cNvPr id="81" name="그룹 80"/>
+            <p:cNvGrpSpPr/>
+            <p:nvPr/>
+          </p:nvGrpSpPr>
+          <p:grpSpPr>
+            <a:xfrm>
+              <a:off x="9594550" y="2788461"/>
+              <a:ext cx="206248" cy="177800"/>
+              <a:chOff x="676338" y="1066800"/>
+              <a:chExt cx="206248" cy="177800"/>
+            </a:xfrm>
+          </p:grpSpPr>
+          <p:sp>
+            <p:nvSpPr>
+              <p:cNvPr id="84" name="직사각형 83"/>
+              <p:cNvSpPr/>
+              <p:nvPr/>
+            </p:nvSpPr>
+            <p:spPr>
+              <a:xfrm>
+                <a:off x="676338" y="1066800"/>
+                <a:ext cx="206248" cy="177800"/>
+              </a:xfrm>
+              <a:prstGeom prst="rect">
+                <a:avLst/>
+              </a:prstGeom>
+              <a:solidFill>
+                <a:schemeClr val="bg1">
+                  <a:lumMod val="75000"/>
+                </a:schemeClr>
+              </a:solidFill>
+              <a:ln>
+                <a:noFill/>
+              </a:ln>
+            </p:spPr>
+            <p:style>
+              <a:lnRef idx="2">
+                <a:schemeClr val="accent1">
+                  <a:shade val="50000"/>
+                </a:schemeClr>
+              </a:lnRef>
+              <a:fillRef idx="1">
+                <a:schemeClr val="accent1"/>
+              </a:fillRef>
+              <a:effectRef idx="0">
+                <a:schemeClr val="accent1"/>
+              </a:effectRef>
+              <a:fontRef idx="minor">
+                <a:schemeClr val="lt1"/>
+              </a:fontRef>
+            </p:style>
+            <p:txBody>
+              <a:bodyPr rtlCol="0" anchor="ctr"/>
+              <a:lstStyle/>
+              <a:p>
+                <a:pPr algn="ctr"/>
+                <a:endParaRPr lang="en-US"/>
+              </a:p>
+            </p:txBody>
+          </p:sp>
+          <p:sp>
+            <p:nvSpPr>
+              <p:cNvPr id="98" name="이등변 삼각형 97"/>
+              <p:cNvSpPr/>
+              <p:nvPr/>
+            </p:nvSpPr>
+            <p:spPr>
+              <a:xfrm>
+                <a:off x="701738" y="1085850"/>
+                <a:ext cx="154686" cy="133350"/>
+              </a:xfrm>
+              <a:prstGeom prst="triangle">
+                <a:avLst/>
+              </a:prstGeom>
+              <a:solidFill>
+                <a:schemeClr val="tx1"/>
+              </a:solidFill>
+              <a:ln>
+                <a:noFill/>
+              </a:ln>
+            </p:spPr>
+            <p:style>
+              <a:lnRef idx="2">
+                <a:schemeClr val="dk1">
+                  <a:shade val="50000"/>
+                </a:schemeClr>
+              </a:lnRef>
+              <a:fillRef idx="1">
+                <a:schemeClr val="dk1"/>
+              </a:fillRef>
+              <a:effectRef idx="0">
+                <a:schemeClr val="dk1"/>
+              </a:effectRef>
+              <a:fontRef idx="minor">
+                <a:schemeClr val="lt1"/>
+              </a:fontRef>
+            </p:style>
+            <p:txBody>
+              <a:bodyPr rtlCol="0" anchor="ctr"/>
+              <a:lstStyle/>
+              <a:p>
+                <a:pPr algn="ctr"/>
+                <a:endParaRPr lang="en-US"/>
+              </a:p>
+            </p:txBody>
+          </p:sp>
+        </p:grpSp>
+        <p:grpSp>
+          <p:nvGrpSpPr>
+            <p:cNvPr id="101" name="그룹 100"/>
+            <p:cNvGrpSpPr/>
+            <p:nvPr/>
+          </p:nvGrpSpPr>
+          <p:grpSpPr>
+            <a:xfrm flipH="1" flipV="1">
+              <a:off x="9594550" y="5144673"/>
+              <a:ext cx="206248" cy="177800"/>
+              <a:chOff x="676338" y="1066800"/>
+              <a:chExt cx="206248" cy="177800"/>
+            </a:xfrm>
+          </p:grpSpPr>
+          <p:sp>
+            <p:nvSpPr>
+              <p:cNvPr id="115" name="직사각형 114"/>
+              <p:cNvSpPr/>
+              <p:nvPr/>
+            </p:nvSpPr>
+            <p:spPr>
+              <a:xfrm>
+                <a:off x="676338" y="1066800"/>
+                <a:ext cx="206248" cy="177800"/>
+              </a:xfrm>
+              <a:prstGeom prst="rect">
+                <a:avLst/>
+              </a:prstGeom>
+              <a:solidFill>
+                <a:schemeClr val="bg1">
+                  <a:lumMod val="75000"/>
+                </a:schemeClr>
+              </a:solidFill>
+              <a:ln>
+                <a:noFill/>
+              </a:ln>
+            </p:spPr>
+            <p:style>
+              <a:lnRef idx="2">
+                <a:schemeClr val="accent1">
+                  <a:shade val="50000"/>
+                </a:schemeClr>
+              </a:lnRef>
+              <a:fillRef idx="1">
+                <a:schemeClr val="accent1"/>
+              </a:fillRef>
+              <a:effectRef idx="0">
+                <a:schemeClr val="accent1"/>
+              </a:effectRef>
+              <a:fontRef idx="minor">
+                <a:schemeClr val="lt1"/>
+              </a:fontRef>
+            </p:style>
+            <p:txBody>
+              <a:bodyPr rtlCol="0" anchor="ctr"/>
+              <a:lstStyle/>
+              <a:p>
+                <a:pPr algn="ctr"/>
+                <a:endParaRPr lang="en-US"/>
+              </a:p>
+            </p:txBody>
+          </p:sp>
+          <p:sp>
+            <p:nvSpPr>
+              <p:cNvPr id="116" name="이등변 삼각형 115"/>
+              <p:cNvSpPr/>
+              <p:nvPr/>
+            </p:nvSpPr>
+            <p:spPr>
+              <a:xfrm>
+                <a:off x="701738" y="1085850"/>
+                <a:ext cx="154686" cy="133350"/>
+              </a:xfrm>
+              <a:prstGeom prst="triangle">
+                <a:avLst/>
+              </a:prstGeom>
+              <a:solidFill>
+                <a:schemeClr val="tx1"/>
+              </a:solidFill>
+              <a:ln>
+                <a:noFill/>
+              </a:ln>
+            </p:spPr>
+            <p:style>
+              <a:lnRef idx="2">
+                <a:schemeClr val="dk1">
+                  <a:shade val="50000"/>
+                </a:schemeClr>
+              </a:lnRef>
+              <a:fillRef idx="1">
+                <a:schemeClr val="dk1"/>
+              </a:fillRef>
+              <a:effectRef idx="0">
+                <a:schemeClr val="dk1"/>
+              </a:effectRef>
+              <a:fontRef idx="minor">
+                <a:schemeClr val="lt1"/>
+              </a:fontRef>
+            </p:style>
+            <p:txBody>
+              <a:bodyPr rtlCol="0" anchor="ctr"/>
+              <a:lstStyle/>
+              <a:p>
+                <a:pPr algn="ctr"/>
+                <a:endParaRPr lang="en-US"/>
+              </a:p>
+            </p:txBody>
+          </p:sp>
+        </p:grpSp>
+        <p:sp>
+          <p:nvSpPr>
+            <p:cNvPr id="119" name="직사각형 118"/>
+            <p:cNvSpPr/>
+            <p:nvPr/>
+          </p:nvSpPr>
+          <p:spPr>
+            <a:xfrm>
+              <a:off x="7351433" y="660610"/>
+              <a:ext cx="2154018" cy="2113121"/>
+            </a:xfrm>
+            <a:prstGeom prst="rect">
+              <a:avLst/>
+            </a:prstGeom>
+            <a:solidFill>
+              <a:schemeClr val="bg1">
+                <a:alpha val="50000"/>
+              </a:schemeClr>
+            </a:solidFill>
+            <a:ln>
+              <a:noFill/>
+            </a:ln>
+          </p:spPr>
+          <p:style>
+            <a:lnRef idx="2">
+              <a:schemeClr val="accent1">
+                <a:shade val="50000"/>
+              </a:schemeClr>
+            </a:lnRef>
+            <a:fillRef idx="1">
+              <a:schemeClr val="accent1"/>
+            </a:fillRef>
+            <a:effectRef idx="0">
+              <a:schemeClr val="accent1"/>
+            </a:effectRef>
+            <a:fontRef idx="minor">
+              <a:schemeClr val="lt1"/>
+            </a:fontRef>
+          </p:style>
+          <p:txBody>
+            <a:bodyPr rtlCol="0" anchor="ctr"/>
+            <a:lstStyle/>
+            <a:p>
+              <a:pPr algn="ctr"/>
+              <a:endParaRPr lang="en-US"/>
+            </a:p>
+          </p:txBody>
+        </p:sp>
+        <p:cxnSp>
+          <p:nvCxnSpPr>
+            <p:cNvPr id="3" name="직선 화살표 연결선 2"/>
+            <p:cNvCxnSpPr/>
+            <p:nvPr/>
+          </p:nvCxnSpPr>
+          <p:spPr>
+            <a:xfrm>
+              <a:off x="5254386" y="3948470"/>
+              <a:ext cx="1594933" cy="0"/>
+            </a:xfrm>
+            <a:prstGeom prst="straightConnector1">
+              <a:avLst/>
+            </a:prstGeom>
+            <a:ln w="38100">
+              <a:solidFill>
+                <a:schemeClr val="accent5"/>
+              </a:solidFill>
+              <a:headEnd type="none" w="med" len="med"/>
+              <a:tailEnd type="triangle" w="med" len="med"/>
+            </a:ln>
+          </p:spPr>
+          <p:style>
+            <a:lnRef idx="1">
+              <a:schemeClr val="accent1"/>
+            </a:lnRef>
+            <a:fillRef idx="0">
+              <a:schemeClr val="accent1"/>
+            </a:fillRef>
+            <a:effectRef idx="0">
+              <a:schemeClr val="accent1"/>
+            </a:effectRef>
+            <a:fontRef idx="minor">
+              <a:schemeClr val="tx1"/>
+            </a:fontRef>
+          </p:style>
+        </p:cxnSp>
+        <p:sp>
+          <p:nvSpPr>
+            <p:cNvPr id="5" name="TextBox 4"/>
+            <p:cNvSpPr txBox="1"/>
+            <p:nvPr/>
+          </p:nvSpPr>
+          <p:spPr>
+            <a:xfrm>
+              <a:off x="5264559" y="4023837"/>
+              <a:ext cx="1515158" cy="584775"/>
+            </a:xfrm>
+            <a:prstGeom prst="rect">
+              <a:avLst/>
+            </a:prstGeom>
+            <a:noFill/>
+            <a:ln>
+              <a:noFill/>
+            </a:ln>
+          </p:spPr>
+          <p:txBody>
+            <a:bodyPr wrap="none" rtlCol="0">
+              <a:spAutoFit/>
+            </a:bodyPr>
+            <a:lstStyle/>
+            <a:p>
+              <a:r>
+                <a:rPr lang="en-US" sz="1600" dirty="0" smtClean="0">
+                  <a:solidFill>
+                    <a:srgbClr val="0070C0"/>
+                  </a:solidFill>
+                  <a:latin typeface="Roboto Light" panose="02000000000000000000" pitchFamily="2" charset="0"/>
+                  <a:ea typeface="Roboto Light" panose="02000000000000000000" pitchFamily="2" charset="0"/>
+                </a:rPr>
+                <a:t>Press the </a:t>
+              </a:r>
+            </a:p>
+            <a:p>
+              <a:r>
+                <a:rPr lang="en-US" sz="1600" dirty="0" smtClean="0">
+                  <a:solidFill>
+                    <a:srgbClr val="0070C0"/>
+                  </a:solidFill>
+                  <a:latin typeface="Roboto Light" panose="02000000000000000000" pitchFamily="2" charset="0"/>
+                  <a:ea typeface="Roboto Light" panose="02000000000000000000" pitchFamily="2" charset="0"/>
+                </a:rPr>
+                <a:t>right arrow key</a:t>
+              </a:r>
+              <a:endParaRPr lang="en-US" sz="1600" dirty="0">
+                <a:solidFill>
+                  <a:srgbClr val="0070C0"/>
+                </a:solidFill>
+                <a:latin typeface="Roboto Light" panose="02000000000000000000" pitchFamily="2" charset="0"/>
+                <a:ea typeface="Roboto Light" panose="02000000000000000000" pitchFamily="2" charset="0"/>
+              </a:endParaRPr>
+            </a:p>
+          </p:txBody>
+        </p:sp>
+      </p:grpSp>
+    </p:spTree>
+    <p:extLst>
+      <p:ext uri="{BB962C8B-B14F-4D97-AF65-F5344CB8AC3E}">
+        <p14:creationId xmlns:p14="http://schemas.microsoft.com/office/powerpoint/2010/main" val="1133476881"/>
+      </p:ext>
+    </p:extLst>
+  </p:cSld>
+  <p:clrMapOvr>
+    <a:masterClrMapping/>
+  </p:clrMapOvr>
+</p:sld>
+</file>
+
+<file path=ppt/slides/slide13.xml><?xml version="1.0" encoding="utf-8"?>
+<p:sld xmlns:a="http://schemas.openxmlformats.org/drawingml/2006/main" xmlns:r="http://schemas.openxmlformats.org/officeDocument/2006/relationships" xmlns:p="http://schemas.openxmlformats.org/presentationml/2006/main">
+  <p:cSld>
+    <p:spTree>
+      <p:nvGrpSpPr>
+        <p:cNvPr id="1" name=""/>
+        <p:cNvGrpSpPr/>
+        <p:nvPr/>
+      </p:nvGrpSpPr>
+      <p:grpSpPr>
+        <a:xfrm>
+          <a:off x="0" y="0"/>
+          <a:ext cx="0" cy="0"/>
+          <a:chOff x="0" y="0"/>
+          <a:chExt cx="0" cy="0"/>
+        </a:xfrm>
+      </p:grpSpPr>
+      <p:sp>
+        <p:nvSpPr>
+          <p:cNvPr id="22" name="직사각형 21"/>
+          <p:cNvSpPr/>
+          <p:nvPr/>
+        </p:nvSpPr>
+        <p:spPr>
+          <a:xfrm rot="16200000">
+            <a:off x="5252041" y="1496640"/>
+            <a:ext cx="2788837" cy="5022376"/>
+          </a:xfrm>
+          <a:prstGeom prst="rect">
+            <a:avLst/>
+          </a:prstGeom>
+          <a:solidFill>
+            <a:schemeClr val="bg1"/>
+          </a:solidFill>
+          <a:ln>
+            <a:solidFill>
+              <a:schemeClr val="bg1">
+                <a:lumMod val="75000"/>
+              </a:schemeClr>
+            </a:solidFill>
+            <a:prstDash val="dash"/>
+          </a:ln>
+        </p:spPr>
+        <p:style>
+          <a:lnRef idx="2">
+            <a:schemeClr val="accent1">
+              <a:shade val="50000"/>
+            </a:schemeClr>
+          </a:lnRef>
+          <a:fillRef idx="1">
+            <a:schemeClr val="accent1"/>
+          </a:fillRef>
+          <a:effectRef idx="0">
+            <a:schemeClr val="accent1"/>
+          </a:effectRef>
+          <a:fontRef idx="minor">
+            <a:schemeClr val="lt1"/>
+          </a:fontRef>
+        </p:style>
+        <p:txBody>
+          <a:bodyPr rtlCol="0" anchor="ctr"/>
+          <a:lstStyle/>
+          <a:p>
+            <a:pPr algn="ctr"/>
+            <a:endParaRPr lang="en-US"/>
+          </a:p>
+        </p:txBody>
+      </p:sp>
+      <p:sp>
+        <p:nvSpPr>
+          <p:cNvPr id="4" name="직사각형 3"/>
+          <p:cNvSpPr/>
+          <p:nvPr/>
+        </p:nvSpPr>
+        <p:spPr>
+          <a:xfrm rot="5400000">
+            <a:off x="4593916" y="2139200"/>
+            <a:ext cx="2804404" cy="3721691"/>
+          </a:xfrm>
+          <a:prstGeom prst="rect">
+            <a:avLst/>
+          </a:prstGeom>
+          <a:solidFill>
+            <a:schemeClr val="bg1"/>
+          </a:solidFill>
+          <a:ln w="63500">
+            <a:solidFill>
+              <a:srgbClr val="C00000"/>
+            </a:solidFill>
+          </a:ln>
+        </p:spPr>
+        <p:style>
+          <a:lnRef idx="2">
+            <a:schemeClr val="accent1">
+              <a:shade val="50000"/>
+            </a:schemeClr>
+          </a:lnRef>
+          <a:fillRef idx="1">
+            <a:schemeClr val="accent1"/>
+          </a:fillRef>
+          <a:effectRef idx="0">
+            <a:schemeClr val="accent1"/>
+          </a:effectRef>
+          <a:fontRef idx="minor">
+            <a:schemeClr val="lt1"/>
+          </a:fontRef>
+        </p:style>
+        <p:txBody>
+          <a:bodyPr rtlCol="0" anchor="ctr"/>
+          <a:lstStyle/>
+          <a:p>
+            <a:pPr algn="ctr"/>
+            <a:endParaRPr lang="en-US"/>
+          </a:p>
+        </p:txBody>
+      </p:sp>
+      <p:sp>
+        <p:nvSpPr>
+          <p:cNvPr id="5" name="직사각형 4"/>
+          <p:cNvSpPr/>
+          <p:nvPr/>
+        </p:nvSpPr>
+        <p:spPr>
+          <a:xfrm>
+            <a:off x="4686698" y="3826809"/>
+            <a:ext cx="704168" cy="636009"/>
+          </a:xfrm>
+          <a:prstGeom prst="rect">
+            <a:avLst/>
+          </a:prstGeom>
+          <a:solidFill>
+            <a:schemeClr val="accent1"/>
+          </a:solidFill>
+          <a:ln w="63500">
+            <a:solidFill>
+              <a:srgbClr val="C00000"/>
+            </a:solidFill>
+          </a:ln>
+        </p:spPr>
+        <p:style>
+          <a:lnRef idx="2">
+            <a:schemeClr val="accent1">
+              <a:shade val="50000"/>
+            </a:schemeClr>
+          </a:lnRef>
+          <a:fillRef idx="1">
+            <a:schemeClr val="accent1"/>
+          </a:fillRef>
+          <a:effectRef idx="0">
+            <a:schemeClr val="accent1"/>
+          </a:effectRef>
+          <a:fontRef idx="minor">
+            <a:schemeClr val="lt1"/>
+          </a:fontRef>
+        </p:style>
+        <p:txBody>
+          <a:bodyPr rtlCol="0" anchor="ctr"/>
+          <a:lstStyle/>
+          <a:p>
+            <a:pPr algn="ctr"/>
+            <a:endParaRPr lang="en-US" dirty="0"/>
+          </a:p>
+        </p:txBody>
+      </p:sp>
+      <p:sp>
+        <p:nvSpPr>
+          <p:cNvPr id="6" name="직사각형 5"/>
+          <p:cNvSpPr/>
+          <p:nvPr/>
+        </p:nvSpPr>
+        <p:spPr>
+          <a:xfrm>
+            <a:off x="2954045" y="3682040"/>
+            <a:ext cx="704168" cy="636009"/>
+          </a:xfrm>
+          <a:prstGeom prst="rect">
+            <a:avLst/>
+          </a:prstGeom>
+          <a:ln w="63500">
+            <a:solidFill>
+              <a:srgbClr val="C00000"/>
+            </a:solidFill>
+          </a:ln>
+        </p:spPr>
+        <p:style>
+          <a:lnRef idx="2">
+            <a:schemeClr val="accent1">
+              <a:shade val="50000"/>
+            </a:schemeClr>
+          </a:lnRef>
+          <a:fillRef idx="1">
+            <a:schemeClr val="accent1"/>
+          </a:fillRef>
+          <a:effectRef idx="0">
+            <a:schemeClr val="accent1"/>
+          </a:effectRef>
+          <a:fontRef idx="minor">
+            <a:schemeClr val="lt1"/>
+          </a:fontRef>
+        </p:style>
+        <p:txBody>
+          <a:bodyPr rtlCol="0" anchor="ctr"/>
+          <a:lstStyle/>
+          <a:p>
+            <a:pPr algn="ctr"/>
+            <a:endParaRPr lang="en-US" dirty="0"/>
+          </a:p>
+        </p:txBody>
+      </p:sp>
+      <p:sp>
+        <p:nvSpPr>
+          <p:cNvPr id="8" name="직사각형 7"/>
+          <p:cNvSpPr/>
+          <p:nvPr/>
+        </p:nvSpPr>
+        <p:spPr>
+          <a:xfrm rot="5400000">
+            <a:off x="5890019" y="3443611"/>
+            <a:ext cx="216000" cy="3636000"/>
+          </a:xfrm>
+          <a:prstGeom prst="rect">
+            <a:avLst/>
+          </a:prstGeom>
+          <a:solidFill>
+            <a:schemeClr val="bg1"/>
+          </a:solidFill>
+          <a:ln>
+            <a:solidFill>
+              <a:schemeClr val="tx1"/>
+            </a:solidFill>
+          </a:ln>
+        </p:spPr>
+        <p:style>
+          <a:lnRef idx="2">
+            <a:schemeClr val="accent3"/>
+          </a:lnRef>
+          <a:fillRef idx="1">
+            <a:schemeClr val="lt1"/>
+          </a:fillRef>
+          <a:effectRef idx="0">
+            <a:schemeClr val="accent3"/>
+          </a:effectRef>
+          <a:fontRef idx="minor">
+            <a:schemeClr val="dk1"/>
+          </a:fontRef>
+        </p:style>
+        <p:txBody>
+          <a:bodyPr rtlCol="0" anchor="ctr"/>
+          <a:lstStyle/>
+          <a:p>
+            <a:pPr algn="ctr"/>
+            <a:endParaRPr lang="en-US"/>
+          </a:p>
+        </p:txBody>
+      </p:sp>
+      <p:grpSp>
+        <p:nvGrpSpPr>
+          <p:cNvPr id="11" name="그룹 10"/>
+          <p:cNvGrpSpPr/>
+          <p:nvPr/>
+        </p:nvGrpSpPr>
+        <p:grpSpPr>
+          <a:xfrm rot="5400000" flipH="1" flipV="1">
+            <a:off x="4201310" y="5179299"/>
+            <a:ext cx="180000" cy="180000"/>
+            <a:chOff x="676338" y="1066800"/>
+            <a:chExt cx="206248" cy="177800"/>
+          </a:xfrm>
+        </p:grpSpPr>
+        <p:sp>
+          <p:nvSpPr>
+            <p:cNvPr id="13" name="직사각형 12"/>
+            <p:cNvSpPr/>
+            <p:nvPr/>
+          </p:nvSpPr>
+          <p:spPr>
+            <a:xfrm>
+              <a:off x="676338" y="1066800"/>
+              <a:ext cx="206248" cy="177800"/>
+            </a:xfrm>
+            <a:prstGeom prst="rect">
+              <a:avLst/>
+            </a:prstGeom>
+            <a:solidFill>
+              <a:schemeClr val="bg1">
+                <a:lumMod val="75000"/>
+              </a:schemeClr>
+            </a:solidFill>
+            <a:ln>
+              <a:noFill/>
+            </a:ln>
+          </p:spPr>
+          <p:style>
+            <a:lnRef idx="2">
+              <a:schemeClr val="accent1">
+                <a:shade val="50000"/>
+              </a:schemeClr>
+            </a:lnRef>
+            <a:fillRef idx="1">
+              <a:schemeClr val="accent1"/>
+            </a:fillRef>
+            <a:effectRef idx="0">
+              <a:schemeClr val="accent1"/>
+            </a:effectRef>
+            <a:fontRef idx="minor">
+              <a:schemeClr val="lt1"/>
+            </a:fontRef>
+          </p:style>
+          <p:txBody>
+            <a:bodyPr rtlCol="0" anchor="ctr"/>
+            <a:lstStyle/>
+            <a:p>
+              <a:pPr algn="ctr"/>
+              <a:endParaRPr lang="en-US"/>
+            </a:p>
+          </p:txBody>
+        </p:sp>
+        <p:sp>
+          <p:nvSpPr>
+            <p:cNvPr id="14" name="이등변 삼각형 13"/>
+            <p:cNvSpPr/>
+            <p:nvPr/>
+          </p:nvSpPr>
+          <p:spPr>
+            <a:xfrm>
+              <a:off x="701738" y="1085850"/>
+              <a:ext cx="154686" cy="133350"/>
+            </a:xfrm>
+            <a:prstGeom prst="triangle">
+              <a:avLst/>
+            </a:prstGeom>
+            <a:solidFill>
+              <a:schemeClr val="tx1"/>
+            </a:solidFill>
+            <a:ln>
+              <a:noFill/>
+            </a:ln>
+          </p:spPr>
+          <p:style>
+            <a:lnRef idx="2">
+              <a:schemeClr val="dk1">
+                <a:shade val="50000"/>
+              </a:schemeClr>
+            </a:lnRef>
+            <a:fillRef idx="1">
+              <a:schemeClr val="dk1"/>
+            </a:fillRef>
+            <a:effectRef idx="0">
+              <a:schemeClr val="dk1"/>
+            </a:effectRef>
+            <a:fontRef idx="minor">
+              <a:schemeClr val="lt1"/>
+            </a:fontRef>
+          </p:style>
+          <p:txBody>
+            <a:bodyPr rtlCol="0" anchor="ctr"/>
+            <a:lstStyle/>
+            <a:p>
+              <a:pPr algn="ctr"/>
+              <a:endParaRPr lang="en-US"/>
+            </a:p>
+          </p:txBody>
+        </p:sp>
+      </p:grpSp>
+      <p:sp>
+        <p:nvSpPr>
+          <p:cNvPr id="17" name="직사각형 16"/>
+          <p:cNvSpPr/>
+          <p:nvPr/>
+        </p:nvSpPr>
+        <p:spPr>
+          <a:xfrm>
+            <a:off x="6271831" y="3508804"/>
+            <a:ext cx="704168" cy="636009"/>
+          </a:xfrm>
+          <a:prstGeom prst="rect">
+            <a:avLst/>
+          </a:prstGeom>
+          <a:ln w="63500">
+            <a:solidFill>
+              <a:srgbClr val="C00000"/>
+            </a:solidFill>
+          </a:ln>
+        </p:spPr>
+        <p:style>
+          <a:lnRef idx="2">
+            <a:schemeClr val="accent1">
+              <a:shade val="50000"/>
+            </a:schemeClr>
+          </a:lnRef>
+          <a:fillRef idx="1">
+            <a:schemeClr val="accent1"/>
+          </a:fillRef>
+          <a:effectRef idx="0">
+            <a:schemeClr val="accent1"/>
+          </a:effectRef>
+          <a:fontRef idx="minor">
+            <a:schemeClr val="lt1"/>
+          </a:fontRef>
+        </p:style>
+        <p:txBody>
+          <a:bodyPr rtlCol="0" anchor="ctr"/>
+          <a:lstStyle/>
+          <a:p>
+            <a:pPr algn="ctr"/>
+            <a:endParaRPr lang="en-US" dirty="0"/>
+          </a:p>
+        </p:txBody>
+      </p:sp>
+      <p:grpSp>
+        <p:nvGrpSpPr>
+          <p:cNvPr id="19" name="그룹 18"/>
+          <p:cNvGrpSpPr/>
+          <p:nvPr/>
+        </p:nvGrpSpPr>
+        <p:grpSpPr>
+          <a:xfrm rot="16200000" flipV="1">
+            <a:off x="7636019" y="5179299"/>
+            <a:ext cx="180000" cy="180000"/>
+            <a:chOff x="676338" y="1066800"/>
+            <a:chExt cx="206248" cy="177800"/>
+          </a:xfrm>
+        </p:grpSpPr>
+        <p:sp>
+          <p:nvSpPr>
+            <p:cNvPr id="20" name="직사각형 19"/>
+            <p:cNvSpPr/>
+            <p:nvPr/>
+          </p:nvSpPr>
+          <p:spPr>
+            <a:xfrm>
+              <a:off x="676338" y="1066800"/>
+              <a:ext cx="206248" cy="177800"/>
+            </a:xfrm>
+            <a:prstGeom prst="rect">
+              <a:avLst/>
+            </a:prstGeom>
+            <a:solidFill>
+              <a:schemeClr val="bg1">
+                <a:lumMod val="75000"/>
+              </a:schemeClr>
+            </a:solidFill>
+            <a:ln>
+              <a:noFill/>
+            </a:ln>
+          </p:spPr>
+          <p:style>
+            <a:lnRef idx="2">
+              <a:schemeClr val="accent1">
+                <a:shade val="50000"/>
+              </a:schemeClr>
+            </a:lnRef>
+            <a:fillRef idx="1">
+              <a:schemeClr val="accent1"/>
+            </a:fillRef>
+            <a:effectRef idx="0">
+              <a:schemeClr val="accent1"/>
+            </a:effectRef>
+            <a:fontRef idx="minor">
+              <a:schemeClr val="lt1"/>
+            </a:fontRef>
+          </p:style>
+          <p:txBody>
+            <a:bodyPr rtlCol="0" anchor="ctr"/>
+            <a:lstStyle/>
+            <a:p>
+              <a:pPr algn="ctr"/>
+              <a:endParaRPr lang="en-US"/>
+            </a:p>
+          </p:txBody>
+        </p:sp>
+        <p:sp>
+          <p:nvSpPr>
+            <p:cNvPr id="21" name="이등변 삼각형 20"/>
+            <p:cNvSpPr/>
+            <p:nvPr/>
+          </p:nvSpPr>
+          <p:spPr>
+            <a:xfrm>
+              <a:off x="701738" y="1085850"/>
+              <a:ext cx="154686" cy="133350"/>
+            </a:xfrm>
+            <a:prstGeom prst="triangle">
+              <a:avLst/>
+            </a:prstGeom>
+            <a:solidFill>
+              <a:schemeClr val="tx1"/>
+            </a:solidFill>
+            <a:ln>
+              <a:noFill/>
+            </a:ln>
+          </p:spPr>
+          <p:style>
+            <a:lnRef idx="2">
+              <a:schemeClr val="dk1">
+                <a:shade val="50000"/>
+              </a:schemeClr>
+            </a:lnRef>
+            <a:fillRef idx="1">
+              <a:schemeClr val="dk1"/>
+            </a:fillRef>
+            <a:effectRef idx="0">
+              <a:schemeClr val="dk1"/>
+            </a:effectRef>
+            <a:fontRef idx="minor">
+              <a:schemeClr val="lt1"/>
+            </a:fontRef>
+          </p:style>
+          <p:txBody>
+            <a:bodyPr rtlCol="0" anchor="ctr"/>
+            <a:lstStyle/>
+            <a:p>
+              <a:pPr algn="ctr"/>
+              <a:endParaRPr lang="en-US"/>
+            </a:p>
+          </p:txBody>
+        </p:sp>
+      </p:grpSp>
+      <p:sp>
+        <p:nvSpPr>
+          <p:cNvPr id="23" name="직사각형 22"/>
+          <p:cNvSpPr/>
+          <p:nvPr/>
+        </p:nvSpPr>
+        <p:spPr>
+          <a:xfrm>
+            <a:off x="8155222" y="3689823"/>
+            <a:ext cx="704168" cy="636009"/>
+          </a:xfrm>
+          <a:prstGeom prst="rect">
+            <a:avLst/>
+          </a:prstGeom>
+          <a:ln w="63500">
+            <a:noFill/>
+          </a:ln>
+        </p:spPr>
+        <p:style>
+          <a:lnRef idx="2">
+            <a:schemeClr val="accent1">
+              <a:shade val="50000"/>
+            </a:schemeClr>
+          </a:lnRef>
+          <a:fillRef idx="1">
+            <a:schemeClr val="accent1"/>
+          </a:fillRef>
+          <a:effectRef idx="0">
+            <a:schemeClr val="accent1"/>
+          </a:effectRef>
+          <a:fontRef idx="minor">
+            <a:schemeClr val="lt1"/>
+          </a:fontRef>
+        </p:style>
+        <p:txBody>
+          <a:bodyPr rtlCol="0" anchor="ctr"/>
+          <a:lstStyle/>
+          <a:p>
+            <a:pPr algn="ctr"/>
+            <a:endParaRPr lang="en-US" dirty="0"/>
+          </a:p>
+        </p:txBody>
+      </p:sp>
+      <p:sp>
+        <p:nvSpPr>
+          <p:cNvPr id="24" name="직사각형 23"/>
+          <p:cNvSpPr/>
+          <p:nvPr/>
+        </p:nvSpPr>
+        <p:spPr>
+          <a:xfrm>
+            <a:off x="8008365" y="3444897"/>
+            <a:ext cx="997881" cy="1110294"/>
+          </a:xfrm>
+          <a:prstGeom prst="rect">
+            <a:avLst/>
+          </a:prstGeom>
+          <a:solidFill>
+            <a:schemeClr val="bg1">
+              <a:alpha val="70000"/>
+            </a:schemeClr>
+          </a:solidFill>
+          <a:ln>
+            <a:noFill/>
+          </a:ln>
+        </p:spPr>
+        <p:style>
+          <a:lnRef idx="2">
+            <a:schemeClr val="accent1">
+              <a:shade val="50000"/>
+            </a:schemeClr>
+          </a:lnRef>
+          <a:fillRef idx="1">
+            <a:schemeClr val="accent1"/>
+          </a:fillRef>
+          <a:effectRef idx="0">
+            <a:schemeClr val="accent1"/>
+          </a:effectRef>
+          <a:fontRef idx="minor">
+            <a:schemeClr val="lt1"/>
+          </a:fontRef>
+        </p:style>
+        <p:txBody>
+          <a:bodyPr rtlCol="0" anchor="ctr"/>
+          <a:lstStyle/>
+          <a:p>
+            <a:pPr algn="ctr"/>
+            <a:endParaRPr lang="en-US"/>
+          </a:p>
+        </p:txBody>
+      </p:sp>
+      <p:sp>
+        <p:nvSpPr>
+          <p:cNvPr id="25" name="직사각형 24"/>
+          <p:cNvSpPr/>
+          <p:nvPr/>
+        </p:nvSpPr>
+        <p:spPr>
+          <a:xfrm rot="16200000">
+            <a:off x="5505024" y="4080774"/>
+            <a:ext cx="180000" cy="2376000"/>
+          </a:xfrm>
+          <a:prstGeom prst="rect">
+            <a:avLst/>
+          </a:prstGeom>
+          <a:solidFill>
+            <a:schemeClr val="bg1">
+              <a:lumMod val="75000"/>
+            </a:schemeClr>
+          </a:solidFill>
+          <a:ln>
+            <a:noFill/>
+          </a:ln>
+        </p:spPr>
+        <p:style>
+          <a:lnRef idx="2">
+            <a:schemeClr val="dk1">
+              <a:shade val="50000"/>
+            </a:schemeClr>
+          </a:lnRef>
+          <a:fillRef idx="1">
+            <a:schemeClr val="dk1"/>
+          </a:fillRef>
+          <a:effectRef idx="0">
+            <a:schemeClr val="dk1"/>
+          </a:effectRef>
+          <a:fontRef idx="minor">
+            <a:schemeClr val="lt1"/>
+          </a:fontRef>
+        </p:style>
+        <p:txBody>
+          <a:bodyPr rtlCol="0" anchor="ctr"/>
+          <a:lstStyle/>
+          <a:p>
+            <a:pPr algn="ctr"/>
+            <a:endParaRPr lang="en-US"/>
+          </a:p>
+        </p:txBody>
+      </p:sp>
+    </p:spTree>
+    <p:extLst>
+      <p:ext uri="{BB962C8B-B14F-4D97-AF65-F5344CB8AC3E}">
+        <p14:creationId xmlns:p14="http://schemas.microsoft.com/office/powerpoint/2010/main" val="1646577026"/>
+      </p:ext>
+    </p:extLst>
+  </p:cSld>
+  <p:clrMapOvr>
+    <a:masterClrMapping/>
+  </p:clrMapOvr>
+</p:sld>
+</file>
+
+<file path=ppt/slides/slide14.xml><?xml version="1.0" encoding="utf-8"?>
+<p:sld xmlns:a="http://schemas.openxmlformats.org/drawingml/2006/main" xmlns:r="http://schemas.openxmlformats.org/officeDocument/2006/relationships" xmlns:p="http://schemas.openxmlformats.org/presentationml/2006/main">
+  <p:cSld>
+    <p:spTree>
+      <p:nvGrpSpPr>
+        <p:cNvPr id="1" name=""/>
+        <p:cNvGrpSpPr/>
+        <p:nvPr/>
+      </p:nvGrpSpPr>
+      <p:grpSpPr>
+        <a:xfrm>
+          <a:off x="0" y="0"/>
+          <a:ext cx="0" cy="0"/>
+          <a:chOff x="0" y="0"/>
+          <a:chExt cx="0" cy="0"/>
+        </a:xfrm>
+      </p:grpSpPr>
+      <p:sp>
+        <p:nvSpPr>
+          <p:cNvPr id="2" name="제목 1"/>
+          <p:cNvSpPr>
+            <a:spLocks noGrp="1"/>
+          </p:cNvSpPr>
+          <p:nvPr>
+            <p:ph type="title"/>
+          </p:nvPr>
+        </p:nvSpPr>
+        <p:spPr/>
+        <p:txBody>
+          <a:bodyPr/>
+          <a:lstStyle/>
+          <a:p>
+            <a:r>
+              <a:rPr lang="en-US" dirty="0" smtClean="0"/>
+              <a:t>Distance function</a:t>
+            </a:r>
+            <a:endParaRPr lang="en-US" dirty="0"/>
+          </a:p>
+        </p:txBody>
+      </p:sp>
+      <p:sp>
+        <p:nvSpPr>
+          <p:cNvPr id="3" name="텍스트 개체 틀 2"/>
+          <p:cNvSpPr>
+            <a:spLocks noGrp="1"/>
+          </p:cNvSpPr>
+          <p:nvPr>
+            <p:ph type="body" idx="1"/>
+          </p:nvPr>
+        </p:nvSpPr>
+        <p:spPr/>
+        <p:txBody>
+          <a:bodyPr/>
+          <a:lstStyle/>
+          <a:p>
+            <a:endParaRPr lang="en-US"/>
+          </a:p>
+        </p:txBody>
+      </p:sp>
+    </p:spTree>
+    <p:extLst>
+      <p:ext uri="{BB962C8B-B14F-4D97-AF65-F5344CB8AC3E}">
+        <p14:creationId xmlns:p14="http://schemas.microsoft.com/office/powerpoint/2010/main" val="1391915999"/>
+      </p:ext>
+    </p:extLst>
+  </p:cSld>
+  <p:clrMapOvr>
+    <a:masterClrMapping/>
+  </p:clrMapOvr>
+</p:sld>
+</file>
+
+<file path=ppt/slides/slide15.xml><?xml version="1.0" encoding="utf-8"?>
+<p:sld xmlns:a="http://schemas.openxmlformats.org/drawingml/2006/main" xmlns:r="http://schemas.openxmlformats.org/officeDocument/2006/relationships" xmlns:p="http://schemas.openxmlformats.org/presentationml/2006/main">
+  <p:cSld>
+    <p:spTree>
+      <p:nvGrpSpPr>
+        <p:cNvPr id="1" name=""/>
+        <p:cNvGrpSpPr/>
+        <p:nvPr/>
+      </p:nvGrpSpPr>
+      <p:grpSpPr>
+        <a:xfrm>
+          <a:off x="0" y="0"/>
+          <a:ext cx="0" cy="0"/>
+          <a:chOff x="0" y="0"/>
+          <a:chExt cx="0" cy="0"/>
+        </a:xfrm>
+      </p:grpSpPr>
+      <p:sp>
+        <p:nvSpPr>
+          <p:cNvPr id="2" name="직사각형 1"/>
+          <p:cNvSpPr/>
+          <p:nvPr/>
+        </p:nvSpPr>
+        <p:spPr>
+          <a:xfrm>
+            <a:off x="2951018" y="2851994"/>
+            <a:ext cx="1440000" cy="1080000"/>
+          </a:xfrm>
+          <a:prstGeom prst="rect">
+            <a:avLst/>
+          </a:prstGeom>
+        </p:spPr>
+        <p:style>
+          <a:lnRef idx="2">
+            <a:schemeClr val="accent5">
+              <a:shade val="50000"/>
+            </a:schemeClr>
+          </a:lnRef>
+          <a:fillRef idx="1">
+            <a:schemeClr val="accent5"/>
+          </a:fillRef>
+          <a:effectRef idx="0">
+            <a:schemeClr val="accent5"/>
+          </a:effectRef>
+          <a:fontRef idx="minor">
+            <a:schemeClr val="lt1"/>
+          </a:fontRef>
+        </p:style>
+        <p:txBody>
+          <a:bodyPr rtlCol="0" anchor="ctr"/>
+          <a:lstStyle/>
+          <a:p>
+            <a:pPr algn="ctr"/>
+            <a:r>
+              <a:rPr lang="en-US" sz="1600" dirty="0" smtClean="0">
+                <a:latin typeface="Roboto" panose="02000000000000000000" pitchFamily="2" charset="0"/>
+                <a:ea typeface="Roboto" panose="02000000000000000000" pitchFamily="2" charset="0"/>
+              </a:rPr>
+              <a:t>Search Origin</a:t>
+            </a:r>
+            <a:endParaRPr lang="en-US" sz="1600" dirty="0">
+              <a:latin typeface="Roboto" panose="02000000000000000000" pitchFamily="2" charset="0"/>
+              <a:ea typeface="Roboto" panose="02000000000000000000" pitchFamily="2" charset="0"/>
+            </a:endParaRPr>
+          </a:p>
+        </p:txBody>
+      </p:sp>
+      <p:sp>
+        <p:nvSpPr>
+          <p:cNvPr id="3" name="직사각형 2"/>
+          <p:cNvSpPr/>
+          <p:nvPr/>
+        </p:nvSpPr>
+        <p:spPr>
+          <a:xfrm>
+            <a:off x="3845506" y="2124958"/>
+            <a:ext cx="1440000" cy="1080000"/>
+          </a:xfrm>
+          <a:prstGeom prst="rect">
+            <a:avLst/>
+          </a:prstGeom>
+        </p:spPr>
+        <p:style>
+          <a:lnRef idx="2">
+            <a:schemeClr val="accent5">
+              <a:shade val="50000"/>
+            </a:schemeClr>
+          </a:lnRef>
+          <a:fillRef idx="1">
+            <a:schemeClr val="accent5"/>
+          </a:fillRef>
+          <a:effectRef idx="0">
+            <a:schemeClr val="accent5"/>
+          </a:effectRef>
+          <a:fontRef idx="minor">
+            <a:schemeClr val="lt1"/>
+          </a:fontRef>
+        </p:style>
+        <p:txBody>
+          <a:bodyPr rtlCol="0" anchor="ctr"/>
+          <a:lstStyle/>
+          <a:p>
+            <a:pPr algn="ctr"/>
+            <a:r>
+              <a:rPr lang="en-US" sz="1600" dirty="0" smtClean="0">
+                <a:latin typeface="Roboto" panose="02000000000000000000" pitchFamily="2" charset="0"/>
+                <a:ea typeface="Roboto" panose="02000000000000000000" pitchFamily="2" charset="0"/>
+              </a:rPr>
+              <a:t>Candidate</a:t>
+            </a:r>
+            <a:endParaRPr lang="en-US" sz="1600" dirty="0">
+              <a:latin typeface="Roboto" panose="02000000000000000000" pitchFamily="2" charset="0"/>
+              <a:ea typeface="Roboto" panose="02000000000000000000" pitchFamily="2" charset="0"/>
+            </a:endParaRPr>
+          </a:p>
+        </p:txBody>
+      </p:sp>
+      <p:sp>
+        <p:nvSpPr>
+          <p:cNvPr id="4" name="직사각형 3"/>
+          <p:cNvSpPr/>
+          <p:nvPr/>
+        </p:nvSpPr>
+        <p:spPr>
+          <a:xfrm>
+            <a:off x="3845507" y="2848971"/>
+            <a:ext cx="545512" cy="355988"/>
+          </a:xfrm>
+          <a:prstGeom prst="rect">
+            <a:avLst/>
+          </a:prstGeom>
+        </p:spPr>
+        <p:style>
+          <a:lnRef idx="2">
+            <a:schemeClr val="accent6">
+              <a:shade val="50000"/>
+            </a:schemeClr>
+          </a:lnRef>
+          <a:fillRef idx="1">
+            <a:schemeClr val="accent6"/>
+          </a:fillRef>
+          <a:effectRef idx="0">
+            <a:schemeClr val="accent6"/>
+          </a:effectRef>
+          <a:fontRef idx="minor">
+            <a:schemeClr val="lt1"/>
+          </a:fontRef>
+        </p:style>
+        <p:txBody>
+          <a:bodyPr rtlCol="0" anchor="ctr"/>
+          <a:lstStyle/>
+          <a:p>
+            <a:pPr algn="ctr"/>
+            <a:endParaRPr lang="en-US">
+              <a:latin typeface="Roboto" panose="02000000000000000000" pitchFamily="2" charset="0"/>
+              <a:ea typeface="Roboto" panose="02000000000000000000" pitchFamily="2" charset="0"/>
+            </a:endParaRPr>
+          </a:p>
+        </p:txBody>
+      </p:sp>
+      <p:sp>
+        <p:nvSpPr>
+          <p:cNvPr id="9" name="직사각형 8"/>
+          <p:cNvSpPr/>
+          <p:nvPr/>
+        </p:nvSpPr>
+        <p:spPr>
+          <a:xfrm>
+            <a:off x="6719455" y="2124958"/>
+            <a:ext cx="360000" cy="360000"/>
+          </a:xfrm>
+          <a:prstGeom prst="rect">
+            <a:avLst/>
+          </a:prstGeom>
+        </p:spPr>
+        <p:style>
+          <a:lnRef idx="2">
+            <a:schemeClr val="accent5">
+              <a:shade val="50000"/>
+            </a:schemeClr>
+          </a:lnRef>
+          <a:fillRef idx="1">
+            <a:schemeClr val="accent5"/>
+          </a:fillRef>
+          <a:effectRef idx="0">
+            <a:schemeClr val="accent5"/>
+          </a:effectRef>
+          <a:fontRef idx="minor">
+            <a:schemeClr val="lt1"/>
+          </a:fontRef>
+        </p:style>
+        <p:txBody>
+          <a:bodyPr rtlCol="0" anchor="ctr"/>
+          <a:lstStyle/>
+          <a:p>
+            <a:pPr algn="ctr"/>
+            <a:endParaRPr lang="en-US" sz="1200">
+              <a:latin typeface="Roboto" panose="02000000000000000000" pitchFamily="2" charset="0"/>
+              <a:ea typeface="Roboto" panose="02000000000000000000" pitchFamily="2" charset="0"/>
+            </a:endParaRPr>
+          </a:p>
+        </p:txBody>
+      </p:sp>
+      <p:sp>
+        <p:nvSpPr>
+          <p:cNvPr id="10" name="TextBox 9"/>
+          <p:cNvSpPr txBox="1"/>
+          <p:nvPr/>
+        </p:nvSpPr>
+        <p:spPr>
+          <a:xfrm>
+            <a:off x="7131084" y="2163934"/>
+            <a:ext cx="1705916" cy="307777"/>
+          </a:xfrm>
+          <a:prstGeom prst="rect">
+            <a:avLst/>
+          </a:prstGeom>
+          <a:noFill/>
+        </p:spPr>
+        <p:txBody>
+          <a:bodyPr wrap="none" rtlCol="0">
+            <a:spAutoFit/>
+          </a:bodyPr>
+          <a:lstStyle/>
+          <a:p>
+            <a:r>
+              <a:rPr lang="en-US" sz="1400" dirty="0" smtClean="0">
+                <a:latin typeface="Roboto" panose="02000000000000000000" pitchFamily="2" charset="0"/>
+                <a:ea typeface="Roboto" panose="02000000000000000000" pitchFamily="2" charset="0"/>
+              </a:rPr>
+              <a:t>Focusable Element</a:t>
+            </a:r>
+            <a:endParaRPr lang="en-US" sz="1400" dirty="0">
+              <a:latin typeface="Roboto" panose="02000000000000000000" pitchFamily="2" charset="0"/>
+              <a:ea typeface="Roboto" panose="02000000000000000000" pitchFamily="2" charset="0"/>
+            </a:endParaRPr>
+          </a:p>
+        </p:txBody>
+      </p:sp>
+      <p:sp>
+        <p:nvSpPr>
+          <p:cNvPr id="11" name="직사각형 10"/>
+          <p:cNvSpPr/>
+          <p:nvPr/>
+        </p:nvSpPr>
+        <p:spPr>
+          <a:xfrm>
+            <a:off x="6719455" y="2681330"/>
+            <a:ext cx="360000" cy="360000"/>
+          </a:xfrm>
+          <a:prstGeom prst="rect">
+            <a:avLst/>
+          </a:prstGeom>
+        </p:spPr>
+        <p:style>
+          <a:lnRef idx="2">
+            <a:schemeClr val="accent6">
+              <a:shade val="50000"/>
+            </a:schemeClr>
+          </a:lnRef>
+          <a:fillRef idx="1">
+            <a:schemeClr val="accent6"/>
+          </a:fillRef>
+          <a:effectRef idx="0">
+            <a:schemeClr val="accent6"/>
+          </a:effectRef>
+          <a:fontRef idx="minor">
+            <a:schemeClr val="lt1"/>
+          </a:fontRef>
+        </p:style>
+        <p:txBody>
+          <a:bodyPr rtlCol="0" anchor="ctr"/>
+          <a:lstStyle/>
+          <a:p>
+            <a:pPr algn="ctr"/>
+            <a:endParaRPr lang="en-US" sz="1200">
+              <a:latin typeface="Roboto" panose="02000000000000000000" pitchFamily="2" charset="0"/>
+              <a:ea typeface="Roboto" panose="02000000000000000000" pitchFamily="2" charset="0"/>
+            </a:endParaRPr>
+          </a:p>
+        </p:txBody>
+      </p:sp>
+      <p:sp>
+        <p:nvSpPr>
+          <p:cNvPr id="12" name="TextBox 11"/>
+          <p:cNvSpPr txBox="1"/>
+          <p:nvPr/>
+        </p:nvSpPr>
+        <p:spPr>
+          <a:xfrm>
+            <a:off x="7131084" y="2707441"/>
+            <a:ext cx="1547218" cy="307777"/>
+          </a:xfrm>
+          <a:prstGeom prst="rect">
+            <a:avLst/>
+          </a:prstGeom>
+          <a:noFill/>
+        </p:spPr>
+        <p:txBody>
+          <a:bodyPr wrap="none" rtlCol="0">
+            <a:spAutoFit/>
+          </a:bodyPr>
+          <a:lstStyle/>
+          <a:p>
+            <a:r>
+              <a:rPr lang="en-US" sz="1400" dirty="0" smtClean="0">
+                <a:latin typeface="Roboto" panose="02000000000000000000" pitchFamily="2" charset="0"/>
+                <a:ea typeface="Roboto" panose="02000000000000000000" pitchFamily="2" charset="0"/>
+              </a:rPr>
+              <a:t>Intersecting Area</a:t>
+            </a:r>
+            <a:endParaRPr lang="en-US" sz="1400" dirty="0">
+              <a:latin typeface="Roboto" panose="02000000000000000000" pitchFamily="2" charset="0"/>
+              <a:ea typeface="Roboto" panose="02000000000000000000" pitchFamily="2" charset="0"/>
+            </a:endParaRPr>
+          </a:p>
+        </p:txBody>
+      </p:sp>
+      <p:sp>
+        <p:nvSpPr>
+          <p:cNvPr id="13" name="타원 12"/>
+          <p:cNvSpPr/>
+          <p:nvPr/>
+        </p:nvSpPr>
+        <p:spPr>
+          <a:xfrm>
+            <a:off x="6845455" y="3239562"/>
+            <a:ext cx="108000" cy="108000"/>
+          </a:xfrm>
+          <a:prstGeom prst="ellipse">
+            <a:avLst/>
+          </a:prstGeom>
+          <a:solidFill>
+            <a:srgbClr val="C00000"/>
+          </a:solidFill>
+          <a:ln>
+            <a:solidFill>
+              <a:schemeClr val="accent2">
+                <a:lumMod val="50000"/>
+              </a:schemeClr>
+            </a:solidFill>
+          </a:ln>
+        </p:spPr>
+        <p:style>
+          <a:lnRef idx="2">
+            <a:schemeClr val="accent1">
+              <a:shade val="50000"/>
+            </a:schemeClr>
+          </a:lnRef>
+          <a:fillRef idx="1">
+            <a:schemeClr val="accent1"/>
+          </a:fillRef>
+          <a:effectRef idx="0">
+            <a:schemeClr val="accent1"/>
+          </a:effectRef>
+          <a:fontRef idx="minor">
+            <a:schemeClr val="lt1"/>
+          </a:fontRef>
+        </p:style>
+        <p:txBody>
+          <a:bodyPr rtlCol="0" anchor="ctr"/>
+          <a:lstStyle/>
+          <a:p>
+            <a:pPr algn="ctr"/>
+            <a:endParaRPr lang="en-US"/>
+          </a:p>
+        </p:txBody>
+      </p:sp>
+      <p:sp>
+        <p:nvSpPr>
+          <p:cNvPr id="14" name="TextBox 13"/>
+          <p:cNvSpPr txBox="1"/>
+          <p:nvPr/>
+        </p:nvSpPr>
+        <p:spPr>
+          <a:xfrm>
+            <a:off x="7131084" y="3139674"/>
+            <a:ext cx="1726755" cy="307777"/>
+          </a:xfrm>
+          <a:prstGeom prst="rect">
+            <a:avLst/>
+          </a:prstGeom>
+          <a:noFill/>
+        </p:spPr>
+        <p:txBody>
+          <a:bodyPr wrap="none" rtlCol="0">
+            <a:spAutoFit/>
+          </a:bodyPr>
+          <a:lstStyle/>
+          <a:p>
+            <a:r>
+              <a:rPr lang="en-US" sz="1400" dirty="0" smtClean="0">
+                <a:latin typeface="Roboto" panose="02000000000000000000" pitchFamily="2" charset="0"/>
+                <a:ea typeface="Roboto" panose="02000000000000000000" pitchFamily="2" charset="0"/>
+              </a:rPr>
+              <a:t>Point from Element</a:t>
+            </a:r>
+            <a:endParaRPr lang="en-US" sz="1400" dirty="0">
+              <a:latin typeface="Roboto" panose="02000000000000000000" pitchFamily="2" charset="0"/>
+              <a:ea typeface="Roboto" panose="02000000000000000000" pitchFamily="2" charset="0"/>
+            </a:endParaRPr>
+          </a:p>
+        </p:txBody>
+      </p:sp>
+      <p:cxnSp>
+        <p:nvCxnSpPr>
+          <p:cNvPr id="18" name="직선 화살표 연결선 17"/>
+          <p:cNvCxnSpPr/>
+          <p:nvPr/>
+        </p:nvCxnSpPr>
+        <p:spPr>
+          <a:xfrm>
+            <a:off x="3456758" y="4216416"/>
+            <a:ext cx="1594933" cy="0"/>
+          </a:xfrm>
+          <a:prstGeom prst="straightConnector1">
+            <a:avLst/>
+          </a:prstGeom>
+          <a:ln w="38100">
+            <a:solidFill>
+              <a:schemeClr val="accent5"/>
+            </a:solidFill>
+            <a:headEnd type="none" w="med" len="med"/>
+            <a:tailEnd type="triangle" w="med" len="med"/>
+          </a:ln>
+        </p:spPr>
+        <p:style>
+          <a:lnRef idx="1">
+            <a:schemeClr val="accent1"/>
+          </a:lnRef>
+          <a:fillRef idx="0">
+            <a:schemeClr val="accent1"/>
+          </a:fillRef>
+          <a:effectRef idx="0">
+            <a:schemeClr val="accent1"/>
+          </a:effectRef>
+          <a:fontRef idx="minor">
+            <a:schemeClr val="tx1"/>
+          </a:fontRef>
+        </p:style>
+      </p:cxnSp>
+      <p:sp>
+        <p:nvSpPr>
+          <p:cNvPr id="19" name="TextBox 18"/>
+          <p:cNvSpPr txBox="1"/>
+          <p:nvPr/>
+        </p:nvSpPr>
+        <p:spPr>
+          <a:xfrm>
+            <a:off x="3314207" y="4311833"/>
+            <a:ext cx="2002471" cy="338554"/>
+          </a:xfrm>
+          <a:prstGeom prst="rect">
+            <a:avLst/>
+          </a:prstGeom>
+          <a:noFill/>
+          <a:ln>
+            <a:noFill/>
+          </a:ln>
+        </p:spPr>
+        <p:txBody>
+          <a:bodyPr wrap="none" rtlCol="0">
+            <a:spAutoFit/>
+          </a:bodyPr>
+          <a:lstStyle/>
+          <a:p>
+            <a:r>
+              <a:rPr lang="en-US" sz="1600" dirty="0" smtClean="0">
+                <a:solidFill>
+                  <a:srgbClr val="0070C0"/>
+                </a:solidFill>
+                <a:latin typeface="Roboto Light" panose="02000000000000000000" pitchFamily="2" charset="0"/>
+                <a:ea typeface="Roboto Light" panose="02000000000000000000" pitchFamily="2" charset="0"/>
+              </a:rPr>
+              <a:t>Navigation Direction</a:t>
+            </a:r>
+            <a:endParaRPr lang="en-US" sz="1600" dirty="0">
+              <a:solidFill>
+                <a:srgbClr val="0070C0"/>
+              </a:solidFill>
+              <a:latin typeface="Roboto Light" panose="02000000000000000000" pitchFamily="2" charset="0"/>
+              <a:ea typeface="Roboto Light" panose="02000000000000000000" pitchFamily="2" charset="0"/>
+            </a:endParaRPr>
+          </a:p>
+        </p:txBody>
+      </p:sp>
+      <p:cxnSp>
+        <p:nvCxnSpPr>
+          <p:cNvPr id="35" name="직선 연결선 34"/>
+          <p:cNvCxnSpPr/>
+          <p:nvPr/>
+        </p:nvCxnSpPr>
+        <p:spPr>
+          <a:xfrm flipV="1">
+            <a:off x="3845506" y="1819259"/>
+            <a:ext cx="0" cy="2275269"/>
+          </a:xfrm>
+          <a:prstGeom prst="line">
+            <a:avLst/>
+          </a:prstGeom>
+          <a:ln w="25400">
+            <a:solidFill>
+              <a:schemeClr val="bg2">
+                <a:lumMod val="75000"/>
+              </a:schemeClr>
+            </a:solidFill>
+            <a:prstDash val="dash"/>
+          </a:ln>
+        </p:spPr>
+        <p:style>
+          <a:lnRef idx="1">
+            <a:schemeClr val="accent1"/>
+          </a:lnRef>
+          <a:fillRef idx="0">
+            <a:schemeClr val="accent1"/>
+          </a:fillRef>
+          <a:effectRef idx="0">
+            <a:schemeClr val="accent1"/>
+          </a:effectRef>
+          <a:fontRef idx="minor">
+            <a:schemeClr val="tx1"/>
+          </a:fontRef>
+        </p:style>
+      </p:cxnSp>
+      <p:cxnSp>
+        <p:nvCxnSpPr>
+          <p:cNvPr id="38" name="직선 연결선 37"/>
+          <p:cNvCxnSpPr/>
+          <p:nvPr/>
+        </p:nvCxnSpPr>
+        <p:spPr>
+          <a:xfrm flipV="1">
+            <a:off x="4412670" y="1821883"/>
+            <a:ext cx="0" cy="2275269"/>
+          </a:xfrm>
+          <a:prstGeom prst="line">
+            <a:avLst/>
+          </a:prstGeom>
+          <a:ln w="25400">
+            <a:solidFill>
+              <a:schemeClr val="bg2">
+                <a:lumMod val="75000"/>
+              </a:schemeClr>
+            </a:solidFill>
+            <a:prstDash val="dash"/>
+          </a:ln>
+        </p:spPr>
+        <p:style>
+          <a:lnRef idx="1">
+            <a:schemeClr val="accent1"/>
+          </a:lnRef>
+          <a:fillRef idx="0">
+            <a:schemeClr val="accent1"/>
+          </a:fillRef>
+          <a:effectRef idx="0">
+            <a:schemeClr val="accent1"/>
+          </a:effectRef>
+          <a:fontRef idx="minor">
+            <a:schemeClr val="tx1"/>
+          </a:fontRef>
+        </p:style>
+      </p:cxnSp>
+      <p:cxnSp>
+        <p:nvCxnSpPr>
+          <p:cNvPr id="20" name="직선 연결선 19"/>
+          <p:cNvCxnSpPr/>
+          <p:nvPr/>
+        </p:nvCxnSpPr>
+        <p:spPr>
+          <a:xfrm>
+            <a:off x="2618509" y="2853747"/>
+            <a:ext cx="2992582" cy="0"/>
+          </a:xfrm>
+          <a:prstGeom prst="line">
+            <a:avLst/>
+          </a:prstGeom>
+          <a:ln w="25400">
+            <a:solidFill>
+              <a:schemeClr val="bg2">
+                <a:lumMod val="75000"/>
+              </a:schemeClr>
+            </a:solidFill>
+            <a:prstDash val="dash"/>
+          </a:ln>
+        </p:spPr>
+        <p:style>
+          <a:lnRef idx="1">
+            <a:schemeClr val="accent1"/>
+          </a:lnRef>
+          <a:fillRef idx="0">
+            <a:schemeClr val="accent1"/>
+          </a:fillRef>
+          <a:effectRef idx="0">
+            <a:schemeClr val="accent1"/>
+          </a:effectRef>
+          <a:fontRef idx="minor">
+            <a:schemeClr val="tx1"/>
+          </a:fontRef>
+        </p:style>
+      </p:cxnSp>
+      <p:cxnSp>
+        <p:nvCxnSpPr>
+          <p:cNvPr id="33" name="직선 연결선 32"/>
+          <p:cNvCxnSpPr/>
+          <p:nvPr/>
+        </p:nvCxnSpPr>
+        <p:spPr>
+          <a:xfrm>
+            <a:off x="2628896" y="3218523"/>
+            <a:ext cx="2992582" cy="0"/>
+          </a:xfrm>
+          <a:prstGeom prst="line">
+            <a:avLst/>
+          </a:prstGeom>
+          <a:ln w="25400">
+            <a:solidFill>
+              <a:schemeClr val="bg2">
+                <a:lumMod val="75000"/>
+              </a:schemeClr>
+            </a:solidFill>
+            <a:prstDash val="dash"/>
+          </a:ln>
+        </p:spPr>
+        <p:style>
+          <a:lnRef idx="1">
+            <a:schemeClr val="accent1"/>
+          </a:lnRef>
+          <a:fillRef idx="0">
+            <a:schemeClr val="accent1"/>
+          </a:fillRef>
+          <a:effectRef idx="0">
+            <a:schemeClr val="accent1"/>
+          </a:effectRef>
+          <a:fontRef idx="minor">
+            <a:schemeClr val="tx1"/>
+          </a:fontRef>
+        </p:style>
+      </p:cxnSp>
+      <p:sp>
+        <p:nvSpPr>
+          <p:cNvPr id="15" name="타원 14"/>
+          <p:cNvSpPr/>
+          <p:nvPr/>
+        </p:nvSpPr>
+        <p:spPr>
+          <a:xfrm>
+            <a:off x="4338524" y="2823336"/>
+            <a:ext cx="108000" cy="108000"/>
+          </a:xfrm>
+          <a:prstGeom prst="ellipse">
+            <a:avLst/>
+          </a:prstGeom>
+          <a:solidFill>
+            <a:srgbClr val="C00000"/>
+          </a:solidFill>
+          <a:ln>
+            <a:solidFill>
+              <a:schemeClr val="accent2">
+                <a:lumMod val="50000"/>
+              </a:schemeClr>
+            </a:solidFill>
+          </a:ln>
+        </p:spPr>
+        <p:style>
+          <a:lnRef idx="2">
+            <a:schemeClr val="accent1">
+              <a:shade val="50000"/>
+            </a:schemeClr>
+          </a:lnRef>
+          <a:fillRef idx="1">
+            <a:schemeClr val="accent1"/>
+          </a:fillRef>
+          <a:effectRef idx="0">
+            <a:schemeClr val="accent1"/>
+          </a:effectRef>
+          <a:fontRef idx="minor">
+            <a:schemeClr val="lt1"/>
+          </a:fontRef>
+        </p:style>
+        <p:txBody>
+          <a:bodyPr rtlCol="0" anchor="ctr"/>
+          <a:lstStyle/>
+          <a:p>
+            <a:pPr algn="ctr"/>
+            <a:endParaRPr lang="en-US"/>
+          </a:p>
+        </p:txBody>
+      </p:sp>
+      <p:sp>
+        <p:nvSpPr>
+          <p:cNvPr id="16" name="타원 15"/>
+          <p:cNvSpPr/>
+          <p:nvPr/>
+        </p:nvSpPr>
+        <p:spPr>
+          <a:xfrm>
+            <a:off x="4352854" y="3118839"/>
+            <a:ext cx="108000" cy="108000"/>
+          </a:xfrm>
+          <a:prstGeom prst="ellipse">
+            <a:avLst/>
+          </a:prstGeom>
+          <a:solidFill>
+            <a:srgbClr val="C00000"/>
+          </a:solidFill>
+          <a:ln>
+            <a:solidFill>
+              <a:schemeClr val="accent2">
+                <a:lumMod val="50000"/>
+              </a:schemeClr>
+            </a:solidFill>
+          </a:ln>
+        </p:spPr>
+        <p:style>
+          <a:lnRef idx="2">
+            <a:schemeClr val="accent1">
+              <a:shade val="50000"/>
+            </a:schemeClr>
+          </a:lnRef>
+          <a:fillRef idx="1">
+            <a:schemeClr val="accent1"/>
+          </a:fillRef>
+          <a:effectRef idx="0">
+            <a:schemeClr val="accent1"/>
+          </a:effectRef>
+          <a:fontRef idx="minor">
+            <a:schemeClr val="lt1"/>
+          </a:fontRef>
+        </p:style>
+        <p:txBody>
+          <a:bodyPr rtlCol="0" anchor="ctr"/>
+          <a:lstStyle/>
+          <a:p>
+            <a:pPr algn="ctr"/>
+            <a:endParaRPr lang="en-US"/>
+          </a:p>
+        </p:txBody>
+      </p:sp>
+    </p:spTree>
+    <p:extLst>
+      <p:ext uri="{BB962C8B-B14F-4D97-AF65-F5344CB8AC3E}">
+        <p14:creationId xmlns:p14="http://schemas.microsoft.com/office/powerpoint/2010/main" val="3915477636"/>
+      </p:ext>
+    </p:extLst>
+  </p:cSld>
+  <p:clrMapOvr>
+    <a:masterClrMapping/>
+  </p:clrMapOvr>
+</p:sld>
+</file>
+
+<file path=ppt/slides/slide16.xml><?xml version="1.0" encoding="utf-8"?>
+<p:sld xmlns:a="http://schemas.openxmlformats.org/drawingml/2006/main" xmlns:r="http://schemas.openxmlformats.org/officeDocument/2006/relationships" xmlns:p="http://schemas.openxmlformats.org/presentationml/2006/main">
+  <p:cSld>
+    <p:spTree>
+      <p:nvGrpSpPr>
+        <p:cNvPr id="1" name=""/>
+        <p:cNvGrpSpPr/>
+        <p:nvPr/>
+      </p:nvGrpSpPr>
+      <p:grpSpPr>
+        <a:xfrm>
+          <a:off x="0" y="0"/>
+          <a:ext cx="0" cy="0"/>
+          <a:chOff x="0" y="0"/>
+          <a:chExt cx="0" cy="0"/>
+        </a:xfrm>
+      </p:grpSpPr>
+      <p:sp>
+        <p:nvSpPr>
+          <p:cNvPr id="2" name="직사각형 1"/>
+          <p:cNvSpPr/>
+          <p:nvPr/>
+        </p:nvSpPr>
+        <p:spPr>
+          <a:xfrm>
+            <a:off x="2231018" y="2839892"/>
+            <a:ext cx="1440000" cy="1080000"/>
+          </a:xfrm>
+          <a:prstGeom prst="rect">
+            <a:avLst/>
+          </a:prstGeom>
+        </p:spPr>
+        <p:style>
+          <a:lnRef idx="2">
+            <a:schemeClr val="accent5">
+              <a:shade val="50000"/>
+            </a:schemeClr>
+          </a:lnRef>
+          <a:fillRef idx="1">
+            <a:schemeClr val="accent5"/>
+          </a:fillRef>
+          <a:effectRef idx="0">
+            <a:schemeClr val="accent5"/>
+          </a:effectRef>
+          <a:fontRef idx="minor">
+            <a:schemeClr val="lt1"/>
+          </a:fontRef>
+        </p:style>
+        <p:txBody>
+          <a:bodyPr rtlCol="0" anchor="ctr"/>
+          <a:lstStyle/>
+          <a:p>
+            <a:pPr algn="ctr"/>
+            <a:r>
+              <a:rPr lang="en-US" sz="1600" dirty="0" smtClean="0">
+                <a:latin typeface="Roboto" panose="02000000000000000000" pitchFamily="2" charset="0"/>
+                <a:ea typeface="Roboto" panose="02000000000000000000" pitchFamily="2" charset="0"/>
+              </a:rPr>
+              <a:t>Search Origin</a:t>
+            </a:r>
+            <a:endParaRPr lang="en-US" sz="1600" dirty="0">
+              <a:latin typeface="Roboto" panose="02000000000000000000" pitchFamily="2" charset="0"/>
+              <a:ea typeface="Roboto" panose="02000000000000000000" pitchFamily="2" charset="0"/>
+            </a:endParaRPr>
+          </a:p>
+        </p:txBody>
+      </p:sp>
+      <p:sp>
+        <p:nvSpPr>
+          <p:cNvPr id="3" name="직사각형 2"/>
+          <p:cNvSpPr/>
+          <p:nvPr/>
+        </p:nvSpPr>
+        <p:spPr>
+          <a:xfrm>
+            <a:off x="4011763" y="2124958"/>
+            <a:ext cx="1440000" cy="1080000"/>
+          </a:xfrm>
+          <a:prstGeom prst="rect">
+            <a:avLst/>
+          </a:prstGeom>
+        </p:spPr>
+        <p:style>
+          <a:lnRef idx="2">
+            <a:schemeClr val="accent5">
+              <a:shade val="50000"/>
+            </a:schemeClr>
+          </a:lnRef>
+          <a:fillRef idx="1">
+            <a:schemeClr val="accent5"/>
+          </a:fillRef>
+          <a:effectRef idx="0">
+            <a:schemeClr val="accent5"/>
+          </a:effectRef>
+          <a:fontRef idx="minor">
+            <a:schemeClr val="lt1"/>
+          </a:fontRef>
+        </p:style>
+        <p:txBody>
+          <a:bodyPr rtlCol="0" anchor="ctr"/>
+          <a:lstStyle/>
+          <a:p>
+            <a:pPr algn="ctr"/>
+            <a:r>
+              <a:rPr lang="en-US" sz="1600" dirty="0" smtClean="0">
+                <a:latin typeface="Roboto" panose="02000000000000000000" pitchFamily="2" charset="0"/>
+                <a:ea typeface="Roboto" panose="02000000000000000000" pitchFamily="2" charset="0"/>
+              </a:rPr>
+              <a:t>Candidate</a:t>
+            </a:r>
+            <a:endParaRPr lang="en-US" sz="1600" dirty="0">
+              <a:latin typeface="Roboto" panose="02000000000000000000" pitchFamily="2" charset="0"/>
+              <a:ea typeface="Roboto" panose="02000000000000000000" pitchFamily="2" charset="0"/>
+            </a:endParaRPr>
+          </a:p>
+        </p:txBody>
+      </p:sp>
+      <p:sp>
+        <p:nvSpPr>
+          <p:cNvPr id="4" name="직사각형 3"/>
+          <p:cNvSpPr/>
+          <p:nvPr/>
+        </p:nvSpPr>
+        <p:spPr>
+          <a:xfrm>
+            <a:off x="3671018" y="2839892"/>
+            <a:ext cx="340745" cy="365066"/>
+          </a:xfrm>
+          <a:prstGeom prst="rect">
+            <a:avLst/>
+          </a:prstGeom>
+        </p:spPr>
+        <p:style>
+          <a:lnRef idx="2">
+            <a:schemeClr val="accent6">
+              <a:shade val="50000"/>
+            </a:schemeClr>
+          </a:lnRef>
+          <a:fillRef idx="1">
+            <a:schemeClr val="accent6"/>
+          </a:fillRef>
+          <a:effectRef idx="0">
+            <a:schemeClr val="accent6"/>
+          </a:effectRef>
+          <a:fontRef idx="minor">
+            <a:schemeClr val="lt1"/>
+          </a:fontRef>
+        </p:style>
+        <p:txBody>
+          <a:bodyPr rtlCol="0" anchor="ctr"/>
+          <a:lstStyle/>
+          <a:p>
+            <a:pPr algn="ctr"/>
+            <a:endParaRPr lang="en-US">
+              <a:latin typeface="Roboto" panose="02000000000000000000" pitchFamily="2" charset="0"/>
+              <a:ea typeface="Roboto" panose="02000000000000000000" pitchFamily="2" charset="0"/>
+            </a:endParaRPr>
+          </a:p>
+        </p:txBody>
+      </p:sp>
+      <p:sp>
+        <p:nvSpPr>
+          <p:cNvPr id="5" name="직사각형 4"/>
+          <p:cNvSpPr/>
+          <p:nvPr/>
+        </p:nvSpPr>
+        <p:spPr>
+          <a:xfrm>
+            <a:off x="6719455" y="2124958"/>
+            <a:ext cx="360000" cy="360000"/>
+          </a:xfrm>
+          <a:prstGeom prst="rect">
+            <a:avLst/>
+          </a:prstGeom>
+        </p:spPr>
+        <p:style>
+          <a:lnRef idx="2">
+            <a:schemeClr val="accent5">
+              <a:shade val="50000"/>
+            </a:schemeClr>
+          </a:lnRef>
+          <a:fillRef idx="1">
+            <a:schemeClr val="accent5"/>
+          </a:fillRef>
+          <a:effectRef idx="0">
+            <a:schemeClr val="accent5"/>
+          </a:effectRef>
+          <a:fontRef idx="minor">
+            <a:schemeClr val="lt1"/>
+          </a:fontRef>
+        </p:style>
+        <p:txBody>
+          <a:bodyPr rtlCol="0" anchor="ctr"/>
+          <a:lstStyle/>
+          <a:p>
+            <a:pPr algn="ctr"/>
+            <a:endParaRPr lang="en-US" sz="1200">
+              <a:latin typeface="Roboto" panose="02000000000000000000" pitchFamily="2" charset="0"/>
+              <a:ea typeface="Roboto" panose="02000000000000000000" pitchFamily="2" charset="0"/>
+            </a:endParaRPr>
+          </a:p>
+        </p:txBody>
+      </p:sp>
+      <p:sp>
+        <p:nvSpPr>
+          <p:cNvPr id="6" name="TextBox 5"/>
+          <p:cNvSpPr txBox="1"/>
+          <p:nvPr/>
+        </p:nvSpPr>
+        <p:spPr>
+          <a:xfrm>
+            <a:off x="7131084" y="2163934"/>
+            <a:ext cx="1705916" cy="307777"/>
+          </a:xfrm>
+          <a:prstGeom prst="rect">
+            <a:avLst/>
+          </a:prstGeom>
+          <a:noFill/>
+        </p:spPr>
+        <p:txBody>
+          <a:bodyPr wrap="none" rtlCol="0">
+            <a:spAutoFit/>
+          </a:bodyPr>
+          <a:lstStyle/>
+          <a:p>
+            <a:r>
+              <a:rPr lang="en-US" sz="1400" dirty="0" smtClean="0">
+                <a:latin typeface="Roboto" panose="02000000000000000000" pitchFamily="2" charset="0"/>
+                <a:ea typeface="Roboto" panose="02000000000000000000" pitchFamily="2" charset="0"/>
+              </a:rPr>
+              <a:t>Focusable Element</a:t>
+            </a:r>
+            <a:endParaRPr lang="en-US" sz="1400" dirty="0">
+              <a:latin typeface="Roboto" panose="02000000000000000000" pitchFamily="2" charset="0"/>
+              <a:ea typeface="Roboto" panose="02000000000000000000" pitchFamily="2" charset="0"/>
+            </a:endParaRPr>
+          </a:p>
+        </p:txBody>
+      </p:sp>
+      <p:sp>
+        <p:nvSpPr>
+          <p:cNvPr id="7" name="직사각형 6"/>
+          <p:cNvSpPr/>
+          <p:nvPr/>
+        </p:nvSpPr>
+        <p:spPr>
+          <a:xfrm>
+            <a:off x="6719455" y="2681330"/>
+            <a:ext cx="360000" cy="360000"/>
+          </a:xfrm>
+          <a:prstGeom prst="rect">
+            <a:avLst/>
+          </a:prstGeom>
+        </p:spPr>
+        <p:style>
+          <a:lnRef idx="2">
+            <a:schemeClr val="accent6">
+              <a:shade val="50000"/>
+            </a:schemeClr>
+          </a:lnRef>
+          <a:fillRef idx="1">
+            <a:schemeClr val="accent6"/>
+          </a:fillRef>
+          <a:effectRef idx="0">
+            <a:schemeClr val="accent6"/>
+          </a:effectRef>
+          <a:fontRef idx="minor">
+            <a:schemeClr val="lt1"/>
+          </a:fontRef>
+        </p:style>
+        <p:txBody>
+          <a:bodyPr rtlCol="0" anchor="ctr"/>
+          <a:lstStyle/>
+          <a:p>
+            <a:pPr algn="ctr"/>
+            <a:endParaRPr lang="en-US" sz="1200">
+              <a:latin typeface="Roboto" panose="02000000000000000000" pitchFamily="2" charset="0"/>
+              <a:ea typeface="Roboto" panose="02000000000000000000" pitchFamily="2" charset="0"/>
+            </a:endParaRPr>
+          </a:p>
+        </p:txBody>
+      </p:sp>
+      <p:sp>
+        <p:nvSpPr>
+          <p:cNvPr id="8" name="TextBox 7"/>
+          <p:cNvSpPr txBox="1"/>
+          <p:nvPr/>
+        </p:nvSpPr>
+        <p:spPr>
+          <a:xfrm>
+            <a:off x="7131084" y="2707441"/>
+            <a:ext cx="1547218" cy="307777"/>
+          </a:xfrm>
+          <a:prstGeom prst="rect">
+            <a:avLst/>
+          </a:prstGeom>
+          <a:noFill/>
+        </p:spPr>
+        <p:txBody>
+          <a:bodyPr wrap="none" rtlCol="0">
+            <a:spAutoFit/>
+          </a:bodyPr>
+          <a:lstStyle/>
+          <a:p>
+            <a:r>
+              <a:rPr lang="en-US" sz="1400" smtClean="0">
+                <a:latin typeface="Roboto" panose="02000000000000000000" pitchFamily="2" charset="0"/>
+                <a:ea typeface="Roboto" panose="02000000000000000000" pitchFamily="2" charset="0"/>
+              </a:rPr>
+              <a:t>Intersecting </a:t>
+            </a:r>
+            <a:r>
+              <a:rPr lang="en-US" sz="1400" dirty="0" smtClean="0">
+                <a:latin typeface="Roboto" panose="02000000000000000000" pitchFamily="2" charset="0"/>
+                <a:ea typeface="Roboto" panose="02000000000000000000" pitchFamily="2" charset="0"/>
+              </a:rPr>
+              <a:t>Area</a:t>
+            </a:r>
+            <a:endParaRPr lang="en-US" sz="1400" dirty="0">
+              <a:latin typeface="Roboto" panose="02000000000000000000" pitchFamily="2" charset="0"/>
+              <a:ea typeface="Roboto" panose="02000000000000000000" pitchFamily="2" charset="0"/>
+            </a:endParaRPr>
+          </a:p>
+        </p:txBody>
+      </p:sp>
+      <p:sp>
+        <p:nvSpPr>
+          <p:cNvPr id="10" name="타원 9"/>
+          <p:cNvSpPr/>
+          <p:nvPr/>
+        </p:nvSpPr>
+        <p:spPr>
+          <a:xfrm>
+            <a:off x="6845455" y="3239562"/>
+            <a:ext cx="108000" cy="108000"/>
+          </a:xfrm>
+          <a:prstGeom prst="ellipse">
+            <a:avLst/>
+          </a:prstGeom>
+          <a:solidFill>
+            <a:srgbClr val="C00000"/>
+          </a:solidFill>
+          <a:ln>
+            <a:solidFill>
+              <a:schemeClr val="accent2">
+                <a:lumMod val="50000"/>
+              </a:schemeClr>
+            </a:solidFill>
+          </a:ln>
+        </p:spPr>
+        <p:style>
+          <a:lnRef idx="2">
+            <a:schemeClr val="accent1">
+              <a:shade val="50000"/>
+            </a:schemeClr>
+          </a:lnRef>
+          <a:fillRef idx="1">
+            <a:schemeClr val="accent1"/>
+          </a:fillRef>
+          <a:effectRef idx="0">
+            <a:schemeClr val="accent1"/>
+          </a:effectRef>
+          <a:fontRef idx="minor">
+            <a:schemeClr val="lt1"/>
+          </a:fontRef>
+        </p:style>
+        <p:txBody>
+          <a:bodyPr rtlCol="0" anchor="ctr"/>
+          <a:lstStyle/>
+          <a:p>
+            <a:pPr algn="ctr"/>
+            <a:endParaRPr lang="en-US"/>
+          </a:p>
+        </p:txBody>
+      </p:sp>
+      <p:sp>
+        <p:nvSpPr>
+          <p:cNvPr id="12" name="TextBox 11"/>
+          <p:cNvSpPr txBox="1"/>
+          <p:nvPr/>
+        </p:nvSpPr>
+        <p:spPr>
+          <a:xfrm>
+            <a:off x="7131084" y="3139674"/>
+            <a:ext cx="1726755" cy="307777"/>
+          </a:xfrm>
+          <a:prstGeom prst="rect">
+            <a:avLst/>
+          </a:prstGeom>
+          <a:noFill/>
+        </p:spPr>
+        <p:txBody>
+          <a:bodyPr wrap="none" rtlCol="0">
+            <a:spAutoFit/>
+          </a:bodyPr>
+          <a:lstStyle/>
+          <a:p>
+            <a:r>
+              <a:rPr lang="en-US" sz="1400" dirty="0" smtClean="0">
+                <a:latin typeface="Roboto" panose="02000000000000000000" pitchFamily="2" charset="0"/>
+                <a:ea typeface="Roboto" panose="02000000000000000000" pitchFamily="2" charset="0"/>
+              </a:rPr>
+              <a:t>Point from Element</a:t>
+            </a:r>
+            <a:endParaRPr lang="en-US" sz="1400" dirty="0">
+              <a:latin typeface="Roboto" panose="02000000000000000000" pitchFamily="2" charset="0"/>
+              <a:ea typeface="Roboto" panose="02000000000000000000" pitchFamily="2" charset="0"/>
+            </a:endParaRPr>
+          </a:p>
+        </p:txBody>
+      </p:sp>
+      <p:cxnSp>
+        <p:nvCxnSpPr>
+          <p:cNvPr id="17" name="직선 화살표 연결선 16"/>
+          <p:cNvCxnSpPr/>
+          <p:nvPr/>
+        </p:nvCxnSpPr>
+        <p:spPr>
+          <a:xfrm>
+            <a:off x="3456758" y="4216416"/>
+            <a:ext cx="1594933" cy="0"/>
+          </a:xfrm>
+          <a:prstGeom prst="straightConnector1">
+            <a:avLst/>
+          </a:prstGeom>
+          <a:ln w="38100">
+            <a:solidFill>
+              <a:schemeClr val="accent5"/>
+            </a:solidFill>
+            <a:headEnd type="none" w="med" len="med"/>
+            <a:tailEnd type="triangle" w="med" len="med"/>
+          </a:ln>
+        </p:spPr>
+        <p:style>
+          <a:lnRef idx="1">
+            <a:schemeClr val="accent1"/>
+          </a:lnRef>
+          <a:fillRef idx="0">
+            <a:schemeClr val="accent1"/>
+          </a:fillRef>
+          <a:effectRef idx="0">
+            <a:schemeClr val="accent1"/>
+          </a:effectRef>
+          <a:fontRef idx="minor">
+            <a:schemeClr val="tx1"/>
+          </a:fontRef>
+        </p:style>
+      </p:cxnSp>
+      <p:sp>
+        <p:nvSpPr>
+          <p:cNvPr id="18" name="TextBox 17"/>
+          <p:cNvSpPr txBox="1"/>
+          <p:nvPr/>
+        </p:nvSpPr>
+        <p:spPr>
+          <a:xfrm>
+            <a:off x="3314207" y="4311833"/>
+            <a:ext cx="2002471" cy="338554"/>
+          </a:xfrm>
+          <a:prstGeom prst="rect">
+            <a:avLst/>
+          </a:prstGeom>
+          <a:noFill/>
+          <a:ln>
+            <a:noFill/>
+          </a:ln>
+        </p:spPr>
+        <p:txBody>
+          <a:bodyPr wrap="none" rtlCol="0">
+            <a:spAutoFit/>
+          </a:bodyPr>
+          <a:lstStyle/>
+          <a:p>
+            <a:r>
+              <a:rPr lang="en-US" sz="1600" dirty="0" smtClean="0">
+                <a:solidFill>
+                  <a:srgbClr val="0070C0"/>
+                </a:solidFill>
+                <a:latin typeface="Roboto Light" panose="02000000000000000000" pitchFamily="2" charset="0"/>
+                <a:ea typeface="Roboto Light" panose="02000000000000000000" pitchFamily="2" charset="0"/>
+              </a:rPr>
+              <a:t>Navigation Direction</a:t>
+            </a:r>
+            <a:endParaRPr lang="en-US" sz="1600" dirty="0">
+              <a:solidFill>
+                <a:srgbClr val="0070C0"/>
+              </a:solidFill>
+              <a:latin typeface="Roboto Light" panose="02000000000000000000" pitchFamily="2" charset="0"/>
+              <a:ea typeface="Roboto Light" panose="02000000000000000000" pitchFamily="2" charset="0"/>
+            </a:endParaRPr>
+          </a:p>
+        </p:txBody>
+      </p:sp>
+      <p:cxnSp>
+        <p:nvCxnSpPr>
+          <p:cNvPr id="22" name="직선 연결선 21"/>
+          <p:cNvCxnSpPr/>
+          <p:nvPr/>
+        </p:nvCxnSpPr>
+        <p:spPr>
+          <a:xfrm>
+            <a:off x="1939636" y="2839892"/>
+            <a:ext cx="3796146" cy="0"/>
+          </a:xfrm>
+          <a:prstGeom prst="line">
+            <a:avLst/>
+          </a:prstGeom>
+          <a:ln w="25400">
+            <a:solidFill>
+              <a:schemeClr val="bg2">
+                <a:lumMod val="75000"/>
+              </a:schemeClr>
+            </a:solidFill>
+            <a:prstDash val="dash"/>
+          </a:ln>
+        </p:spPr>
+        <p:style>
+          <a:lnRef idx="1">
+            <a:schemeClr val="accent1"/>
+          </a:lnRef>
+          <a:fillRef idx="0">
+            <a:schemeClr val="accent1"/>
+          </a:fillRef>
+          <a:effectRef idx="0">
+            <a:schemeClr val="accent1"/>
+          </a:effectRef>
+          <a:fontRef idx="minor">
+            <a:schemeClr val="tx1"/>
+          </a:fontRef>
+        </p:style>
+      </p:cxnSp>
+      <p:cxnSp>
+        <p:nvCxnSpPr>
+          <p:cNvPr id="26" name="직선 연결선 25"/>
+          <p:cNvCxnSpPr/>
+          <p:nvPr/>
+        </p:nvCxnSpPr>
+        <p:spPr>
+          <a:xfrm>
+            <a:off x="1939636" y="3218813"/>
+            <a:ext cx="3796146" cy="0"/>
+          </a:xfrm>
+          <a:prstGeom prst="line">
+            <a:avLst/>
+          </a:prstGeom>
+          <a:ln w="25400">
+            <a:solidFill>
+              <a:schemeClr val="bg2">
+                <a:lumMod val="75000"/>
+              </a:schemeClr>
+            </a:solidFill>
+            <a:prstDash val="dash"/>
+          </a:ln>
+        </p:spPr>
+        <p:style>
+          <a:lnRef idx="1">
+            <a:schemeClr val="accent1"/>
+          </a:lnRef>
+          <a:fillRef idx="0">
+            <a:schemeClr val="accent1"/>
+          </a:fillRef>
+          <a:effectRef idx="0">
+            <a:schemeClr val="accent1"/>
+          </a:effectRef>
+          <a:fontRef idx="minor">
+            <a:schemeClr val="tx1"/>
+          </a:fontRef>
+        </p:style>
+      </p:cxnSp>
+      <p:cxnSp>
+        <p:nvCxnSpPr>
+          <p:cNvPr id="28" name="직선 연결선 27"/>
+          <p:cNvCxnSpPr/>
+          <p:nvPr/>
+        </p:nvCxnSpPr>
+        <p:spPr>
+          <a:xfrm flipV="1">
+            <a:off x="3684873" y="1877583"/>
+            <a:ext cx="0" cy="2275269"/>
+          </a:xfrm>
+          <a:prstGeom prst="line">
+            <a:avLst/>
+          </a:prstGeom>
+          <a:ln w="25400">
+            <a:solidFill>
+              <a:schemeClr val="bg2">
+                <a:lumMod val="75000"/>
+              </a:schemeClr>
+            </a:solidFill>
+            <a:prstDash val="dash"/>
+          </a:ln>
+        </p:spPr>
+        <p:style>
+          <a:lnRef idx="1">
+            <a:schemeClr val="accent1"/>
+          </a:lnRef>
+          <a:fillRef idx="0">
+            <a:schemeClr val="accent1"/>
+          </a:fillRef>
+          <a:effectRef idx="0">
+            <a:schemeClr val="accent1"/>
+          </a:effectRef>
+          <a:fontRef idx="minor">
+            <a:schemeClr val="tx1"/>
+          </a:fontRef>
+        </p:style>
+      </p:cxnSp>
+      <p:cxnSp>
+        <p:nvCxnSpPr>
+          <p:cNvPr id="29" name="직선 연결선 28"/>
+          <p:cNvCxnSpPr/>
+          <p:nvPr/>
+        </p:nvCxnSpPr>
+        <p:spPr>
+          <a:xfrm flipV="1">
+            <a:off x="4016508" y="1880207"/>
+            <a:ext cx="0" cy="2275269"/>
+          </a:xfrm>
+          <a:prstGeom prst="line">
+            <a:avLst/>
+          </a:prstGeom>
+          <a:ln w="25400">
+            <a:solidFill>
+              <a:schemeClr val="bg2">
+                <a:lumMod val="75000"/>
+              </a:schemeClr>
+            </a:solidFill>
+            <a:prstDash val="dash"/>
+          </a:ln>
+        </p:spPr>
+        <p:style>
+          <a:lnRef idx="1">
+            <a:schemeClr val="accent1"/>
+          </a:lnRef>
+          <a:fillRef idx="0">
+            <a:schemeClr val="accent1"/>
+          </a:fillRef>
+          <a:effectRef idx="0">
+            <a:schemeClr val="accent1"/>
+          </a:effectRef>
+          <a:fontRef idx="minor">
+            <a:schemeClr val="tx1"/>
+          </a:fontRef>
+        </p:style>
+      </p:cxnSp>
+      <p:sp>
+        <p:nvSpPr>
+          <p:cNvPr id="14" name="타원 13"/>
+          <p:cNvSpPr/>
+          <p:nvPr/>
+        </p:nvSpPr>
+        <p:spPr>
+          <a:xfrm>
+            <a:off x="3635303" y="2768110"/>
+            <a:ext cx="108000" cy="108000"/>
+          </a:xfrm>
+          <a:prstGeom prst="ellipse">
+            <a:avLst/>
+          </a:prstGeom>
+          <a:solidFill>
+            <a:srgbClr val="C00000"/>
+          </a:solidFill>
+          <a:ln>
+            <a:solidFill>
+              <a:schemeClr val="accent2">
+                <a:lumMod val="50000"/>
+              </a:schemeClr>
+            </a:solidFill>
+          </a:ln>
+        </p:spPr>
+        <p:style>
+          <a:lnRef idx="2">
+            <a:schemeClr val="accent1">
+              <a:shade val="50000"/>
+            </a:schemeClr>
+          </a:lnRef>
+          <a:fillRef idx="1">
+            <a:schemeClr val="accent1"/>
+          </a:fillRef>
+          <a:effectRef idx="0">
+            <a:schemeClr val="accent1"/>
+          </a:effectRef>
+          <a:fontRef idx="minor">
+            <a:schemeClr val="lt1"/>
+          </a:fontRef>
+        </p:style>
+        <p:txBody>
+          <a:bodyPr rtlCol="0" anchor="ctr"/>
+          <a:lstStyle/>
+          <a:p>
+            <a:pPr algn="ctr"/>
+            <a:endParaRPr lang="en-US"/>
+          </a:p>
+        </p:txBody>
+      </p:sp>
+      <p:sp>
+        <p:nvSpPr>
+          <p:cNvPr id="15" name="타원 14"/>
+          <p:cNvSpPr/>
+          <p:nvPr/>
+        </p:nvSpPr>
+        <p:spPr>
+          <a:xfrm>
+            <a:off x="3973677" y="2767820"/>
+            <a:ext cx="108000" cy="108000"/>
+          </a:xfrm>
+          <a:prstGeom prst="ellipse">
+            <a:avLst/>
+          </a:prstGeom>
+          <a:solidFill>
+            <a:srgbClr val="C00000"/>
+          </a:solidFill>
+          <a:ln>
+            <a:solidFill>
+              <a:schemeClr val="accent2">
+                <a:lumMod val="50000"/>
+              </a:schemeClr>
+            </a:solidFill>
+          </a:ln>
+        </p:spPr>
+        <p:style>
+          <a:lnRef idx="2">
+            <a:schemeClr val="accent1">
+              <a:shade val="50000"/>
+            </a:schemeClr>
+          </a:lnRef>
+          <a:fillRef idx="1">
+            <a:schemeClr val="accent1"/>
+          </a:fillRef>
+          <a:effectRef idx="0">
+            <a:schemeClr val="accent1"/>
+          </a:effectRef>
+          <a:fontRef idx="minor">
+            <a:schemeClr val="lt1"/>
+          </a:fontRef>
+        </p:style>
+        <p:txBody>
+          <a:bodyPr rtlCol="0" anchor="ctr"/>
+          <a:lstStyle/>
+          <a:p>
+            <a:pPr algn="ctr"/>
+            <a:endParaRPr lang="en-US"/>
+          </a:p>
+        </p:txBody>
+      </p:sp>
+    </p:spTree>
+    <p:extLst>
+      <p:ext uri="{BB962C8B-B14F-4D97-AF65-F5344CB8AC3E}">
+        <p14:creationId xmlns:p14="http://schemas.microsoft.com/office/powerpoint/2010/main" val="1372027498"/>
       </p:ext>
     </p:extLst>
   </p:cSld>
@@ -7955,27 +11692,7 @@
                   <a:latin typeface="Roboto" panose="02000000000000000000" pitchFamily="2" charset="0"/>
                   <a:ea typeface="Roboto" panose="02000000000000000000" pitchFamily="2" charset="0"/>
                 </a:rPr>
-                <a:t>1. Press the arrow </a:t>
-              </a:r>
-              <a:r>
-                <a:rPr lang="en-US" sz="1600" dirty="0" smtClean="0">
-                  <a:solidFill>
-                    <a:srgbClr val="C00000"/>
-                  </a:solidFill>
-                  <a:latin typeface="Roboto" panose="02000000000000000000" pitchFamily="2" charset="0"/>
-                  <a:ea typeface="Roboto" panose="02000000000000000000" pitchFamily="2" charset="0"/>
-                </a:rPr>
-                <a:t>right key </a:t>
-              </a:r>
-              <a:r>
-                <a:rPr lang="en-US" sz="1600" dirty="0" smtClean="0">
-                  <a:solidFill>
-                    <a:srgbClr val="C00000"/>
-                  </a:solidFill>
-                  <a:latin typeface="Roboto" panose="02000000000000000000" pitchFamily="2" charset="0"/>
-                  <a:ea typeface="Roboto" panose="02000000000000000000" pitchFamily="2" charset="0"/>
-                </a:rPr>
-                <a:t>on a focused</a:t>
+                <a:t>1. Press the arrow right key on a focused</a:t>
               </a:r>
             </a:p>
             <a:p>

--- a/docs/images_of_spec.pptx
+++ b/docs/images_of_spec.pptx
@@ -19,8 +19,9 @@
     <p:sldId id="270" r:id="rId13"/>
     <p:sldId id="271" r:id="rId14"/>
     <p:sldId id="273" r:id="rId15"/>
-    <p:sldId id="272" r:id="rId16"/>
-    <p:sldId id="274" r:id="rId17"/>
+    <p:sldId id="275" r:id="rId16"/>
+    <p:sldId id="272" r:id="rId17"/>
+    <p:sldId id="274" r:id="rId18"/>
   </p:sldIdLst>
   <p:sldSz cx="12192000" cy="6858000"/>
   <p:notesSz cx="6858000" cy="9144000"/>
@@ -258,7 +259,7 @@
           <a:p>
             <a:fld id="{278DCA68-1BB8-4FF4-BF77-5209A30E84B9}" type="datetimeFigureOut">
               <a:rPr lang="en-US" smtClean="0"/>
-              <a:t>3/29/2019</a:t>
+              <a:t>4/5/2019</a:t>
             </a:fld>
             <a:endParaRPr lang="en-US"/>
           </a:p>
@@ -428,7 +429,7 @@
           <a:p>
             <a:fld id="{278DCA68-1BB8-4FF4-BF77-5209A30E84B9}" type="datetimeFigureOut">
               <a:rPr lang="en-US" smtClean="0"/>
-              <a:t>3/29/2019</a:t>
+              <a:t>4/5/2019</a:t>
             </a:fld>
             <a:endParaRPr lang="en-US"/>
           </a:p>
@@ -608,7 +609,7 @@
           <a:p>
             <a:fld id="{278DCA68-1BB8-4FF4-BF77-5209A30E84B9}" type="datetimeFigureOut">
               <a:rPr lang="en-US" smtClean="0"/>
-              <a:t>3/29/2019</a:t>
+              <a:t>4/5/2019</a:t>
             </a:fld>
             <a:endParaRPr lang="en-US"/>
           </a:p>
@@ -778,7 +779,7 @@
           <a:p>
             <a:fld id="{278DCA68-1BB8-4FF4-BF77-5209A30E84B9}" type="datetimeFigureOut">
               <a:rPr lang="en-US" smtClean="0"/>
-              <a:t>3/29/2019</a:t>
+              <a:t>4/5/2019</a:t>
             </a:fld>
             <a:endParaRPr lang="en-US"/>
           </a:p>
@@ -1024,7 +1025,7 @@
           <a:p>
             <a:fld id="{278DCA68-1BB8-4FF4-BF77-5209A30E84B9}" type="datetimeFigureOut">
               <a:rPr lang="en-US" smtClean="0"/>
-              <a:t>3/29/2019</a:t>
+              <a:t>4/5/2019</a:t>
             </a:fld>
             <a:endParaRPr lang="en-US"/>
           </a:p>
@@ -1256,7 +1257,7 @@
           <a:p>
             <a:fld id="{278DCA68-1BB8-4FF4-BF77-5209A30E84B9}" type="datetimeFigureOut">
               <a:rPr lang="en-US" smtClean="0"/>
-              <a:t>3/29/2019</a:t>
+              <a:t>4/5/2019</a:t>
             </a:fld>
             <a:endParaRPr lang="en-US"/>
           </a:p>
@@ -1623,7 +1624,7 @@
           <a:p>
             <a:fld id="{278DCA68-1BB8-4FF4-BF77-5209A30E84B9}" type="datetimeFigureOut">
               <a:rPr lang="en-US" smtClean="0"/>
-              <a:t>3/29/2019</a:t>
+              <a:t>4/5/2019</a:t>
             </a:fld>
             <a:endParaRPr lang="en-US"/>
           </a:p>
@@ -1741,7 +1742,7 @@
           <a:p>
             <a:fld id="{278DCA68-1BB8-4FF4-BF77-5209A30E84B9}" type="datetimeFigureOut">
               <a:rPr lang="en-US" smtClean="0"/>
-              <a:t>3/29/2019</a:t>
+              <a:t>4/5/2019</a:t>
             </a:fld>
             <a:endParaRPr lang="en-US"/>
           </a:p>
@@ -1836,7 +1837,7 @@
           <a:p>
             <a:fld id="{278DCA68-1BB8-4FF4-BF77-5209A30E84B9}" type="datetimeFigureOut">
               <a:rPr lang="en-US" smtClean="0"/>
-              <a:t>3/29/2019</a:t>
+              <a:t>4/5/2019</a:t>
             </a:fld>
             <a:endParaRPr lang="en-US"/>
           </a:p>
@@ -2113,7 +2114,7 @@
           <a:p>
             <a:fld id="{278DCA68-1BB8-4FF4-BF77-5209A30E84B9}" type="datetimeFigureOut">
               <a:rPr lang="en-US" smtClean="0"/>
-              <a:t>3/29/2019</a:t>
+              <a:t>4/5/2019</a:t>
             </a:fld>
             <a:endParaRPr lang="en-US"/>
           </a:p>
@@ -2366,7 +2367,7 @@
           <a:p>
             <a:fld id="{278DCA68-1BB8-4FF4-BF77-5209A30E84B9}" type="datetimeFigureOut">
               <a:rPr lang="en-US" smtClean="0"/>
-              <a:t>3/29/2019</a:t>
+              <a:t>4/5/2019</a:t>
             </a:fld>
             <a:endParaRPr lang="en-US"/>
           </a:p>
@@ -2579,7 +2580,7 @@
           <a:p>
             <a:fld id="{278DCA68-1BB8-4FF4-BF77-5209A30E84B9}" type="datetimeFigureOut">
               <a:rPr lang="en-US" smtClean="0"/>
-              <a:t>3/29/2019</a:t>
+              <a:t>4/5/2019</a:t>
             </a:fld>
             <a:endParaRPr lang="en-US"/>
           </a:p>
@@ -6687,6 +6688,658 @@
       </p:grpSpPr>
       <p:sp>
         <p:nvSpPr>
+          <p:cNvPr id="9" name="직사각형 8"/>
+          <p:cNvSpPr/>
+          <p:nvPr/>
+        </p:nvSpPr>
+        <p:spPr>
+          <a:xfrm rot="-2700000">
+            <a:off x="2694707" y="2433785"/>
+            <a:ext cx="1087583" cy="803564"/>
+          </a:xfrm>
+          <a:prstGeom prst="rect">
+            <a:avLst/>
+          </a:prstGeom>
+          <a:solidFill>
+            <a:srgbClr val="D95757"/>
+          </a:solidFill>
+          <a:ln w="38100">
+            <a:solidFill>
+              <a:schemeClr val="tx1">
+                <a:lumMod val="75000"/>
+                <a:lumOff val="25000"/>
+              </a:schemeClr>
+            </a:solidFill>
+          </a:ln>
+        </p:spPr>
+        <p:style>
+          <a:lnRef idx="2">
+            <a:schemeClr val="accent1">
+              <a:shade val="50000"/>
+            </a:schemeClr>
+          </a:lnRef>
+          <a:fillRef idx="1">
+            <a:schemeClr val="accent1"/>
+          </a:fillRef>
+          <a:effectRef idx="0">
+            <a:schemeClr val="accent1"/>
+          </a:effectRef>
+          <a:fontRef idx="minor">
+            <a:schemeClr val="lt1"/>
+          </a:fontRef>
+        </p:style>
+        <p:txBody>
+          <a:bodyPr rtlCol="0" anchor="ctr"/>
+          <a:lstStyle/>
+          <a:p>
+            <a:pPr algn="ctr"/>
+            <a:endParaRPr lang="en-US"/>
+          </a:p>
+        </p:txBody>
+      </p:sp>
+      <p:cxnSp>
+        <p:nvCxnSpPr>
+          <p:cNvPr id="10" name="직선 화살표 연결선 9"/>
+          <p:cNvCxnSpPr/>
+          <p:nvPr/>
+        </p:nvCxnSpPr>
+        <p:spPr>
+          <a:xfrm>
+            <a:off x="3179667" y="705859"/>
+            <a:ext cx="1594933" cy="0"/>
+          </a:xfrm>
+          <a:prstGeom prst="straightConnector1">
+            <a:avLst/>
+          </a:prstGeom>
+          <a:ln w="38100">
+            <a:solidFill>
+              <a:schemeClr val="accent5"/>
+            </a:solidFill>
+            <a:headEnd type="none" w="med" len="med"/>
+            <a:tailEnd type="triangle" w="med" len="med"/>
+          </a:ln>
+        </p:spPr>
+        <p:style>
+          <a:lnRef idx="1">
+            <a:schemeClr val="accent1"/>
+          </a:lnRef>
+          <a:fillRef idx="0">
+            <a:schemeClr val="accent1"/>
+          </a:fillRef>
+          <a:effectRef idx="0">
+            <a:schemeClr val="accent1"/>
+          </a:effectRef>
+          <a:fontRef idx="minor">
+            <a:schemeClr val="tx1"/>
+          </a:fontRef>
+        </p:style>
+      </p:cxnSp>
+      <p:sp>
+        <p:nvSpPr>
+          <p:cNvPr id="11" name="TextBox 10"/>
+          <p:cNvSpPr txBox="1"/>
+          <p:nvPr/>
+        </p:nvSpPr>
+        <p:spPr>
+          <a:xfrm>
+            <a:off x="3037116" y="801276"/>
+            <a:ext cx="2002471" cy="338554"/>
+          </a:xfrm>
+          <a:prstGeom prst="rect">
+            <a:avLst/>
+          </a:prstGeom>
+          <a:noFill/>
+          <a:ln>
+            <a:noFill/>
+          </a:ln>
+        </p:spPr>
+        <p:txBody>
+          <a:bodyPr wrap="none" rtlCol="0">
+            <a:spAutoFit/>
+          </a:bodyPr>
+          <a:lstStyle/>
+          <a:p>
+            <a:r>
+              <a:rPr lang="en-US" sz="1600" dirty="0" smtClean="0">
+                <a:solidFill>
+                  <a:srgbClr val="0070C0"/>
+                </a:solidFill>
+                <a:latin typeface="Roboto Light" panose="02000000000000000000" pitchFamily="2" charset="0"/>
+                <a:ea typeface="Roboto Light" panose="02000000000000000000" pitchFamily="2" charset="0"/>
+              </a:rPr>
+              <a:t>Navigation Direction</a:t>
+            </a:r>
+            <a:endParaRPr lang="en-US" sz="1600" dirty="0">
+              <a:solidFill>
+                <a:srgbClr val="0070C0"/>
+              </a:solidFill>
+              <a:latin typeface="Roboto Light" panose="02000000000000000000" pitchFamily="2" charset="0"/>
+              <a:ea typeface="Roboto Light" panose="02000000000000000000" pitchFamily="2" charset="0"/>
+            </a:endParaRPr>
+          </a:p>
+        </p:txBody>
+      </p:sp>
+      <p:sp>
+        <p:nvSpPr>
+          <p:cNvPr id="14" name="모서리가 둥근 직사각형 13"/>
+          <p:cNvSpPr/>
+          <p:nvPr/>
+        </p:nvSpPr>
+        <p:spPr>
+          <a:xfrm>
+            <a:off x="4336172" y="1468582"/>
+            <a:ext cx="1431037" cy="1024931"/>
+          </a:xfrm>
+          <a:prstGeom prst="roundRect">
+            <a:avLst>
+              <a:gd name="adj" fmla="val 37394"/>
+            </a:avLst>
+          </a:prstGeom>
+          <a:solidFill>
+            <a:srgbClr val="00B050"/>
+          </a:solidFill>
+          <a:ln w="38100">
+            <a:solidFill>
+              <a:schemeClr val="tx1">
+                <a:lumMod val="75000"/>
+                <a:lumOff val="25000"/>
+              </a:schemeClr>
+            </a:solidFill>
+          </a:ln>
+        </p:spPr>
+        <p:style>
+          <a:lnRef idx="2">
+            <a:schemeClr val="accent1">
+              <a:shade val="50000"/>
+            </a:schemeClr>
+          </a:lnRef>
+          <a:fillRef idx="1">
+            <a:schemeClr val="accent1"/>
+          </a:fillRef>
+          <a:effectRef idx="0">
+            <a:schemeClr val="accent1"/>
+          </a:effectRef>
+          <a:fontRef idx="minor">
+            <a:schemeClr val="lt1"/>
+          </a:fontRef>
+        </p:style>
+        <p:txBody>
+          <a:bodyPr rtlCol="0" anchor="ctr"/>
+          <a:lstStyle/>
+          <a:p>
+            <a:pPr algn="ctr"/>
+            <a:endParaRPr lang="en-US"/>
+          </a:p>
+        </p:txBody>
+      </p:sp>
+      <p:cxnSp>
+        <p:nvCxnSpPr>
+          <p:cNvPr id="15" name="직선 연결선 14"/>
+          <p:cNvCxnSpPr/>
+          <p:nvPr/>
+        </p:nvCxnSpPr>
+        <p:spPr>
+          <a:xfrm>
+            <a:off x="2447635" y="2129710"/>
+            <a:ext cx="3600000" cy="0"/>
+          </a:xfrm>
+          <a:prstGeom prst="line">
+            <a:avLst/>
+          </a:prstGeom>
+          <a:ln w="38100">
+            <a:solidFill>
+              <a:srgbClr val="F1C1C1"/>
+            </a:solidFill>
+            <a:prstDash val="dash"/>
+          </a:ln>
+        </p:spPr>
+        <p:style>
+          <a:lnRef idx="1">
+            <a:schemeClr val="accent1"/>
+          </a:lnRef>
+          <a:fillRef idx="0">
+            <a:schemeClr val="accent1"/>
+          </a:fillRef>
+          <a:effectRef idx="0">
+            <a:schemeClr val="accent1"/>
+          </a:effectRef>
+          <a:fontRef idx="minor">
+            <a:schemeClr val="tx1"/>
+          </a:fontRef>
+        </p:style>
+      </p:cxnSp>
+      <p:cxnSp>
+        <p:nvCxnSpPr>
+          <p:cNvPr id="16" name="직선 연결선 15"/>
+          <p:cNvCxnSpPr/>
+          <p:nvPr/>
+        </p:nvCxnSpPr>
+        <p:spPr>
+          <a:xfrm>
+            <a:off x="2447635" y="2493513"/>
+            <a:ext cx="3600000" cy="0"/>
+          </a:xfrm>
+          <a:prstGeom prst="line">
+            <a:avLst/>
+          </a:prstGeom>
+          <a:ln w="38100">
+            <a:solidFill>
+              <a:schemeClr val="accent6">
+                <a:lumMod val="40000"/>
+                <a:lumOff val="60000"/>
+              </a:schemeClr>
+            </a:solidFill>
+            <a:prstDash val="dash"/>
+          </a:ln>
+        </p:spPr>
+        <p:style>
+          <a:lnRef idx="1">
+            <a:schemeClr val="accent1"/>
+          </a:lnRef>
+          <a:fillRef idx="0">
+            <a:schemeClr val="accent1"/>
+          </a:fillRef>
+          <a:effectRef idx="0">
+            <a:schemeClr val="accent1"/>
+          </a:effectRef>
+          <a:fontRef idx="minor">
+            <a:schemeClr val="tx1"/>
+          </a:fontRef>
+        </p:style>
+      </p:cxnSp>
+      <p:cxnSp>
+        <p:nvCxnSpPr>
+          <p:cNvPr id="23" name="직선 연결선 22"/>
+          <p:cNvCxnSpPr/>
+          <p:nvPr/>
+        </p:nvCxnSpPr>
+        <p:spPr>
+          <a:xfrm>
+            <a:off x="2465807" y="3517738"/>
+            <a:ext cx="3600000" cy="0"/>
+          </a:xfrm>
+          <a:prstGeom prst="line">
+            <a:avLst/>
+          </a:prstGeom>
+          <a:ln w="38100">
+            <a:solidFill>
+              <a:srgbClr val="F1C1C1"/>
+            </a:solidFill>
+            <a:prstDash val="dash"/>
+          </a:ln>
+        </p:spPr>
+        <p:style>
+          <a:lnRef idx="1">
+            <a:schemeClr val="accent1"/>
+          </a:lnRef>
+          <a:fillRef idx="0">
+            <a:schemeClr val="accent1"/>
+          </a:fillRef>
+          <a:effectRef idx="0">
+            <a:schemeClr val="accent1"/>
+          </a:effectRef>
+          <a:fontRef idx="minor">
+            <a:schemeClr val="tx1"/>
+          </a:fontRef>
+        </p:style>
+      </p:cxnSp>
+      <p:cxnSp>
+        <p:nvCxnSpPr>
+          <p:cNvPr id="24" name="직선 연결선 23"/>
+          <p:cNvCxnSpPr/>
+          <p:nvPr/>
+        </p:nvCxnSpPr>
+        <p:spPr>
+          <a:xfrm>
+            <a:off x="2465807" y="1468582"/>
+            <a:ext cx="3600000" cy="0"/>
+          </a:xfrm>
+          <a:prstGeom prst="line">
+            <a:avLst/>
+          </a:prstGeom>
+          <a:ln w="38100">
+            <a:solidFill>
+              <a:schemeClr val="accent6">
+                <a:lumMod val="40000"/>
+                <a:lumOff val="60000"/>
+              </a:schemeClr>
+            </a:solidFill>
+            <a:prstDash val="dash"/>
+          </a:ln>
+        </p:spPr>
+        <p:style>
+          <a:lnRef idx="1">
+            <a:schemeClr val="accent1"/>
+          </a:lnRef>
+          <a:fillRef idx="0">
+            <a:schemeClr val="accent1"/>
+          </a:fillRef>
+          <a:effectRef idx="0">
+            <a:schemeClr val="accent1"/>
+          </a:effectRef>
+          <a:fontRef idx="minor">
+            <a:schemeClr val="tx1"/>
+          </a:fontRef>
+        </p:style>
+      </p:cxnSp>
+      <p:sp>
+        <p:nvSpPr>
+          <p:cNvPr id="31" name="TextBox 30"/>
+          <p:cNvSpPr txBox="1"/>
+          <p:nvPr/>
+        </p:nvSpPr>
+        <p:spPr>
+          <a:xfrm>
+            <a:off x="6591967" y="2157417"/>
+            <a:ext cx="1874231" cy="307777"/>
+          </a:xfrm>
+          <a:prstGeom prst="rect">
+            <a:avLst/>
+          </a:prstGeom>
+          <a:noFill/>
+          <a:ln>
+            <a:noFill/>
+          </a:ln>
+        </p:spPr>
+        <p:txBody>
+          <a:bodyPr wrap="none" rtlCol="0">
+            <a:spAutoFit/>
+          </a:bodyPr>
+          <a:lstStyle/>
+          <a:p>
+            <a:r>
+              <a:rPr lang="en-US" sz="1400" dirty="0" smtClean="0">
+                <a:latin typeface="Roboto" panose="02000000000000000000" pitchFamily="2" charset="0"/>
+                <a:ea typeface="Roboto" panose="02000000000000000000" pitchFamily="2" charset="0"/>
+              </a:rPr>
+              <a:t>Length of the overlap</a:t>
+            </a:r>
+            <a:endParaRPr lang="en-US" sz="1400" dirty="0">
+              <a:latin typeface="Roboto" panose="02000000000000000000" pitchFamily="2" charset="0"/>
+              <a:ea typeface="Roboto" panose="02000000000000000000" pitchFamily="2" charset="0"/>
+            </a:endParaRPr>
+          </a:p>
+        </p:txBody>
+      </p:sp>
+      <p:sp>
+        <p:nvSpPr>
+          <p:cNvPr id="32" name="직사각형 31"/>
+          <p:cNvSpPr/>
+          <p:nvPr/>
+        </p:nvSpPr>
+        <p:spPr>
+          <a:xfrm>
+            <a:off x="6671585" y="756995"/>
+            <a:ext cx="360000" cy="360000"/>
+          </a:xfrm>
+          <a:prstGeom prst="rect">
+            <a:avLst/>
+          </a:prstGeom>
+          <a:solidFill>
+            <a:srgbClr val="D95757"/>
+          </a:solidFill>
+        </p:spPr>
+        <p:style>
+          <a:lnRef idx="2">
+            <a:schemeClr val="accent5">
+              <a:shade val="50000"/>
+            </a:schemeClr>
+          </a:lnRef>
+          <a:fillRef idx="1">
+            <a:schemeClr val="accent5"/>
+          </a:fillRef>
+          <a:effectRef idx="0">
+            <a:schemeClr val="accent5"/>
+          </a:effectRef>
+          <a:fontRef idx="minor">
+            <a:schemeClr val="lt1"/>
+          </a:fontRef>
+        </p:style>
+        <p:txBody>
+          <a:bodyPr rtlCol="0" anchor="ctr"/>
+          <a:lstStyle/>
+          <a:p>
+            <a:pPr algn="ctr"/>
+            <a:endParaRPr lang="en-US" sz="1200">
+              <a:latin typeface="Roboto" panose="02000000000000000000" pitchFamily="2" charset="0"/>
+              <a:ea typeface="Roboto" panose="02000000000000000000" pitchFamily="2" charset="0"/>
+            </a:endParaRPr>
+          </a:p>
+        </p:txBody>
+      </p:sp>
+      <p:sp>
+        <p:nvSpPr>
+          <p:cNvPr id="33" name="TextBox 32"/>
+          <p:cNvSpPr txBox="1"/>
+          <p:nvPr/>
+        </p:nvSpPr>
+        <p:spPr>
+          <a:xfrm>
+            <a:off x="7083214" y="795971"/>
+            <a:ext cx="1564852" cy="307777"/>
+          </a:xfrm>
+          <a:prstGeom prst="rect">
+            <a:avLst/>
+          </a:prstGeom>
+          <a:noFill/>
+        </p:spPr>
+        <p:txBody>
+          <a:bodyPr wrap="none" rtlCol="0">
+            <a:spAutoFit/>
+          </a:bodyPr>
+          <a:lstStyle/>
+          <a:p>
+            <a:r>
+              <a:rPr lang="en-US" sz="1400" dirty="0" smtClean="0">
+                <a:latin typeface="Roboto" panose="02000000000000000000" pitchFamily="2" charset="0"/>
+                <a:ea typeface="Roboto" panose="02000000000000000000" pitchFamily="2" charset="0"/>
+              </a:rPr>
+              <a:t>Focused </a:t>
+            </a:r>
+            <a:r>
+              <a:rPr lang="en-US" sz="1400" dirty="0" smtClean="0">
+                <a:latin typeface="Roboto" panose="02000000000000000000" pitchFamily="2" charset="0"/>
+                <a:ea typeface="Roboto" panose="02000000000000000000" pitchFamily="2" charset="0"/>
+              </a:rPr>
+              <a:t>Element</a:t>
+            </a:r>
+            <a:endParaRPr lang="en-US" sz="1400" dirty="0">
+              <a:latin typeface="Roboto" panose="02000000000000000000" pitchFamily="2" charset="0"/>
+              <a:ea typeface="Roboto" panose="02000000000000000000" pitchFamily="2" charset="0"/>
+            </a:endParaRPr>
+          </a:p>
+        </p:txBody>
+      </p:sp>
+      <p:sp>
+        <p:nvSpPr>
+          <p:cNvPr id="34" name="직사각형 33"/>
+          <p:cNvSpPr/>
+          <p:nvPr/>
+        </p:nvSpPr>
+        <p:spPr>
+          <a:xfrm>
+            <a:off x="6671585" y="1313367"/>
+            <a:ext cx="360000" cy="360000"/>
+          </a:xfrm>
+          <a:prstGeom prst="rect">
+            <a:avLst/>
+          </a:prstGeom>
+          <a:solidFill>
+            <a:srgbClr val="00B050"/>
+          </a:solidFill>
+        </p:spPr>
+        <p:style>
+          <a:lnRef idx="2">
+            <a:schemeClr val="accent6">
+              <a:shade val="50000"/>
+            </a:schemeClr>
+          </a:lnRef>
+          <a:fillRef idx="1">
+            <a:schemeClr val="accent6"/>
+          </a:fillRef>
+          <a:effectRef idx="0">
+            <a:schemeClr val="accent6"/>
+          </a:effectRef>
+          <a:fontRef idx="minor">
+            <a:schemeClr val="lt1"/>
+          </a:fontRef>
+        </p:style>
+        <p:txBody>
+          <a:bodyPr rtlCol="0" anchor="ctr"/>
+          <a:lstStyle/>
+          <a:p>
+            <a:pPr algn="ctr"/>
+            <a:endParaRPr lang="en-US" sz="1200">
+              <a:latin typeface="Roboto" panose="02000000000000000000" pitchFamily="2" charset="0"/>
+              <a:ea typeface="Roboto" panose="02000000000000000000" pitchFamily="2" charset="0"/>
+            </a:endParaRPr>
+          </a:p>
+        </p:txBody>
+      </p:sp>
+      <p:sp>
+        <p:nvSpPr>
+          <p:cNvPr id="35" name="TextBox 34"/>
+          <p:cNvSpPr txBox="1"/>
+          <p:nvPr/>
+        </p:nvSpPr>
+        <p:spPr>
+          <a:xfrm>
+            <a:off x="7083214" y="1339478"/>
+            <a:ext cx="1691489" cy="307777"/>
+          </a:xfrm>
+          <a:prstGeom prst="rect">
+            <a:avLst/>
+          </a:prstGeom>
+          <a:noFill/>
+        </p:spPr>
+        <p:txBody>
+          <a:bodyPr wrap="none" rtlCol="0">
+            <a:spAutoFit/>
+          </a:bodyPr>
+          <a:lstStyle/>
+          <a:p>
+            <a:r>
+              <a:rPr lang="en-US" sz="1400" dirty="0" smtClean="0">
+                <a:latin typeface="Roboto" panose="02000000000000000000" pitchFamily="2" charset="0"/>
+                <a:ea typeface="Roboto" panose="02000000000000000000" pitchFamily="2" charset="0"/>
+              </a:rPr>
+              <a:t>Candidate Element</a:t>
+            </a:r>
+            <a:endParaRPr lang="en-US" sz="1400" dirty="0">
+              <a:latin typeface="Roboto" panose="02000000000000000000" pitchFamily="2" charset="0"/>
+              <a:ea typeface="Roboto" panose="02000000000000000000" pitchFamily="2" charset="0"/>
+            </a:endParaRPr>
+          </a:p>
+        </p:txBody>
+      </p:sp>
+      <p:cxnSp>
+        <p:nvCxnSpPr>
+          <p:cNvPr id="37" name="직선 화살표 연결선 36"/>
+          <p:cNvCxnSpPr/>
+          <p:nvPr/>
+        </p:nvCxnSpPr>
+        <p:spPr>
+          <a:xfrm>
+            <a:off x="5955275" y="2311306"/>
+            <a:ext cx="636692" cy="1"/>
+          </a:xfrm>
+          <a:prstGeom prst="straightConnector1">
+            <a:avLst/>
+          </a:prstGeom>
+          <a:ln>
+            <a:solidFill>
+              <a:schemeClr val="bg2">
+                <a:lumMod val="75000"/>
+              </a:schemeClr>
+            </a:solidFill>
+            <a:prstDash val="dash"/>
+            <a:tailEnd type="triangle"/>
+          </a:ln>
+        </p:spPr>
+        <p:style>
+          <a:lnRef idx="1">
+            <a:schemeClr val="accent1"/>
+          </a:lnRef>
+          <a:fillRef idx="0">
+            <a:schemeClr val="accent1"/>
+          </a:fillRef>
+          <a:effectRef idx="0">
+            <a:schemeClr val="accent1"/>
+          </a:effectRef>
+          <a:fontRef idx="minor">
+            <a:schemeClr val="tx1"/>
+          </a:fontRef>
+        </p:style>
+      </p:cxnSp>
+      <p:cxnSp>
+        <p:nvCxnSpPr>
+          <p:cNvPr id="30" name="직선 화살표 연결선 29"/>
+          <p:cNvCxnSpPr/>
+          <p:nvPr/>
+        </p:nvCxnSpPr>
+        <p:spPr>
+          <a:xfrm>
+            <a:off x="5955275" y="2129710"/>
+            <a:ext cx="0" cy="363803"/>
+          </a:xfrm>
+          <a:prstGeom prst="straightConnector1">
+            <a:avLst/>
+          </a:prstGeom>
+          <a:ln w="28575">
+            <a:solidFill>
+              <a:schemeClr val="tx1"/>
+            </a:solidFill>
+            <a:headEnd type="triangle" w="med" len="med"/>
+            <a:tailEnd type="triangle" w="med" len="med"/>
+          </a:ln>
+        </p:spPr>
+        <p:style>
+          <a:lnRef idx="1">
+            <a:schemeClr val="accent1"/>
+          </a:lnRef>
+          <a:fillRef idx="0">
+            <a:schemeClr val="accent1"/>
+          </a:fillRef>
+          <a:effectRef idx="0">
+            <a:schemeClr val="accent1"/>
+          </a:effectRef>
+          <a:fontRef idx="minor">
+            <a:schemeClr val="tx1"/>
+          </a:fontRef>
+        </p:style>
+      </p:cxnSp>
+    </p:spTree>
+    <p:extLst>
+      <p:ext uri="{BB962C8B-B14F-4D97-AF65-F5344CB8AC3E}">
+        <p14:creationId xmlns:p14="http://schemas.microsoft.com/office/powerpoint/2010/main" val="1637788602"/>
+      </p:ext>
+    </p:extLst>
+  </p:cSld>
+  <p:clrMapOvr>
+    <a:masterClrMapping/>
+  </p:clrMapOvr>
+</p:sld>
+</file>
+
+<file path=ppt/slides/slide16.xml><?xml version="1.0" encoding="utf-8"?>
+<p:sld xmlns:a="http://schemas.openxmlformats.org/drawingml/2006/main" xmlns:r="http://schemas.openxmlformats.org/officeDocument/2006/relationships" xmlns:p="http://schemas.openxmlformats.org/presentationml/2006/main">
+  <p:cSld>
+    <p:spTree>
+      <p:nvGrpSpPr>
+        <p:cNvPr id="1" name=""/>
+        <p:cNvGrpSpPr/>
+        <p:nvPr/>
+      </p:nvGrpSpPr>
+      <p:grpSpPr>
+        <a:xfrm>
+          <a:off x="0" y="0"/>
+          <a:ext cx="0" cy="0"/>
+          <a:chOff x="0" y="0"/>
+          <a:chExt cx="0" cy="0"/>
+        </a:xfrm>
+      </p:grpSpPr>
+      <p:sp>
+        <p:nvSpPr>
           <p:cNvPr id="2" name="직사각형 1"/>
           <p:cNvSpPr/>
           <p:nvPr/>
@@ -7419,7 +8072,7 @@
 </p:sld>
 </file>
 
-<file path=ppt/slides/slide16.xml><?xml version="1.0" encoding="utf-8"?>
+<file path=ppt/slides/slide17.xml><?xml version="1.0" encoding="utf-8"?>
 <p:sld xmlns:a="http://schemas.openxmlformats.org/drawingml/2006/main" xmlns:r="http://schemas.openxmlformats.org/officeDocument/2006/relationships" xmlns:p="http://schemas.openxmlformats.org/presentationml/2006/main">
   <p:cSld>
     <p:spTree>

--- a/docs/images_of_spec.pptx
+++ b/docs/images_of_spec.pptx
@@ -8,20 +8,21 @@
     <p:sldId id="266" r:id="rId2"/>
     <p:sldId id="263" r:id="rId3"/>
     <p:sldId id="267" r:id="rId4"/>
-    <p:sldId id="264" r:id="rId5"/>
-    <p:sldId id="268" r:id="rId6"/>
-    <p:sldId id="261" r:id="rId7"/>
-    <p:sldId id="259" r:id="rId8"/>
-    <p:sldId id="265" r:id="rId9"/>
-    <p:sldId id="262" r:id="rId10"/>
-    <p:sldId id="260" r:id="rId11"/>
-    <p:sldId id="269" r:id="rId12"/>
-    <p:sldId id="270" r:id="rId13"/>
-    <p:sldId id="271" r:id="rId14"/>
-    <p:sldId id="273" r:id="rId15"/>
-    <p:sldId id="275" r:id="rId16"/>
-    <p:sldId id="272" r:id="rId17"/>
-    <p:sldId id="274" r:id="rId18"/>
+    <p:sldId id="276" r:id="rId5"/>
+    <p:sldId id="264" r:id="rId6"/>
+    <p:sldId id="268" r:id="rId7"/>
+    <p:sldId id="261" r:id="rId8"/>
+    <p:sldId id="259" r:id="rId9"/>
+    <p:sldId id="265" r:id="rId10"/>
+    <p:sldId id="262" r:id="rId11"/>
+    <p:sldId id="260" r:id="rId12"/>
+    <p:sldId id="269" r:id="rId13"/>
+    <p:sldId id="270" r:id="rId14"/>
+    <p:sldId id="271" r:id="rId15"/>
+    <p:sldId id="273" r:id="rId16"/>
+    <p:sldId id="275" r:id="rId17"/>
+    <p:sldId id="272" r:id="rId18"/>
+    <p:sldId id="274" r:id="rId19"/>
   </p:sldIdLst>
   <p:sldSz cx="12192000" cy="6858000"/>
   <p:notesSz cx="6858000" cy="9144000"/>
@@ -259,7 +260,7 @@
           <a:p>
             <a:fld id="{278DCA68-1BB8-4FF4-BF77-5209A30E84B9}" type="datetimeFigureOut">
               <a:rPr lang="en-US" smtClean="0"/>
-              <a:t>4/5/2019</a:t>
+              <a:t>11/22/2019</a:t>
             </a:fld>
             <a:endParaRPr lang="en-US"/>
           </a:p>
@@ -429,7 +430,7 @@
           <a:p>
             <a:fld id="{278DCA68-1BB8-4FF4-BF77-5209A30E84B9}" type="datetimeFigureOut">
               <a:rPr lang="en-US" smtClean="0"/>
-              <a:t>4/5/2019</a:t>
+              <a:t>11/22/2019</a:t>
             </a:fld>
             <a:endParaRPr lang="en-US"/>
           </a:p>
@@ -609,7 +610,7 @@
           <a:p>
             <a:fld id="{278DCA68-1BB8-4FF4-BF77-5209A30E84B9}" type="datetimeFigureOut">
               <a:rPr lang="en-US" smtClean="0"/>
-              <a:t>4/5/2019</a:t>
+              <a:t>11/22/2019</a:t>
             </a:fld>
             <a:endParaRPr lang="en-US"/>
           </a:p>
@@ -779,7 +780,7 @@
           <a:p>
             <a:fld id="{278DCA68-1BB8-4FF4-BF77-5209A30E84B9}" type="datetimeFigureOut">
               <a:rPr lang="en-US" smtClean="0"/>
-              <a:t>4/5/2019</a:t>
+              <a:t>11/22/2019</a:t>
             </a:fld>
             <a:endParaRPr lang="en-US"/>
           </a:p>
@@ -1025,7 +1026,7 @@
           <a:p>
             <a:fld id="{278DCA68-1BB8-4FF4-BF77-5209A30E84B9}" type="datetimeFigureOut">
               <a:rPr lang="en-US" smtClean="0"/>
-              <a:t>4/5/2019</a:t>
+              <a:t>11/22/2019</a:t>
             </a:fld>
             <a:endParaRPr lang="en-US"/>
           </a:p>
@@ -1257,7 +1258,7 @@
           <a:p>
             <a:fld id="{278DCA68-1BB8-4FF4-BF77-5209A30E84B9}" type="datetimeFigureOut">
               <a:rPr lang="en-US" smtClean="0"/>
-              <a:t>4/5/2019</a:t>
+              <a:t>11/22/2019</a:t>
             </a:fld>
             <a:endParaRPr lang="en-US"/>
           </a:p>
@@ -1624,7 +1625,7 @@
           <a:p>
             <a:fld id="{278DCA68-1BB8-4FF4-BF77-5209A30E84B9}" type="datetimeFigureOut">
               <a:rPr lang="en-US" smtClean="0"/>
-              <a:t>4/5/2019</a:t>
+              <a:t>11/22/2019</a:t>
             </a:fld>
             <a:endParaRPr lang="en-US"/>
           </a:p>
@@ -1742,7 +1743,7 @@
           <a:p>
             <a:fld id="{278DCA68-1BB8-4FF4-BF77-5209A30E84B9}" type="datetimeFigureOut">
               <a:rPr lang="en-US" smtClean="0"/>
-              <a:t>4/5/2019</a:t>
+              <a:t>11/22/2019</a:t>
             </a:fld>
             <a:endParaRPr lang="en-US"/>
           </a:p>
@@ -1837,7 +1838,7 @@
           <a:p>
             <a:fld id="{278DCA68-1BB8-4FF4-BF77-5209A30E84B9}" type="datetimeFigureOut">
               <a:rPr lang="en-US" smtClean="0"/>
-              <a:t>4/5/2019</a:t>
+              <a:t>11/22/2019</a:t>
             </a:fld>
             <a:endParaRPr lang="en-US"/>
           </a:p>
@@ -2114,7 +2115,7 @@
           <a:p>
             <a:fld id="{278DCA68-1BB8-4FF4-BF77-5209A30E84B9}" type="datetimeFigureOut">
               <a:rPr lang="en-US" smtClean="0"/>
-              <a:t>4/5/2019</a:t>
+              <a:t>11/22/2019</a:t>
             </a:fld>
             <a:endParaRPr lang="en-US"/>
           </a:p>
@@ -2367,7 +2368,7 @@
           <a:p>
             <a:fld id="{278DCA68-1BB8-4FF4-BF77-5209A30E84B9}" type="datetimeFigureOut">
               <a:rPr lang="en-US" smtClean="0"/>
-              <a:t>4/5/2019</a:t>
+              <a:t>11/22/2019</a:t>
             </a:fld>
             <a:endParaRPr lang="en-US"/>
           </a:p>
@@ -2580,7 +2581,7 @@
           <a:p>
             <a:fld id="{278DCA68-1BB8-4FF4-BF77-5209A30E84B9}" type="datetimeFigureOut">
               <a:rPr lang="en-US" smtClean="0"/>
-              <a:t>4/5/2019</a:t>
+              <a:t>11/22/2019</a:t>
             </a:fld>
             <a:endParaRPr lang="en-US"/>
           </a:p>
@@ -3055,6 +3056,1341 @@
 </file>
 
 <file path=ppt/slides/slide10.xml><?xml version="1.0" encoding="utf-8"?>
+<p:sld xmlns:a="http://schemas.openxmlformats.org/drawingml/2006/main" xmlns:r="http://schemas.openxmlformats.org/officeDocument/2006/relationships" xmlns:p="http://schemas.openxmlformats.org/presentationml/2006/main">
+  <p:cSld>
+    <p:spTree>
+      <p:nvGrpSpPr>
+        <p:cNvPr id="1" name=""/>
+        <p:cNvGrpSpPr/>
+        <p:nvPr/>
+      </p:nvGrpSpPr>
+      <p:grpSpPr>
+        <a:xfrm>
+          <a:off x="0" y="0"/>
+          <a:ext cx="0" cy="0"/>
+          <a:chOff x="0" y="0"/>
+          <a:chExt cx="0" cy="0"/>
+        </a:xfrm>
+      </p:grpSpPr>
+      <p:grpSp>
+        <p:nvGrpSpPr>
+          <p:cNvPr id="4" name="그룹 3"/>
+          <p:cNvGrpSpPr/>
+          <p:nvPr/>
+        </p:nvGrpSpPr>
+        <p:grpSpPr>
+          <a:xfrm>
+            <a:off x="7101100" y="507465"/>
+            <a:ext cx="2837062" cy="4917906"/>
+            <a:chOff x="5113972" y="840765"/>
+            <a:chExt cx="2837062" cy="4917906"/>
+          </a:xfrm>
+        </p:grpSpPr>
+        <p:sp>
+          <p:nvSpPr>
+            <p:cNvPr id="99" name="직사각형 98"/>
+            <p:cNvSpPr/>
+            <p:nvPr/>
+          </p:nvSpPr>
+          <p:spPr>
+            <a:xfrm>
+              <a:off x="5145868" y="840765"/>
+              <a:ext cx="2788837" cy="4917905"/>
+            </a:xfrm>
+            <a:prstGeom prst="rect">
+              <a:avLst/>
+            </a:prstGeom>
+            <a:solidFill>
+              <a:schemeClr val="bg1"/>
+            </a:solidFill>
+            <a:ln>
+              <a:solidFill>
+                <a:schemeClr val="bg1">
+                  <a:lumMod val="75000"/>
+                </a:schemeClr>
+              </a:solidFill>
+              <a:prstDash val="dash"/>
+            </a:ln>
+          </p:spPr>
+          <p:style>
+            <a:lnRef idx="2">
+              <a:schemeClr val="accent1">
+                <a:shade val="50000"/>
+              </a:schemeClr>
+            </a:lnRef>
+            <a:fillRef idx="1">
+              <a:schemeClr val="accent1"/>
+            </a:fillRef>
+            <a:effectRef idx="0">
+              <a:schemeClr val="accent1"/>
+            </a:effectRef>
+            <a:fontRef idx="minor">
+              <a:schemeClr val="lt1"/>
+            </a:fontRef>
+          </p:style>
+          <p:txBody>
+            <a:bodyPr rtlCol="0" anchor="ctr"/>
+            <a:lstStyle/>
+            <a:p>
+              <a:pPr algn="ctr"/>
+              <a:endParaRPr lang="en-US"/>
+            </a:p>
+          </p:txBody>
+        </p:sp>
+        <p:sp>
+          <p:nvSpPr>
+            <p:cNvPr id="100" name="직사각형 99"/>
+            <p:cNvSpPr/>
+            <p:nvPr/>
+          </p:nvSpPr>
+          <p:spPr>
+            <a:xfrm>
+              <a:off x="5113972" y="1889762"/>
+              <a:ext cx="2804404" cy="2552154"/>
+            </a:xfrm>
+            <a:prstGeom prst="rect">
+              <a:avLst/>
+            </a:prstGeom>
+            <a:solidFill>
+              <a:schemeClr val="bg1"/>
+            </a:solidFill>
+            <a:ln>
+              <a:solidFill>
+                <a:schemeClr val="tx1"/>
+              </a:solidFill>
+            </a:ln>
+          </p:spPr>
+          <p:style>
+            <a:lnRef idx="2">
+              <a:schemeClr val="accent1">
+                <a:shade val="50000"/>
+              </a:schemeClr>
+            </a:lnRef>
+            <a:fillRef idx="1">
+              <a:schemeClr val="accent1"/>
+            </a:fillRef>
+            <a:effectRef idx="0">
+              <a:schemeClr val="accent1"/>
+            </a:effectRef>
+            <a:fontRef idx="minor">
+              <a:schemeClr val="lt1"/>
+            </a:fontRef>
+          </p:style>
+          <p:txBody>
+            <a:bodyPr rtlCol="0" anchor="ctr"/>
+            <a:lstStyle/>
+            <a:p>
+              <a:pPr algn="ctr"/>
+              <a:endParaRPr lang="en-US"/>
+            </a:p>
+          </p:txBody>
+        </p:sp>
+        <p:sp>
+          <p:nvSpPr>
+            <p:cNvPr id="102" name="직사각형 101"/>
+            <p:cNvSpPr/>
+            <p:nvPr/>
+          </p:nvSpPr>
+          <p:spPr>
+            <a:xfrm>
+              <a:off x="5971868" y="1038511"/>
+              <a:ext cx="1080000" cy="720000"/>
+            </a:xfrm>
+            <a:prstGeom prst="rect">
+              <a:avLst/>
+            </a:prstGeom>
+            <a:solidFill>
+              <a:schemeClr val="accent1"/>
+            </a:solidFill>
+          </p:spPr>
+          <p:style>
+            <a:lnRef idx="2">
+              <a:schemeClr val="accent1">
+                <a:shade val="50000"/>
+              </a:schemeClr>
+            </a:lnRef>
+            <a:fillRef idx="1">
+              <a:schemeClr val="accent1"/>
+            </a:fillRef>
+            <a:effectRef idx="0">
+              <a:schemeClr val="accent1"/>
+            </a:effectRef>
+            <a:fontRef idx="minor">
+              <a:schemeClr val="lt1"/>
+            </a:fontRef>
+          </p:style>
+          <p:txBody>
+            <a:bodyPr rtlCol="0" anchor="ctr"/>
+            <a:lstStyle/>
+            <a:p>
+              <a:pPr algn="ctr"/>
+              <a:r>
+                <a:rPr lang="en-US" dirty="0" smtClean="0"/>
+                <a:t>Box 1</a:t>
+              </a:r>
+              <a:endParaRPr lang="en-US" dirty="0"/>
+            </a:p>
+          </p:txBody>
+        </p:sp>
+        <p:sp>
+          <p:nvSpPr>
+            <p:cNvPr id="103" name="직사각형 102"/>
+            <p:cNvSpPr/>
+            <p:nvPr/>
+          </p:nvSpPr>
+          <p:spPr>
+            <a:xfrm>
+              <a:off x="5977691" y="4969526"/>
+              <a:ext cx="1080000" cy="720000"/>
+            </a:xfrm>
+            <a:prstGeom prst="rect">
+              <a:avLst/>
+            </a:prstGeom>
+          </p:spPr>
+          <p:style>
+            <a:lnRef idx="2">
+              <a:schemeClr val="accent1">
+                <a:shade val="50000"/>
+              </a:schemeClr>
+            </a:lnRef>
+            <a:fillRef idx="1">
+              <a:schemeClr val="accent1"/>
+            </a:fillRef>
+            <a:effectRef idx="0">
+              <a:schemeClr val="accent1"/>
+            </a:effectRef>
+            <a:fontRef idx="minor">
+              <a:schemeClr val="lt1"/>
+            </a:fontRef>
+          </p:style>
+          <p:txBody>
+            <a:bodyPr rtlCol="0" anchor="ctr"/>
+            <a:lstStyle/>
+            <a:p>
+              <a:pPr algn="ctr"/>
+              <a:r>
+                <a:rPr lang="en-US" dirty="0" smtClean="0"/>
+                <a:t>Box 3</a:t>
+              </a:r>
+              <a:endParaRPr lang="en-US" dirty="0"/>
+            </a:p>
+          </p:txBody>
+        </p:sp>
+        <p:sp>
+          <p:nvSpPr>
+            <p:cNvPr id="104" name="직사각형 103"/>
+            <p:cNvSpPr/>
+            <p:nvPr/>
+          </p:nvSpPr>
+          <p:spPr>
+            <a:xfrm>
+              <a:off x="5971868" y="2056357"/>
+              <a:ext cx="1080000" cy="720000"/>
+            </a:xfrm>
+            <a:prstGeom prst="rect">
+              <a:avLst/>
+            </a:prstGeom>
+            <a:solidFill>
+              <a:srgbClr val="D95757"/>
+            </a:solidFill>
+          </p:spPr>
+          <p:style>
+            <a:lnRef idx="2">
+              <a:schemeClr val="accent1">
+                <a:shade val="50000"/>
+              </a:schemeClr>
+            </a:lnRef>
+            <a:fillRef idx="1">
+              <a:schemeClr val="accent1"/>
+            </a:fillRef>
+            <a:effectRef idx="0">
+              <a:schemeClr val="accent1"/>
+            </a:effectRef>
+            <a:fontRef idx="minor">
+              <a:schemeClr val="lt1"/>
+            </a:fontRef>
+          </p:style>
+          <p:txBody>
+            <a:bodyPr rtlCol="0" anchor="ctr"/>
+            <a:lstStyle/>
+            <a:p>
+              <a:pPr algn="ctr"/>
+              <a:r>
+                <a:rPr lang="en-US" dirty="0" smtClean="0"/>
+                <a:t>Box 2</a:t>
+              </a:r>
+              <a:endParaRPr lang="en-US" dirty="0"/>
+            </a:p>
+          </p:txBody>
+        </p:sp>
+        <p:sp>
+          <p:nvSpPr>
+            <p:cNvPr id="105" name="직사각형 104"/>
+            <p:cNvSpPr/>
+            <p:nvPr/>
+          </p:nvSpPr>
+          <p:spPr>
+            <a:xfrm>
+              <a:off x="7697034" y="1889761"/>
+              <a:ext cx="254000" cy="2556000"/>
+            </a:xfrm>
+            <a:prstGeom prst="rect">
+              <a:avLst/>
+            </a:prstGeom>
+            <a:solidFill>
+              <a:schemeClr val="bg1"/>
+            </a:solidFill>
+            <a:ln>
+              <a:solidFill>
+                <a:schemeClr val="tx1"/>
+              </a:solidFill>
+            </a:ln>
+          </p:spPr>
+          <p:style>
+            <a:lnRef idx="2">
+              <a:schemeClr val="accent3"/>
+            </a:lnRef>
+            <a:fillRef idx="1">
+              <a:schemeClr val="lt1"/>
+            </a:fillRef>
+            <a:effectRef idx="0">
+              <a:schemeClr val="accent3"/>
+            </a:effectRef>
+            <a:fontRef idx="minor">
+              <a:schemeClr val="dk1"/>
+            </a:fontRef>
+          </p:style>
+          <p:txBody>
+            <a:bodyPr rtlCol="0" anchor="ctr"/>
+            <a:lstStyle/>
+            <a:p>
+              <a:pPr algn="ctr"/>
+              <a:endParaRPr lang="en-US"/>
+            </a:p>
+          </p:txBody>
+        </p:sp>
+        <p:sp>
+          <p:nvSpPr>
+            <p:cNvPr id="106" name="직사각형 105"/>
+            <p:cNvSpPr/>
+            <p:nvPr/>
+          </p:nvSpPr>
+          <p:spPr>
+            <a:xfrm>
+              <a:off x="7724003" y="2413943"/>
+              <a:ext cx="206248" cy="1041400"/>
+            </a:xfrm>
+            <a:prstGeom prst="rect">
+              <a:avLst/>
+            </a:prstGeom>
+            <a:solidFill>
+              <a:schemeClr val="bg1">
+                <a:lumMod val="75000"/>
+              </a:schemeClr>
+            </a:solidFill>
+            <a:ln>
+              <a:noFill/>
+            </a:ln>
+          </p:spPr>
+          <p:style>
+            <a:lnRef idx="2">
+              <a:schemeClr val="dk1">
+                <a:shade val="50000"/>
+              </a:schemeClr>
+            </a:lnRef>
+            <a:fillRef idx="1">
+              <a:schemeClr val="dk1"/>
+            </a:fillRef>
+            <a:effectRef idx="0">
+              <a:schemeClr val="dk1"/>
+            </a:effectRef>
+            <a:fontRef idx="minor">
+              <a:schemeClr val="lt1"/>
+            </a:fontRef>
+          </p:style>
+          <p:txBody>
+            <a:bodyPr rtlCol="0" anchor="ctr"/>
+            <a:lstStyle/>
+            <a:p>
+              <a:pPr algn="ctr"/>
+              <a:endParaRPr lang="en-US"/>
+            </a:p>
+          </p:txBody>
+        </p:sp>
+        <p:grpSp>
+          <p:nvGrpSpPr>
+            <p:cNvPr id="107" name="그룹 106"/>
+            <p:cNvGrpSpPr/>
+            <p:nvPr/>
+          </p:nvGrpSpPr>
+          <p:grpSpPr>
+            <a:xfrm>
+              <a:off x="7722723" y="1900647"/>
+              <a:ext cx="206248" cy="177800"/>
+              <a:chOff x="676338" y="1066800"/>
+              <a:chExt cx="206248" cy="177800"/>
+            </a:xfrm>
+          </p:grpSpPr>
+          <p:sp>
+            <p:nvSpPr>
+              <p:cNvPr id="113" name="직사각형 112"/>
+              <p:cNvSpPr/>
+              <p:nvPr/>
+            </p:nvSpPr>
+            <p:spPr>
+              <a:xfrm>
+                <a:off x="676338" y="1066800"/>
+                <a:ext cx="206248" cy="177800"/>
+              </a:xfrm>
+              <a:prstGeom prst="rect">
+                <a:avLst/>
+              </a:prstGeom>
+              <a:solidFill>
+                <a:schemeClr val="bg1">
+                  <a:lumMod val="75000"/>
+                </a:schemeClr>
+              </a:solidFill>
+              <a:ln>
+                <a:noFill/>
+              </a:ln>
+            </p:spPr>
+            <p:style>
+              <a:lnRef idx="2">
+                <a:schemeClr val="accent1">
+                  <a:shade val="50000"/>
+                </a:schemeClr>
+              </a:lnRef>
+              <a:fillRef idx="1">
+                <a:schemeClr val="accent1"/>
+              </a:fillRef>
+              <a:effectRef idx="0">
+                <a:schemeClr val="accent1"/>
+              </a:effectRef>
+              <a:fontRef idx="minor">
+                <a:schemeClr val="lt1"/>
+              </a:fontRef>
+            </p:style>
+            <p:txBody>
+              <a:bodyPr rtlCol="0" anchor="ctr"/>
+              <a:lstStyle/>
+              <a:p>
+                <a:pPr algn="ctr"/>
+                <a:endParaRPr lang="en-US"/>
+              </a:p>
+            </p:txBody>
+          </p:sp>
+          <p:sp>
+            <p:nvSpPr>
+              <p:cNvPr id="114" name="이등변 삼각형 113"/>
+              <p:cNvSpPr/>
+              <p:nvPr/>
+            </p:nvSpPr>
+            <p:spPr>
+              <a:xfrm>
+                <a:off x="701738" y="1085850"/>
+                <a:ext cx="154686" cy="133350"/>
+              </a:xfrm>
+              <a:prstGeom prst="triangle">
+                <a:avLst/>
+              </a:prstGeom>
+              <a:solidFill>
+                <a:schemeClr val="tx1"/>
+              </a:solidFill>
+              <a:ln>
+                <a:noFill/>
+              </a:ln>
+            </p:spPr>
+            <p:style>
+              <a:lnRef idx="2">
+                <a:schemeClr val="dk1">
+                  <a:shade val="50000"/>
+                </a:schemeClr>
+              </a:lnRef>
+              <a:fillRef idx="1">
+                <a:schemeClr val="dk1"/>
+              </a:fillRef>
+              <a:effectRef idx="0">
+                <a:schemeClr val="dk1"/>
+              </a:effectRef>
+              <a:fontRef idx="minor">
+                <a:schemeClr val="lt1"/>
+              </a:fontRef>
+            </p:style>
+            <p:txBody>
+              <a:bodyPr rtlCol="0" anchor="ctr"/>
+              <a:lstStyle/>
+              <a:p>
+                <a:pPr algn="ctr"/>
+                <a:endParaRPr lang="en-US"/>
+              </a:p>
+            </p:txBody>
+          </p:sp>
+        </p:grpSp>
+        <p:grpSp>
+          <p:nvGrpSpPr>
+            <p:cNvPr id="108" name="그룹 107"/>
+            <p:cNvGrpSpPr/>
+            <p:nvPr/>
+          </p:nvGrpSpPr>
+          <p:grpSpPr>
+            <a:xfrm flipH="1" flipV="1">
+              <a:off x="7722723" y="4256859"/>
+              <a:ext cx="206248" cy="177800"/>
+              <a:chOff x="676338" y="1066800"/>
+              <a:chExt cx="206248" cy="177800"/>
+            </a:xfrm>
+          </p:grpSpPr>
+          <p:sp>
+            <p:nvSpPr>
+              <p:cNvPr id="111" name="직사각형 110"/>
+              <p:cNvSpPr/>
+              <p:nvPr/>
+            </p:nvSpPr>
+            <p:spPr>
+              <a:xfrm>
+                <a:off x="676338" y="1066800"/>
+                <a:ext cx="206248" cy="177800"/>
+              </a:xfrm>
+              <a:prstGeom prst="rect">
+                <a:avLst/>
+              </a:prstGeom>
+              <a:solidFill>
+                <a:schemeClr val="bg1">
+                  <a:lumMod val="75000"/>
+                </a:schemeClr>
+              </a:solidFill>
+              <a:ln>
+                <a:noFill/>
+              </a:ln>
+            </p:spPr>
+            <p:style>
+              <a:lnRef idx="2">
+                <a:schemeClr val="accent1">
+                  <a:shade val="50000"/>
+                </a:schemeClr>
+              </a:lnRef>
+              <a:fillRef idx="1">
+                <a:schemeClr val="accent1"/>
+              </a:fillRef>
+              <a:effectRef idx="0">
+                <a:schemeClr val="accent1"/>
+              </a:effectRef>
+              <a:fontRef idx="minor">
+                <a:schemeClr val="lt1"/>
+              </a:fontRef>
+            </p:style>
+            <p:txBody>
+              <a:bodyPr rtlCol="0" anchor="ctr"/>
+              <a:lstStyle/>
+              <a:p>
+                <a:pPr algn="ctr"/>
+                <a:endParaRPr lang="en-US"/>
+              </a:p>
+            </p:txBody>
+          </p:sp>
+          <p:sp>
+            <p:nvSpPr>
+              <p:cNvPr id="112" name="이등변 삼각형 111"/>
+              <p:cNvSpPr/>
+              <p:nvPr/>
+            </p:nvSpPr>
+            <p:spPr>
+              <a:xfrm>
+                <a:off x="701738" y="1085850"/>
+                <a:ext cx="154686" cy="133350"/>
+              </a:xfrm>
+              <a:prstGeom prst="triangle">
+                <a:avLst/>
+              </a:prstGeom>
+              <a:solidFill>
+                <a:schemeClr val="tx1"/>
+              </a:solidFill>
+              <a:ln>
+                <a:noFill/>
+              </a:ln>
+            </p:spPr>
+            <p:style>
+              <a:lnRef idx="2">
+                <a:schemeClr val="dk1">
+                  <a:shade val="50000"/>
+                </a:schemeClr>
+              </a:lnRef>
+              <a:fillRef idx="1">
+                <a:schemeClr val="dk1"/>
+              </a:fillRef>
+              <a:effectRef idx="0">
+                <a:schemeClr val="dk1"/>
+              </a:effectRef>
+              <a:fontRef idx="minor">
+                <a:schemeClr val="lt1"/>
+              </a:fontRef>
+            </p:style>
+            <p:txBody>
+              <a:bodyPr rtlCol="0" anchor="ctr"/>
+              <a:lstStyle/>
+              <a:p>
+                <a:pPr algn="ctr"/>
+                <a:endParaRPr lang="en-US"/>
+              </a:p>
+            </p:txBody>
+          </p:sp>
+        </p:grpSp>
+        <p:sp>
+          <p:nvSpPr>
+            <p:cNvPr id="109" name="직사각형 108"/>
+            <p:cNvSpPr/>
+            <p:nvPr/>
+          </p:nvSpPr>
+          <p:spPr>
+            <a:xfrm>
+              <a:off x="5649588" y="904858"/>
+              <a:ext cx="1709165" cy="894461"/>
+            </a:xfrm>
+            <a:prstGeom prst="rect">
+              <a:avLst/>
+            </a:prstGeom>
+            <a:solidFill>
+              <a:schemeClr val="bg1">
+                <a:alpha val="60000"/>
+              </a:schemeClr>
+            </a:solidFill>
+            <a:ln>
+              <a:noFill/>
+            </a:ln>
+          </p:spPr>
+          <p:style>
+            <a:lnRef idx="2">
+              <a:schemeClr val="accent1">
+                <a:shade val="50000"/>
+              </a:schemeClr>
+            </a:lnRef>
+            <a:fillRef idx="1">
+              <a:schemeClr val="accent1"/>
+            </a:fillRef>
+            <a:effectRef idx="0">
+              <a:schemeClr val="accent1"/>
+            </a:effectRef>
+            <a:fontRef idx="minor">
+              <a:schemeClr val="lt1"/>
+            </a:fontRef>
+          </p:style>
+          <p:txBody>
+            <a:bodyPr rtlCol="0" anchor="ctr"/>
+            <a:lstStyle/>
+            <a:p>
+              <a:pPr algn="ctr"/>
+              <a:endParaRPr lang="en-US"/>
+            </a:p>
+          </p:txBody>
+        </p:sp>
+        <p:sp>
+          <p:nvSpPr>
+            <p:cNvPr id="110" name="직사각형 109"/>
+            <p:cNvSpPr/>
+            <p:nvPr/>
+          </p:nvSpPr>
+          <p:spPr>
+            <a:xfrm>
+              <a:off x="5365450" y="4648377"/>
+              <a:ext cx="2349671" cy="1110294"/>
+            </a:xfrm>
+            <a:prstGeom prst="rect">
+              <a:avLst/>
+            </a:prstGeom>
+            <a:solidFill>
+              <a:schemeClr val="bg1">
+                <a:alpha val="60000"/>
+              </a:schemeClr>
+            </a:solidFill>
+            <a:ln>
+              <a:noFill/>
+            </a:ln>
+          </p:spPr>
+          <p:style>
+            <a:lnRef idx="2">
+              <a:schemeClr val="accent1">
+                <a:shade val="50000"/>
+              </a:schemeClr>
+            </a:lnRef>
+            <a:fillRef idx="1">
+              <a:schemeClr val="accent1"/>
+            </a:fillRef>
+            <a:effectRef idx="0">
+              <a:schemeClr val="accent1"/>
+            </a:effectRef>
+            <a:fontRef idx="minor">
+              <a:schemeClr val="lt1"/>
+            </a:fontRef>
+          </p:style>
+          <p:txBody>
+            <a:bodyPr rtlCol="0" anchor="ctr"/>
+            <a:lstStyle/>
+            <a:p>
+              <a:pPr algn="ctr"/>
+              <a:endParaRPr lang="en-US"/>
+            </a:p>
+          </p:txBody>
+        </p:sp>
+      </p:grpSp>
+      <p:grpSp>
+        <p:nvGrpSpPr>
+          <p:cNvPr id="53" name="그룹 52"/>
+          <p:cNvGrpSpPr/>
+          <p:nvPr/>
+        </p:nvGrpSpPr>
+        <p:grpSpPr>
+          <a:xfrm>
+            <a:off x="3982071" y="1556461"/>
+            <a:ext cx="2837062" cy="4919828"/>
+            <a:chOff x="1676400" y="1940094"/>
+            <a:chExt cx="2837062" cy="4919828"/>
+          </a:xfrm>
+        </p:grpSpPr>
+        <p:sp>
+          <p:nvSpPr>
+            <p:cNvPr id="54" name="직사각형 53"/>
+            <p:cNvSpPr/>
+            <p:nvPr/>
+          </p:nvSpPr>
+          <p:spPr>
+            <a:xfrm>
+              <a:off x="1724625" y="1940094"/>
+              <a:ext cx="2788837" cy="4917905"/>
+            </a:xfrm>
+            <a:prstGeom prst="rect">
+              <a:avLst/>
+            </a:prstGeom>
+            <a:solidFill>
+              <a:schemeClr val="bg1"/>
+            </a:solidFill>
+            <a:ln>
+              <a:solidFill>
+                <a:schemeClr val="bg1">
+                  <a:lumMod val="75000"/>
+                </a:schemeClr>
+              </a:solidFill>
+              <a:prstDash val="dash"/>
+            </a:ln>
+          </p:spPr>
+          <p:style>
+            <a:lnRef idx="2">
+              <a:schemeClr val="accent1">
+                <a:shade val="50000"/>
+              </a:schemeClr>
+            </a:lnRef>
+            <a:fillRef idx="1">
+              <a:schemeClr val="accent1"/>
+            </a:fillRef>
+            <a:effectRef idx="0">
+              <a:schemeClr val="accent1"/>
+            </a:effectRef>
+            <a:fontRef idx="minor">
+              <a:schemeClr val="lt1"/>
+            </a:fontRef>
+          </p:style>
+          <p:txBody>
+            <a:bodyPr rtlCol="0" anchor="ctr"/>
+            <a:lstStyle/>
+            <a:p>
+              <a:pPr algn="ctr"/>
+              <a:endParaRPr lang="en-US"/>
+            </a:p>
+          </p:txBody>
+        </p:sp>
+        <p:sp>
+          <p:nvSpPr>
+            <p:cNvPr id="55" name="직사각형 54"/>
+            <p:cNvSpPr/>
+            <p:nvPr/>
+          </p:nvSpPr>
+          <p:spPr>
+            <a:xfrm>
+              <a:off x="1676400" y="1943647"/>
+              <a:ext cx="2804404" cy="2552154"/>
+            </a:xfrm>
+            <a:prstGeom prst="rect">
+              <a:avLst/>
+            </a:prstGeom>
+            <a:solidFill>
+              <a:schemeClr val="bg1"/>
+            </a:solidFill>
+            <a:ln>
+              <a:solidFill>
+                <a:schemeClr val="tx1"/>
+              </a:solidFill>
+            </a:ln>
+          </p:spPr>
+          <p:style>
+            <a:lnRef idx="2">
+              <a:schemeClr val="accent1">
+                <a:shade val="50000"/>
+              </a:schemeClr>
+            </a:lnRef>
+            <a:fillRef idx="1">
+              <a:schemeClr val="accent1"/>
+            </a:fillRef>
+            <a:effectRef idx="0">
+              <a:schemeClr val="accent1"/>
+            </a:effectRef>
+            <a:fontRef idx="minor">
+              <a:schemeClr val="lt1"/>
+            </a:fontRef>
+          </p:style>
+          <p:txBody>
+            <a:bodyPr rtlCol="0" anchor="ctr"/>
+            <a:lstStyle/>
+            <a:p>
+              <a:pPr algn="ctr"/>
+              <a:endParaRPr lang="en-US"/>
+            </a:p>
+          </p:txBody>
+        </p:sp>
+        <p:sp>
+          <p:nvSpPr>
+            <p:cNvPr id="57" name="직사각형 56"/>
+            <p:cNvSpPr/>
+            <p:nvPr/>
+          </p:nvSpPr>
+          <p:spPr>
+            <a:xfrm>
+              <a:off x="2534296" y="2153100"/>
+              <a:ext cx="1080000" cy="720000"/>
+            </a:xfrm>
+            <a:prstGeom prst="rect">
+              <a:avLst/>
+            </a:prstGeom>
+            <a:solidFill>
+              <a:schemeClr val="accent1"/>
+            </a:solidFill>
+          </p:spPr>
+          <p:style>
+            <a:lnRef idx="2">
+              <a:schemeClr val="accent1">
+                <a:shade val="50000"/>
+              </a:schemeClr>
+            </a:lnRef>
+            <a:fillRef idx="1">
+              <a:schemeClr val="accent1"/>
+            </a:fillRef>
+            <a:effectRef idx="0">
+              <a:schemeClr val="accent1"/>
+            </a:effectRef>
+            <a:fontRef idx="minor">
+              <a:schemeClr val="lt1"/>
+            </a:fontRef>
+          </p:style>
+          <p:txBody>
+            <a:bodyPr rtlCol="0" anchor="ctr"/>
+            <a:lstStyle/>
+            <a:p>
+              <a:pPr algn="ctr"/>
+              <a:r>
+                <a:rPr lang="en-US" dirty="0" smtClean="0"/>
+                <a:t>Box </a:t>
+              </a:r>
+              <a:r>
+                <a:rPr lang="en-US" dirty="0"/>
+                <a:t>1</a:t>
+              </a:r>
+            </a:p>
+          </p:txBody>
+        </p:sp>
+        <p:sp>
+          <p:nvSpPr>
+            <p:cNvPr id="58" name="직사각형 57"/>
+            <p:cNvSpPr/>
+            <p:nvPr/>
+          </p:nvSpPr>
+          <p:spPr>
+            <a:xfrm>
+              <a:off x="2540119" y="6084115"/>
+              <a:ext cx="1080000" cy="720000"/>
+            </a:xfrm>
+            <a:prstGeom prst="rect">
+              <a:avLst/>
+            </a:prstGeom>
+          </p:spPr>
+          <p:style>
+            <a:lnRef idx="2">
+              <a:schemeClr val="accent1">
+                <a:shade val="50000"/>
+              </a:schemeClr>
+            </a:lnRef>
+            <a:fillRef idx="1">
+              <a:schemeClr val="accent1"/>
+            </a:fillRef>
+            <a:effectRef idx="0">
+              <a:schemeClr val="accent1"/>
+            </a:effectRef>
+            <a:fontRef idx="minor">
+              <a:schemeClr val="lt1"/>
+            </a:fontRef>
+          </p:style>
+          <p:txBody>
+            <a:bodyPr rtlCol="0" anchor="ctr"/>
+            <a:lstStyle/>
+            <a:p>
+              <a:pPr algn="ctr"/>
+              <a:r>
+                <a:rPr lang="en-US" dirty="0" smtClean="0"/>
+                <a:t>Box 3</a:t>
+              </a:r>
+              <a:endParaRPr lang="en-US" dirty="0"/>
+            </a:p>
+          </p:txBody>
+        </p:sp>
+        <p:sp>
+          <p:nvSpPr>
+            <p:cNvPr id="59" name="직사각형 58"/>
+            <p:cNvSpPr/>
+            <p:nvPr/>
+          </p:nvSpPr>
+          <p:spPr>
+            <a:xfrm>
+              <a:off x="2534296" y="3170946"/>
+              <a:ext cx="1080000" cy="720000"/>
+            </a:xfrm>
+            <a:prstGeom prst="rect">
+              <a:avLst/>
+            </a:prstGeom>
+            <a:solidFill>
+              <a:srgbClr val="D95757"/>
+            </a:solidFill>
+          </p:spPr>
+          <p:style>
+            <a:lnRef idx="2">
+              <a:schemeClr val="accent1">
+                <a:shade val="50000"/>
+              </a:schemeClr>
+            </a:lnRef>
+            <a:fillRef idx="1">
+              <a:schemeClr val="accent1"/>
+            </a:fillRef>
+            <a:effectRef idx="0">
+              <a:schemeClr val="accent1"/>
+            </a:effectRef>
+            <a:fontRef idx="minor">
+              <a:schemeClr val="lt1"/>
+            </a:fontRef>
+          </p:style>
+          <p:txBody>
+            <a:bodyPr rtlCol="0" anchor="ctr"/>
+            <a:lstStyle/>
+            <a:p>
+              <a:pPr algn="ctr"/>
+              <a:r>
+                <a:rPr lang="en-US" dirty="0" smtClean="0"/>
+                <a:t>Box 2</a:t>
+              </a:r>
+              <a:endParaRPr lang="en-US" dirty="0"/>
+            </a:p>
+          </p:txBody>
+        </p:sp>
+        <p:sp>
+          <p:nvSpPr>
+            <p:cNvPr id="60" name="직사각형 59"/>
+            <p:cNvSpPr/>
+            <p:nvPr/>
+          </p:nvSpPr>
+          <p:spPr>
+            <a:xfrm>
+              <a:off x="4259462" y="1943646"/>
+              <a:ext cx="254000" cy="2556000"/>
+            </a:xfrm>
+            <a:prstGeom prst="rect">
+              <a:avLst/>
+            </a:prstGeom>
+            <a:solidFill>
+              <a:schemeClr val="bg1"/>
+            </a:solidFill>
+            <a:ln>
+              <a:solidFill>
+                <a:schemeClr val="tx1"/>
+              </a:solidFill>
+            </a:ln>
+          </p:spPr>
+          <p:style>
+            <a:lnRef idx="2">
+              <a:schemeClr val="accent3"/>
+            </a:lnRef>
+            <a:fillRef idx="1">
+              <a:schemeClr val="lt1"/>
+            </a:fillRef>
+            <a:effectRef idx="0">
+              <a:schemeClr val="accent3"/>
+            </a:effectRef>
+            <a:fontRef idx="minor">
+              <a:schemeClr val="dk1"/>
+            </a:fontRef>
+          </p:style>
+          <p:txBody>
+            <a:bodyPr rtlCol="0" anchor="ctr"/>
+            <a:lstStyle/>
+            <a:p>
+              <a:pPr algn="ctr"/>
+              <a:endParaRPr lang="en-US"/>
+            </a:p>
+          </p:txBody>
+        </p:sp>
+        <p:sp>
+          <p:nvSpPr>
+            <p:cNvPr id="61" name="직사각형 60"/>
+            <p:cNvSpPr/>
+            <p:nvPr/>
+          </p:nvSpPr>
+          <p:spPr>
+            <a:xfrm>
+              <a:off x="4285151" y="2161705"/>
+              <a:ext cx="206248" cy="1041400"/>
+            </a:xfrm>
+            <a:prstGeom prst="rect">
+              <a:avLst/>
+            </a:prstGeom>
+            <a:solidFill>
+              <a:schemeClr val="bg1">
+                <a:lumMod val="75000"/>
+              </a:schemeClr>
+            </a:solidFill>
+            <a:ln>
+              <a:noFill/>
+            </a:ln>
+          </p:spPr>
+          <p:style>
+            <a:lnRef idx="2">
+              <a:schemeClr val="dk1">
+                <a:shade val="50000"/>
+              </a:schemeClr>
+            </a:lnRef>
+            <a:fillRef idx="1">
+              <a:schemeClr val="dk1"/>
+            </a:fillRef>
+            <a:effectRef idx="0">
+              <a:schemeClr val="dk1"/>
+            </a:effectRef>
+            <a:fontRef idx="minor">
+              <a:schemeClr val="lt1"/>
+            </a:fontRef>
+          </p:style>
+          <p:txBody>
+            <a:bodyPr rtlCol="0" anchor="ctr"/>
+            <a:lstStyle/>
+            <a:p>
+              <a:pPr algn="ctr"/>
+              <a:endParaRPr lang="en-US"/>
+            </a:p>
+          </p:txBody>
+        </p:sp>
+        <p:grpSp>
+          <p:nvGrpSpPr>
+            <p:cNvPr id="62" name="그룹 61"/>
+            <p:cNvGrpSpPr/>
+            <p:nvPr/>
+          </p:nvGrpSpPr>
+          <p:grpSpPr>
+            <a:xfrm>
+              <a:off x="4285151" y="1954532"/>
+              <a:ext cx="206248" cy="177800"/>
+              <a:chOff x="676338" y="1066800"/>
+              <a:chExt cx="206248" cy="177800"/>
+            </a:xfrm>
+          </p:grpSpPr>
+          <p:sp>
+            <p:nvSpPr>
+              <p:cNvPr id="70" name="직사각형 69"/>
+              <p:cNvSpPr/>
+              <p:nvPr/>
+            </p:nvSpPr>
+            <p:spPr>
+              <a:xfrm>
+                <a:off x="676338" y="1066800"/>
+                <a:ext cx="206248" cy="177800"/>
+              </a:xfrm>
+              <a:prstGeom prst="rect">
+                <a:avLst/>
+              </a:prstGeom>
+              <a:solidFill>
+                <a:schemeClr val="bg1">
+                  <a:lumMod val="75000"/>
+                </a:schemeClr>
+              </a:solidFill>
+              <a:ln>
+                <a:noFill/>
+              </a:ln>
+            </p:spPr>
+            <p:style>
+              <a:lnRef idx="2">
+                <a:schemeClr val="accent1">
+                  <a:shade val="50000"/>
+                </a:schemeClr>
+              </a:lnRef>
+              <a:fillRef idx="1">
+                <a:schemeClr val="accent1"/>
+              </a:fillRef>
+              <a:effectRef idx="0">
+                <a:schemeClr val="accent1"/>
+              </a:effectRef>
+              <a:fontRef idx="minor">
+                <a:schemeClr val="lt1"/>
+              </a:fontRef>
+            </p:style>
+            <p:txBody>
+              <a:bodyPr rtlCol="0" anchor="ctr"/>
+              <a:lstStyle/>
+              <a:p>
+                <a:pPr algn="ctr"/>
+                <a:endParaRPr lang="en-US"/>
+              </a:p>
+            </p:txBody>
+          </p:sp>
+          <p:sp>
+            <p:nvSpPr>
+              <p:cNvPr id="71" name="이등변 삼각형 70"/>
+              <p:cNvSpPr/>
+              <p:nvPr/>
+            </p:nvSpPr>
+            <p:spPr>
+              <a:xfrm>
+                <a:off x="701738" y="1085850"/>
+                <a:ext cx="154686" cy="133350"/>
+              </a:xfrm>
+              <a:prstGeom prst="triangle">
+                <a:avLst/>
+              </a:prstGeom>
+              <a:solidFill>
+                <a:schemeClr val="tx1"/>
+              </a:solidFill>
+              <a:ln>
+                <a:noFill/>
+              </a:ln>
+            </p:spPr>
+            <p:style>
+              <a:lnRef idx="2">
+                <a:schemeClr val="dk1">
+                  <a:shade val="50000"/>
+                </a:schemeClr>
+              </a:lnRef>
+              <a:fillRef idx="1">
+                <a:schemeClr val="dk1"/>
+              </a:fillRef>
+              <a:effectRef idx="0">
+                <a:schemeClr val="dk1"/>
+              </a:effectRef>
+              <a:fontRef idx="minor">
+                <a:schemeClr val="lt1"/>
+              </a:fontRef>
+            </p:style>
+            <p:txBody>
+              <a:bodyPr rtlCol="0" anchor="ctr"/>
+              <a:lstStyle/>
+              <a:p>
+                <a:pPr algn="ctr"/>
+                <a:endParaRPr lang="en-US"/>
+              </a:p>
+            </p:txBody>
+          </p:sp>
+        </p:grpSp>
+        <p:grpSp>
+          <p:nvGrpSpPr>
+            <p:cNvPr id="63" name="그룹 62"/>
+            <p:cNvGrpSpPr/>
+            <p:nvPr/>
+          </p:nvGrpSpPr>
+          <p:grpSpPr>
+            <a:xfrm flipH="1" flipV="1">
+              <a:off x="4285151" y="4310744"/>
+              <a:ext cx="206248" cy="177800"/>
+              <a:chOff x="676338" y="1066800"/>
+              <a:chExt cx="206248" cy="177800"/>
+            </a:xfrm>
+          </p:grpSpPr>
+          <p:sp>
+            <p:nvSpPr>
+              <p:cNvPr id="68" name="직사각형 67"/>
+              <p:cNvSpPr/>
+              <p:nvPr/>
+            </p:nvSpPr>
+            <p:spPr>
+              <a:xfrm>
+                <a:off x="676338" y="1066800"/>
+                <a:ext cx="206248" cy="177800"/>
+              </a:xfrm>
+              <a:prstGeom prst="rect">
+                <a:avLst/>
+              </a:prstGeom>
+              <a:solidFill>
+                <a:schemeClr val="bg1">
+                  <a:lumMod val="75000"/>
+                </a:schemeClr>
+              </a:solidFill>
+              <a:ln>
+                <a:noFill/>
+              </a:ln>
+            </p:spPr>
+            <p:style>
+              <a:lnRef idx="2">
+                <a:schemeClr val="accent1">
+                  <a:shade val="50000"/>
+                </a:schemeClr>
+              </a:lnRef>
+              <a:fillRef idx="1">
+                <a:schemeClr val="accent1"/>
+              </a:fillRef>
+              <a:effectRef idx="0">
+                <a:schemeClr val="accent1"/>
+              </a:effectRef>
+              <a:fontRef idx="minor">
+                <a:schemeClr val="lt1"/>
+              </a:fontRef>
+            </p:style>
+            <p:txBody>
+              <a:bodyPr rtlCol="0" anchor="ctr"/>
+              <a:lstStyle/>
+              <a:p>
+                <a:pPr algn="ctr"/>
+                <a:endParaRPr lang="en-US"/>
+              </a:p>
+            </p:txBody>
+          </p:sp>
+          <p:sp>
+            <p:nvSpPr>
+              <p:cNvPr id="69" name="이등변 삼각형 68"/>
+              <p:cNvSpPr/>
+              <p:nvPr/>
+            </p:nvSpPr>
+            <p:spPr>
+              <a:xfrm>
+                <a:off x="701738" y="1085850"/>
+                <a:ext cx="154686" cy="133350"/>
+              </a:xfrm>
+              <a:prstGeom prst="triangle">
+                <a:avLst/>
+              </a:prstGeom>
+              <a:solidFill>
+                <a:schemeClr val="tx1"/>
+              </a:solidFill>
+              <a:ln>
+                <a:noFill/>
+              </a:ln>
+            </p:spPr>
+            <p:style>
+              <a:lnRef idx="2">
+                <a:schemeClr val="dk1">
+                  <a:shade val="50000"/>
+                </a:schemeClr>
+              </a:lnRef>
+              <a:fillRef idx="1">
+                <a:schemeClr val="dk1"/>
+              </a:fillRef>
+              <a:effectRef idx="0">
+                <a:schemeClr val="dk1"/>
+              </a:effectRef>
+              <a:fontRef idx="minor">
+                <a:schemeClr val="lt1"/>
+              </a:fontRef>
+            </p:style>
+            <p:txBody>
+              <a:bodyPr rtlCol="0" anchor="ctr"/>
+              <a:lstStyle/>
+              <a:p>
+                <a:pPr algn="ctr"/>
+                <a:endParaRPr lang="en-US"/>
+              </a:p>
+            </p:txBody>
+          </p:sp>
+        </p:grpSp>
+        <p:sp>
+          <p:nvSpPr>
+            <p:cNvPr id="67" name="직사각형 66"/>
+            <p:cNvSpPr/>
+            <p:nvPr/>
+          </p:nvSpPr>
+          <p:spPr>
+            <a:xfrm>
+              <a:off x="1899460" y="5749628"/>
+              <a:ext cx="2349671" cy="1110294"/>
+            </a:xfrm>
+            <a:prstGeom prst="rect">
+              <a:avLst/>
+            </a:prstGeom>
+            <a:solidFill>
+              <a:schemeClr val="bg1">
+                <a:alpha val="60000"/>
+              </a:schemeClr>
+            </a:solidFill>
+            <a:ln>
+              <a:noFill/>
+            </a:ln>
+          </p:spPr>
+          <p:style>
+            <a:lnRef idx="2">
+              <a:schemeClr val="accent1">
+                <a:shade val="50000"/>
+              </a:schemeClr>
+            </a:lnRef>
+            <a:fillRef idx="1">
+              <a:schemeClr val="accent1"/>
+            </a:fillRef>
+            <a:effectRef idx="0">
+              <a:schemeClr val="accent1"/>
+            </a:effectRef>
+            <a:fontRef idx="minor">
+              <a:schemeClr val="lt1"/>
+            </a:fontRef>
+          </p:style>
+          <p:txBody>
+            <a:bodyPr rtlCol="0" anchor="ctr"/>
+            <a:lstStyle/>
+            <a:p>
+              <a:pPr algn="ctr"/>
+              <a:endParaRPr lang="en-US"/>
+            </a:p>
+          </p:txBody>
+        </p:sp>
+      </p:grpSp>
+      <p:sp>
+        <p:nvSpPr>
+          <p:cNvPr id="72" name="TextBox 71"/>
+          <p:cNvSpPr txBox="1"/>
+          <p:nvPr/>
+        </p:nvSpPr>
+        <p:spPr>
+          <a:xfrm>
+            <a:off x="261258" y="276632"/>
+            <a:ext cx="2104230" cy="461665"/>
+          </a:xfrm>
+          <a:prstGeom prst="rect">
+            <a:avLst/>
+          </a:prstGeom>
+          <a:noFill/>
+        </p:spPr>
+        <p:txBody>
+          <a:bodyPr wrap="none" rtlCol="0">
+            <a:spAutoFit/>
+          </a:bodyPr>
+          <a:lstStyle/>
+          <a:p>
+            <a:r>
+              <a:rPr lang="en-US" sz="2400" dirty="0" err="1" smtClean="0"/>
+              <a:t>navbeforescroll</a:t>
+            </a:r>
+            <a:endParaRPr lang="en-US" sz="2400" dirty="0"/>
+          </a:p>
+        </p:txBody>
+      </p:sp>
+    </p:spTree>
+    <p:extLst>
+      <p:ext uri="{BB962C8B-B14F-4D97-AF65-F5344CB8AC3E}">
+        <p14:creationId xmlns:p14="http://schemas.microsoft.com/office/powerpoint/2010/main" val="2845019110"/>
+      </p:ext>
+    </p:extLst>
+  </p:cSld>
+  <p:clrMapOvr>
+    <a:masterClrMapping/>
+  </p:clrMapOvr>
+</p:sld>
+</file>
+
+<file path=ppt/slides/slide11.xml><?xml version="1.0" encoding="utf-8"?>
 <p:sld xmlns:a="http://schemas.openxmlformats.org/drawingml/2006/main" xmlns:r="http://schemas.openxmlformats.org/officeDocument/2006/relationships" xmlns:p="http://schemas.openxmlformats.org/presentationml/2006/main">
   <p:cSld>
     <p:spTree>
@@ -4447,7 +5783,7 @@
 </p:sld>
 </file>
 
-<file path=ppt/slides/slide11.xml><?xml version="1.0" encoding="utf-8"?>
+<file path=ppt/slides/slide12.xml><?xml version="1.0" encoding="utf-8"?>
 <p:sld xmlns:a="http://schemas.openxmlformats.org/drawingml/2006/main" xmlns:r="http://schemas.openxmlformats.org/officeDocument/2006/relationships" xmlns:p="http://schemas.openxmlformats.org/presentationml/2006/main">
   <p:cSld>
     <p:spTree>
@@ -4519,7 +5855,7 @@
 </p:sld>
 </file>
 
-<file path=ppt/slides/slide12.xml><?xml version="1.0" encoding="utf-8"?>
+<file path=ppt/slides/slide13.xml><?xml version="1.0" encoding="utf-8"?>
 <p:sld xmlns:a="http://schemas.openxmlformats.org/drawingml/2006/main" xmlns:r="http://schemas.openxmlformats.org/officeDocument/2006/relationships" xmlns:p="http://schemas.openxmlformats.org/presentationml/2006/main">
   <p:cSld>
     <p:spTree>
@@ -4597,7 +5933,10 @@
             <a:lstStyle/>
             <a:p>
               <a:pPr algn="ctr"/>
-              <a:endParaRPr lang="en-US"/>
+              <a:endParaRPr lang="en-US">
+                <a:latin typeface="Roboto" pitchFamily="2" charset="0"/>
+                <a:ea typeface="Roboto" pitchFamily="2" charset="0"/>
+              </a:endParaRPr>
             </a:p>
           </p:txBody>
         </p:sp>
@@ -4645,7 +5984,10 @@
             <a:lstStyle/>
             <a:p>
               <a:pPr algn="ctr"/>
-              <a:endParaRPr lang="en-US"/>
+              <a:endParaRPr lang="en-US">
+                <a:latin typeface="Roboto" pitchFamily="2" charset="0"/>
+                <a:ea typeface="Roboto" pitchFamily="2" charset="0"/>
+              </a:endParaRPr>
             </a:p>
           </p:txBody>
         </p:sp>
@@ -4691,10 +6033,16 @@
             <a:p>
               <a:pPr algn="ctr"/>
               <a:r>
-                <a:rPr lang="en-US" dirty="0" smtClean="0"/>
+                <a:rPr lang="en-US" dirty="0" smtClean="0">
+                  <a:latin typeface="Roboto" pitchFamily="2" charset="0"/>
+                  <a:ea typeface="Roboto" pitchFamily="2" charset="0"/>
+                </a:rPr>
                 <a:t>Box 1</a:t>
               </a:r>
-              <a:endParaRPr lang="en-US" dirty="0"/>
+              <a:endParaRPr lang="en-US" dirty="0">
+                <a:latin typeface="Roboto" pitchFamily="2" charset="0"/>
+                <a:ea typeface="Roboto" pitchFamily="2" charset="0"/>
+              </a:endParaRPr>
             </a:p>
           </p:txBody>
         </p:sp>
@@ -4740,10 +6088,16 @@
             <a:p>
               <a:pPr algn="ctr"/>
               <a:r>
-                <a:rPr lang="en-US" dirty="0" smtClean="0"/>
+                <a:rPr lang="en-US" dirty="0" smtClean="0">
+                  <a:latin typeface="Roboto" pitchFamily="2" charset="0"/>
+                  <a:ea typeface="Roboto" pitchFamily="2" charset="0"/>
+                </a:rPr>
                 <a:t>Box 3</a:t>
               </a:r>
-              <a:endParaRPr lang="en-US" dirty="0"/>
+              <a:endParaRPr lang="en-US" dirty="0">
+                <a:latin typeface="Roboto" pitchFamily="2" charset="0"/>
+                <a:ea typeface="Roboto" pitchFamily="2" charset="0"/>
+              </a:endParaRPr>
             </a:p>
           </p:txBody>
         </p:sp>
@@ -4792,10 +6146,16 @@
             <a:p>
               <a:pPr algn="ctr"/>
               <a:r>
-                <a:rPr lang="en-US" dirty="0" smtClean="0"/>
+                <a:rPr lang="en-US" dirty="0" smtClean="0">
+                  <a:latin typeface="Roboto" pitchFamily="2" charset="0"/>
+                  <a:ea typeface="Roboto" pitchFamily="2" charset="0"/>
+                </a:rPr>
                 <a:t>Box 2</a:t>
               </a:r>
-              <a:endParaRPr lang="en-US" dirty="0"/>
+              <a:endParaRPr lang="en-US" dirty="0">
+                <a:latin typeface="Roboto" pitchFamily="2" charset="0"/>
+                <a:ea typeface="Roboto" pitchFamily="2" charset="0"/>
+              </a:endParaRPr>
             </a:p>
           </p:txBody>
         </p:sp>
@@ -4841,7 +6201,10 @@
             <a:lstStyle/>
             <a:p>
               <a:pPr algn="ctr"/>
-              <a:endParaRPr lang="en-US"/>
+              <a:endParaRPr lang="en-US">
+                <a:latin typeface="Roboto" pitchFamily="2" charset="0"/>
+                <a:ea typeface="Roboto" pitchFamily="2" charset="0"/>
+              </a:endParaRPr>
             </a:p>
           </p:txBody>
         </p:sp>
@@ -4889,7 +6252,10 @@
             <a:lstStyle/>
             <a:p>
               <a:pPr algn="ctr"/>
-              <a:endParaRPr lang="en-US"/>
+              <a:endParaRPr lang="en-US">
+                <a:latin typeface="Roboto" pitchFamily="2" charset="0"/>
+                <a:ea typeface="Roboto" pitchFamily="2" charset="0"/>
+              </a:endParaRPr>
             </a:p>
           </p:txBody>
         </p:sp>
@@ -4951,7 +6317,10 @@
               <a:lstStyle/>
               <a:p>
                 <a:pPr algn="ctr"/>
-                <a:endParaRPr lang="en-US"/>
+                <a:endParaRPr lang="en-US">
+                  <a:latin typeface="Roboto" pitchFamily="2" charset="0"/>
+                  <a:ea typeface="Roboto" pitchFamily="2" charset="0"/>
+                </a:endParaRPr>
               </a:p>
             </p:txBody>
           </p:sp>
@@ -4997,7 +6366,10 @@
               <a:lstStyle/>
               <a:p>
                 <a:pPr algn="ctr"/>
-                <a:endParaRPr lang="en-US"/>
+                <a:endParaRPr lang="en-US">
+                  <a:latin typeface="Roboto" pitchFamily="2" charset="0"/>
+                  <a:ea typeface="Roboto" pitchFamily="2" charset="0"/>
+                </a:endParaRPr>
               </a:p>
             </p:txBody>
           </p:sp>
@@ -5060,7 +6432,10 @@
               <a:lstStyle/>
               <a:p>
                 <a:pPr algn="ctr"/>
-                <a:endParaRPr lang="en-US"/>
+                <a:endParaRPr lang="en-US">
+                  <a:latin typeface="Roboto" pitchFamily="2" charset="0"/>
+                  <a:ea typeface="Roboto" pitchFamily="2" charset="0"/>
+                </a:endParaRPr>
               </a:p>
             </p:txBody>
           </p:sp>
@@ -5106,7 +6481,10 @@
               <a:lstStyle/>
               <a:p>
                 <a:pPr algn="ctr"/>
-                <a:endParaRPr lang="en-US"/>
+                <a:endParaRPr lang="en-US">
+                  <a:latin typeface="Roboto" pitchFamily="2" charset="0"/>
+                  <a:ea typeface="Roboto" pitchFamily="2" charset="0"/>
+                </a:endParaRPr>
               </a:p>
             </p:txBody>
           </p:sp>
@@ -5155,7 +6533,10 @@
             <a:lstStyle/>
             <a:p>
               <a:pPr algn="ctr"/>
-              <a:endParaRPr lang="en-US"/>
+              <a:endParaRPr lang="en-US">
+                <a:latin typeface="Roboto" pitchFamily="2" charset="0"/>
+                <a:ea typeface="Roboto" pitchFamily="2" charset="0"/>
+              </a:endParaRPr>
             </a:p>
           </p:txBody>
         </p:sp>
@@ -5203,7 +6584,10 @@
             <a:lstStyle/>
             <a:p>
               <a:pPr algn="ctr"/>
-              <a:endParaRPr lang="en-US"/>
+              <a:endParaRPr lang="en-US">
+                <a:latin typeface="Roboto" pitchFamily="2" charset="0"/>
+                <a:ea typeface="Roboto" pitchFamily="2" charset="0"/>
+              </a:endParaRPr>
             </a:p>
           </p:txBody>
         </p:sp>
@@ -5254,7 +6638,10 @@
             <a:lstStyle/>
             <a:p>
               <a:pPr algn="ctr"/>
-              <a:endParaRPr lang="en-US"/>
+              <a:endParaRPr lang="en-US">
+                <a:latin typeface="Roboto" pitchFamily="2" charset="0"/>
+                <a:ea typeface="Roboto" pitchFamily="2" charset="0"/>
+              </a:endParaRPr>
             </a:p>
           </p:txBody>
         </p:sp>
@@ -5302,7 +6689,10 @@
             <a:lstStyle/>
             <a:p>
               <a:pPr algn="ctr"/>
-              <a:endParaRPr lang="en-US"/>
+              <a:endParaRPr lang="en-US">
+                <a:latin typeface="Roboto" pitchFamily="2" charset="0"/>
+                <a:ea typeface="Roboto" pitchFamily="2" charset="0"/>
+              </a:endParaRPr>
             </a:p>
           </p:txBody>
         </p:sp>
@@ -5348,10 +6738,16 @@
             <a:p>
               <a:pPr algn="ctr"/>
               <a:r>
-                <a:rPr lang="en-US" dirty="0" smtClean="0"/>
+                <a:rPr lang="en-US" dirty="0" smtClean="0">
+                  <a:latin typeface="Roboto" pitchFamily="2" charset="0"/>
+                  <a:ea typeface="Roboto" pitchFamily="2" charset="0"/>
+                </a:rPr>
                 <a:t>Box 1</a:t>
               </a:r>
-              <a:endParaRPr lang="en-US" dirty="0"/>
+              <a:endParaRPr lang="en-US" dirty="0">
+                <a:latin typeface="Roboto" pitchFamily="2" charset="0"/>
+                <a:ea typeface="Roboto" pitchFamily="2" charset="0"/>
+              </a:endParaRPr>
             </a:p>
           </p:txBody>
         </p:sp>
@@ -5400,10 +6796,16 @@
             <a:p>
               <a:pPr algn="ctr"/>
               <a:r>
-                <a:rPr lang="en-US" dirty="0" smtClean="0"/>
+                <a:rPr lang="en-US" dirty="0" smtClean="0">
+                  <a:latin typeface="Roboto" pitchFamily="2" charset="0"/>
+                  <a:ea typeface="Roboto" pitchFamily="2" charset="0"/>
+                </a:rPr>
                 <a:t>Box 3</a:t>
               </a:r>
-              <a:endParaRPr lang="en-US" dirty="0"/>
+              <a:endParaRPr lang="en-US" dirty="0">
+                <a:latin typeface="Roboto" pitchFamily="2" charset="0"/>
+                <a:ea typeface="Roboto" pitchFamily="2" charset="0"/>
+              </a:endParaRPr>
             </a:p>
           </p:txBody>
         </p:sp>
@@ -5452,10 +6854,16 @@
             <a:p>
               <a:pPr algn="ctr"/>
               <a:r>
-                <a:rPr lang="en-US" dirty="0" smtClean="0"/>
+                <a:rPr lang="en-US" dirty="0" smtClean="0">
+                  <a:latin typeface="Roboto" pitchFamily="2" charset="0"/>
+                  <a:ea typeface="Roboto" pitchFamily="2" charset="0"/>
+                </a:rPr>
                 <a:t>Box 2</a:t>
               </a:r>
-              <a:endParaRPr lang="en-US" dirty="0"/>
+              <a:endParaRPr lang="en-US" dirty="0">
+                <a:latin typeface="Roboto" pitchFamily="2" charset="0"/>
+                <a:ea typeface="Roboto" pitchFamily="2" charset="0"/>
+              </a:endParaRPr>
             </a:p>
           </p:txBody>
         </p:sp>
@@ -5501,7 +6909,10 @@
             <a:lstStyle/>
             <a:p>
               <a:pPr algn="ctr"/>
-              <a:endParaRPr lang="en-US"/>
+              <a:endParaRPr lang="en-US">
+                <a:latin typeface="Roboto" pitchFamily="2" charset="0"/>
+                <a:ea typeface="Roboto" pitchFamily="2" charset="0"/>
+              </a:endParaRPr>
             </a:p>
           </p:txBody>
         </p:sp>
@@ -5549,7 +6960,10 @@
             <a:lstStyle/>
             <a:p>
               <a:pPr algn="ctr"/>
-              <a:endParaRPr lang="en-US"/>
+              <a:endParaRPr lang="en-US">
+                <a:latin typeface="Roboto" pitchFamily="2" charset="0"/>
+                <a:ea typeface="Roboto" pitchFamily="2" charset="0"/>
+              </a:endParaRPr>
             </a:p>
           </p:txBody>
         </p:sp>
@@ -5611,7 +7025,10 @@
               <a:lstStyle/>
               <a:p>
                 <a:pPr algn="ctr"/>
-                <a:endParaRPr lang="en-US"/>
+                <a:endParaRPr lang="en-US">
+                  <a:latin typeface="Roboto" pitchFamily="2" charset="0"/>
+                  <a:ea typeface="Roboto" pitchFamily="2" charset="0"/>
+                </a:endParaRPr>
               </a:p>
             </p:txBody>
           </p:sp>
@@ -5657,7 +7074,10 @@
               <a:lstStyle/>
               <a:p>
                 <a:pPr algn="ctr"/>
-                <a:endParaRPr lang="en-US"/>
+                <a:endParaRPr lang="en-US">
+                  <a:latin typeface="Roboto" pitchFamily="2" charset="0"/>
+                  <a:ea typeface="Roboto" pitchFamily="2" charset="0"/>
+                </a:endParaRPr>
               </a:p>
             </p:txBody>
           </p:sp>
@@ -5720,7 +7140,10 @@
               <a:lstStyle/>
               <a:p>
                 <a:pPr algn="ctr"/>
-                <a:endParaRPr lang="en-US"/>
+                <a:endParaRPr lang="en-US">
+                  <a:latin typeface="Roboto" pitchFamily="2" charset="0"/>
+                  <a:ea typeface="Roboto" pitchFamily="2" charset="0"/>
+                </a:endParaRPr>
               </a:p>
             </p:txBody>
           </p:sp>
@@ -5766,7 +7189,10 @@
               <a:lstStyle/>
               <a:p>
                 <a:pPr algn="ctr"/>
-                <a:endParaRPr lang="en-US"/>
+                <a:endParaRPr lang="en-US">
+                  <a:latin typeface="Roboto" pitchFamily="2" charset="0"/>
+                  <a:ea typeface="Roboto" pitchFamily="2" charset="0"/>
+                </a:endParaRPr>
               </a:p>
             </p:txBody>
           </p:sp>
@@ -5815,7 +7241,10 @@
             <a:lstStyle/>
             <a:p>
               <a:pPr algn="ctr"/>
-              <a:endParaRPr lang="en-US"/>
+              <a:endParaRPr lang="en-US">
+                <a:latin typeface="Roboto" pitchFamily="2" charset="0"/>
+                <a:ea typeface="Roboto" pitchFamily="2" charset="0"/>
+              </a:endParaRPr>
             </a:p>
           </p:txBody>
         </p:sp>
@@ -5865,7 +7294,7 @@
           <p:spPr>
             <a:xfrm>
               <a:off x="5264559" y="4023837"/>
-              <a:ext cx="1515158" cy="584775"/>
+              <a:ext cx="1633332" cy="584775"/>
             </a:xfrm>
             <a:prstGeom prst="rect">
               <a:avLst/>
@@ -5886,8 +7315,8 @@
                   <a:solidFill>
                     <a:srgbClr val="0070C0"/>
                   </a:solidFill>
-                  <a:latin typeface="Roboto Light" panose="02000000000000000000" pitchFamily="2" charset="0"/>
-                  <a:ea typeface="Roboto Light" panose="02000000000000000000" pitchFamily="2" charset="0"/>
+                  <a:latin typeface="Roboto Medium" pitchFamily="2" charset="0"/>
+                  <a:ea typeface="Roboto Medium" pitchFamily="2" charset="0"/>
                 </a:rPr>
                 <a:t>Press the </a:t>
               </a:r>
@@ -5898,17 +7327,17 @@
                   <a:solidFill>
                     <a:srgbClr val="0070C0"/>
                   </a:solidFill>
-                  <a:latin typeface="Roboto Light" panose="02000000000000000000" pitchFamily="2" charset="0"/>
-                  <a:ea typeface="Roboto Light" panose="02000000000000000000" pitchFamily="2" charset="0"/>
+                  <a:latin typeface="Roboto Medium" pitchFamily="2" charset="0"/>
+                  <a:ea typeface="Roboto Medium" pitchFamily="2" charset="0"/>
                 </a:rPr>
-                <a:t>right arrow key</a:t>
+                <a:t>down arrow key</a:t>
               </a:r>
               <a:endParaRPr lang="en-US" sz="1600" dirty="0">
                 <a:solidFill>
                   <a:srgbClr val="0070C0"/>
                 </a:solidFill>
-                <a:latin typeface="Roboto Light" panose="02000000000000000000" pitchFamily="2" charset="0"/>
-                <a:ea typeface="Roboto Light" panose="02000000000000000000" pitchFamily="2" charset="0"/>
+                <a:latin typeface="Roboto Medium" pitchFamily="2" charset="0"/>
+                <a:ea typeface="Roboto Medium" pitchFamily="2" charset="0"/>
               </a:endParaRPr>
             </a:p>
           </p:txBody>
@@ -5927,7 +7356,7 @@
 </p:sld>
 </file>
 
-<file path=ppt/slides/slide13.xml><?xml version="1.0" encoding="utf-8"?>
+<file path=ppt/slides/slide14.xml><?xml version="1.0" encoding="utf-8"?>
 <p:sld xmlns:a="http://schemas.openxmlformats.org/drawingml/2006/main" xmlns:r="http://schemas.openxmlformats.org/officeDocument/2006/relationships" xmlns:p="http://schemas.openxmlformats.org/presentationml/2006/main">
   <p:cSld>
     <p:spTree>
@@ -6597,7 +8026,7 @@
 </p:sld>
 </file>
 
-<file path=ppt/slides/slide14.xml><?xml version="1.0" encoding="utf-8"?>
+<file path=ppt/slides/slide15.xml><?xml version="1.0" encoding="utf-8"?>
 <p:sld xmlns:a="http://schemas.openxmlformats.org/drawingml/2006/main" xmlns:r="http://schemas.openxmlformats.org/officeDocument/2006/relationships" xmlns:p="http://schemas.openxmlformats.org/presentationml/2006/main">
   <p:cSld>
     <p:spTree>
@@ -6669,7 +8098,7 @@
 </p:sld>
 </file>
 
-<file path=ppt/slides/slide15.xml><?xml version="1.0" encoding="utf-8"?>
+<file path=ppt/slides/slide16.xml><?xml version="1.0" encoding="utf-8"?>
 <p:sld xmlns:a="http://schemas.openxmlformats.org/drawingml/2006/main" xmlns:r="http://schemas.openxmlformats.org/officeDocument/2006/relationships" xmlns:p="http://schemas.openxmlformats.org/presentationml/2006/main">
   <p:cSld>
     <p:spTree>
@@ -7134,14 +8563,7 @@
                 <a:latin typeface="Roboto" panose="02000000000000000000" pitchFamily="2" charset="0"/>
                 <a:ea typeface="Roboto" panose="02000000000000000000" pitchFamily="2" charset="0"/>
               </a:rPr>
-              <a:t>Focused </a:t>
-            </a:r>
-            <a:r>
-              <a:rPr lang="en-US" sz="1400" dirty="0" smtClean="0">
-                <a:latin typeface="Roboto" panose="02000000000000000000" pitchFamily="2" charset="0"/>
-                <a:ea typeface="Roboto" panose="02000000000000000000" pitchFamily="2" charset="0"/>
-              </a:rPr>
-              <a:t>Element</a:t>
+              <a:t>Focused Element</a:t>
             </a:r>
             <a:endParaRPr lang="en-US" sz="1400" dirty="0">
               <a:latin typeface="Roboto" panose="02000000000000000000" pitchFamily="2" charset="0"/>
@@ -7321,7 +8743,7 @@
 </p:sld>
 </file>
 
-<file path=ppt/slides/slide16.xml><?xml version="1.0" encoding="utf-8"?>
+<file path=ppt/slides/slide17.xml><?xml version="1.0" encoding="utf-8"?>
 <p:sld xmlns:a="http://schemas.openxmlformats.org/drawingml/2006/main" xmlns:r="http://schemas.openxmlformats.org/officeDocument/2006/relationships" xmlns:p="http://schemas.openxmlformats.org/presentationml/2006/main">
   <p:cSld>
     <p:spTree>
@@ -8072,7 +9494,7 @@
 </p:sld>
 </file>
 
-<file path=ppt/slides/slide17.xml><?xml version="1.0" encoding="utf-8"?>
+<file path=ppt/slides/slide18.xml><?xml version="1.0" encoding="utf-8"?>
 <p:sld xmlns:a="http://schemas.openxmlformats.org/drawingml/2006/main" xmlns:r="http://schemas.openxmlformats.org/officeDocument/2006/relationships" xmlns:p="http://schemas.openxmlformats.org/presentationml/2006/main">
   <p:cSld>
     <p:spTree>
@@ -11071,6 +12493,1489 @@
       </p:grpSpPr>
       <p:sp>
         <p:nvSpPr>
+          <p:cNvPr id="55" name="TextBox 54"/>
+          <p:cNvSpPr txBox="1"/>
+          <p:nvPr/>
+        </p:nvSpPr>
+        <p:spPr>
+          <a:xfrm>
+            <a:off x="1852315" y="107334"/>
+            <a:ext cx="1770036" cy="369332"/>
+          </a:xfrm>
+          <a:prstGeom prst="rect">
+            <a:avLst/>
+          </a:prstGeom>
+          <a:noFill/>
+        </p:spPr>
+        <p:txBody>
+          <a:bodyPr wrap="none" rtlCol="0">
+            <a:spAutoFit/>
+          </a:bodyPr>
+          <a:lstStyle/>
+          <a:p>
+            <a:r>
+              <a:rPr lang="en-US" dirty="0" smtClean="0">
+                <a:latin typeface="Roboto" panose="02000000000000000000" pitchFamily="2" charset="0"/>
+                <a:ea typeface="Roboto" panose="02000000000000000000" pitchFamily="2" charset="0"/>
+              </a:rPr>
+              <a:t>Grid-like Layout</a:t>
+            </a:r>
+            <a:endParaRPr lang="en-US" dirty="0">
+              <a:latin typeface="Roboto" panose="02000000000000000000" pitchFamily="2" charset="0"/>
+              <a:ea typeface="Roboto" panose="02000000000000000000" pitchFamily="2" charset="0"/>
+            </a:endParaRPr>
+          </a:p>
+        </p:txBody>
+      </p:sp>
+      <p:grpSp>
+        <p:nvGrpSpPr>
+          <p:cNvPr id="62" name="그룹 61"/>
+          <p:cNvGrpSpPr/>
+          <p:nvPr/>
+        </p:nvGrpSpPr>
+        <p:grpSpPr>
+          <a:xfrm>
+            <a:off x="1852314" y="1283109"/>
+            <a:ext cx="6893480" cy="4929528"/>
+            <a:chOff x="1852314" y="1283109"/>
+            <a:chExt cx="6893480" cy="4929528"/>
+          </a:xfrm>
+        </p:grpSpPr>
+        <p:sp>
+          <p:nvSpPr>
+            <p:cNvPr id="4" name="직사각형 3"/>
+            <p:cNvSpPr/>
+            <p:nvPr/>
+          </p:nvSpPr>
+          <p:spPr>
+            <a:xfrm>
+              <a:off x="1852315" y="1283109"/>
+              <a:ext cx="6893479" cy="4929528"/>
+            </a:xfrm>
+            <a:prstGeom prst="rect">
+              <a:avLst/>
+            </a:prstGeom>
+            <a:solidFill>
+              <a:schemeClr val="bg2"/>
+            </a:solidFill>
+          </p:spPr>
+          <p:style>
+            <a:lnRef idx="2">
+              <a:schemeClr val="accent3"/>
+            </a:lnRef>
+            <a:fillRef idx="1">
+              <a:schemeClr val="lt1"/>
+            </a:fillRef>
+            <a:effectRef idx="0">
+              <a:schemeClr val="accent3"/>
+            </a:effectRef>
+            <a:fontRef idx="minor">
+              <a:schemeClr val="dk1"/>
+            </a:fontRef>
+          </p:style>
+          <p:txBody>
+            <a:bodyPr rtlCol="0" anchor="ctr"/>
+            <a:lstStyle/>
+            <a:p>
+              <a:pPr algn="ctr"/>
+              <a:endParaRPr lang="en-US">
+                <a:latin typeface="Roboto" pitchFamily="2" charset="0"/>
+                <a:ea typeface="Roboto" pitchFamily="2" charset="0"/>
+              </a:endParaRPr>
+            </a:p>
+          </p:txBody>
+        </p:sp>
+        <p:sp>
+          <p:nvSpPr>
+            <p:cNvPr id="32" name="직사각형 31"/>
+            <p:cNvSpPr/>
+            <p:nvPr/>
+          </p:nvSpPr>
+          <p:spPr>
+            <a:xfrm>
+              <a:off x="2909694" y="2566965"/>
+              <a:ext cx="5537806" cy="3320143"/>
+            </a:xfrm>
+            <a:prstGeom prst="rect">
+              <a:avLst/>
+            </a:prstGeom>
+            <a:solidFill>
+              <a:schemeClr val="bg1"/>
+            </a:solidFill>
+            <a:ln>
+              <a:solidFill>
+                <a:schemeClr val="tx1"/>
+              </a:solidFill>
+            </a:ln>
+          </p:spPr>
+          <p:style>
+            <a:lnRef idx="2">
+              <a:schemeClr val="accent1">
+                <a:shade val="50000"/>
+              </a:schemeClr>
+            </a:lnRef>
+            <a:fillRef idx="1">
+              <a:schemeClr val="accent1"/>
+            </a:fillRef>
+            <a:effectRef idx="0">
+              <a:schemeClr val="accent1"/>
+            </a:effectRef>
+            <a:fontRef idx="minor">
+              <a:schemeClr val="lt1"/>
+            </a:fontRef>
+          </p:style>
+          <p:txBody>
+            <a:bodyPr rtlCol="0" anchor="ctr"/>
+            <a:lstStyle/>
+            <a:p>
+              <a:pPr algn="ctr"/>
+              <a:endParaRPr lang="en-US">
+                <a:latin typeface="Roboto" pitchFamily="2" charset="0"/>
+                <a:ea typeface="Roboto" pitchFamily="2" charset="0"/>
+              </a:endParaRPr>
+            </a:p>
+          </p:txBody>
+        </p:sp>
+        <p:sp>
+          <p:nvSpPr>
+            <p:cNvPr id="21" name="직사각형 20"/>
+            <p:cNvSpPr/>
+            <p:nvPr/>
+          </p:nvSpPr>
+          <p:spPr>
+            <a:xfrm>
+              <a:off x="8196661" y="2566965"/>
+              <a:ext cx="254000" cy="3320143"/>
+            </a:xfrm>
+            <a:prstGeom prst="rect">
+              <a:avLst/>
+            </a:prstGeom>
+            <a:solidFill>
+              <a:schemeClr val="bg1"/>
+            </a:solidFill>
+            <a:ln>
+              <a:solidFill>
+                <a:schemeClr val="tx1"/>
+              </a:solidFill>
+            </a:ln>
+          </p:spPr>
+          <p:style>
+            <a:lnRef idx="2">
+              <a:schemeClr val="accent3"/>
+            </a:lnRef>
+            <a:fillRef idx="1">
+              <a:schemeClr val="lt1"/>
+            </a:fillRef>
+            <a:effectRef idx="0">
+              <a:schemeClr val="accent3"/>
+            </a:effectRef>
+            <a:fontRef idx="minor">
+              <a:schemeClr val="dk1"/>
+            </a:fontRef>
+          </p:style>
+          <p:txBody>
+            <a:bodyPr rtlCol="0" anchor="ctr"/>
+            <a:lstStyle/>
+            <a:p>
+              <a:pPr algn="ctr"/>
+              <a:endParaRPr lang="en-US">
+                <a:latin typeface="Roboto" pitchFamily="2" charset="0"/>
+                <a:ea typeface="Roboto" pitchFamily="2" charset="0"/>
+              </a:endParaRPr>
+            </a:p>
+          </p:txBody>
+        </p:sp>
+        <p:sp>
+          <p:nvSpPr>
+            <p:cNvPr id="22" name="직사각형 21"/>
+            <p:cNvSpPr/>
+            <p:nvPr/>
+          </p:nvSpPr>
+          <p:spPr>
+            <a:xfrm>
+              <a:off x="8222350" y="2773793"/>
+              <a:ext cx="206248" cy="1041400"/>
+            </a:xfrm>
+            <a:prstGeom prst="rect">
+              <a:avLst/>
+            </a:prstGeom>
+            <a:solidFill>
+              <a:schemeClr val="bg1">
+                <a:lumMod val="75000"/>
+              </a:schemeClr>
+            </a:solidFill>
+            <a:ln>
+              <a:noFill/>
+            </a:ln>
+          </p:spPr>
+          <p:style>
+            <a:lnRef idx="2">
+              <a:schemeClr val="dk1">
+                <a:shade val="50000"/>
+              </a:schemeClr>
+            </a:lnRef>
+            <a:fillRef idx="1">
+              <a:schemeClr val="dk1"/>
+            </a:fillRef>
+            <a:effectRef idx="0">
+              <a:schemeClr val="dk1"/>
+            </a:effectRef>
+            <a:fontRef idx="minor">
+              <a:schemeClr val="lt1"/>
+            </a:fontRef>
+          </p:style>
+          <p:txBody>
+            <a:bodyPr rtlCol="0" anchor="ctr"/>
+            <a:lstStyle/>
+            <a:p>
+              <a:pPr algn="ctr"/>
+              <a:endParaRPr lang="en-US">
+                <a:latin typeface="Roboto" pitchFamily="2" charset="0"/>
+                <a:ea typeface="Roboto" pitchFamily="2" charset="0"/>
+              </a:endParaRPr>
+            </a:p>
+          </p:txBody>
+        </p:sp>
+        <p:grpSp>
+          <p:nvGrpSpPr>
+            <p:cNvPr id="25" name="그룹 24"/>
+            <p:cNvGrpSpPr/>
+            <p:nvPr/>
+          </p:nvGrpSpPr>
+          <p:grpSpPr>
+            <a:xfrm>
+              <a:off x="8222350" y="2577851"/>
+              <a:ext cx="206248" cy="177800"/>
+              <a:chOff x="676338" y="1066800"/>
+              <a:chExt cx="206248" cy="177800"/>
+            </a:xfrm>
+          </p:grpSpPr>
+          <p:sp>
+            <p:nvSpPr>
+              <p:cNvPr id="24" name="직사각형 23"/>
+              <p:cNvSpPr/>
+              <p:nvPr/>
+            </p:nvSpPr>
+            <p:spPr>
+              <a:xfrm>
+                <a:off x="676338" y="1066800"/>
+                <a:ext cx="206248" cy="177800"/>
+              </a:xfrm>
+              <a:prstGeom prst="rect">
+                <a:avLst/>
+              </a:prstGeom>
+              <a:solidFill>
+                <a:schemeClr val="bg1">
+                  <a:lumMod val="75000"/>
+                </a:schemeClr>
+              </a:solidFill>
+              <a:ln>
+                <a:noFill/>
+              </a:ln>
+            </p:spPr>
+            <p:style>
+              <a:lnRef idx="2">
+                <a:schemeClr val="accent1">
+                  <a:shade val="50000"/>
+                </a:schemeClr>
+              </a:lnRef>
+              <a:fillRef idx="1">
+                <a:schemeClr val="accent1"/>
+              </a:fillRef>
+              <a:effectRef idx="0">
+                <a:schemeClr val="accent1"/>
+              </a:effectRef>
+              <a:fontRef idx="minor">
+                <a:schemeClr val="lt1"/>
+              </a:fontRef>
+            </p:style>
+            <p:txBody>
+              <a:bodyPr rtlCol="0" anchor="ctr"/>
+              <a:lstStyle/>
+              <a:p>
+                <a:pPr algn="ctr"/>
+                <a:endParaRPr lang="en-US">
+                  <a:latin typeface="Roboto" pitchFamily="2" charset="0"/>
+                  <a:ea typeface="Roboto" pitchFamily="2" charset="0"/>
+                </a:endParaRPr>
+              </a:p>
+            </p:txBody>
+          </p:sp>
+          <p:sp>
+            <p:nvSpPr>
+              <p:cNvPr id="23" name="이등변 삼각형 22"/>
+              <p:cNvSpPr/>
+              <p:nvPr/>
+            </p:nvSpPr>
+            <p:spPr>
+              <a:xfrm>
+                <a:off x="701738" y="1085850"/>
+                <a:ext cx="154686" cy="133350"/>
+              </a:xfrm>
+              <a:prstGeom prst="triangle">
+                <a:avLst/>
+              </a:prstGeom>
+              <a:solidFill>
+                <a:schemeClr val="tx1"/>
+              </a:solidFill>
+              <a:ln>
+                <a:noFill/>
+              </a:ln>
+            </p:spPr>
+            <p:style>
+              <a:lnRef idx="2">
+                <a:schemeClr val="dk1">
+                  <a:shade val="50000"/>
+                </a:schemeClr>
+              </a:lnRef>
+              <a:fillRef idx="1">
+                <a:schemeClr val="dk1"/>
+              </a:fillRef>
+              <a:effectRef idx="0">
+                <a:schemeClr val="dk1"/>
+              </a:effectRef>
+              <a:fontRef idx="minor">
+                <a:schemeClr val="lt1"/>
+              </a:fontRef>
+            </p:style>
+            <p:txBody>
+              <a:bodyPr rtlCol="0" anchor="ctr"/>
+              <a:lstStyle/>
+              <a:p>
+                <a:pPr algn="ctr"/>
+                <a:endParaRPr lang="en-US">
+                  <a:latin typeface="Roboto" pitchFamily="2" charset="0"/>
+                  <a:ea typeface="Roboto" pitchFamily="2" charset="0"/>
+                </a:endParaRPr>
+              </a:p>
+            </p:txBody>
+          </p:sp>
+        </p:grpSp>
+        <p:grpSp>
+          <p:nvGrpSpPr>
+            <p:cNvPr id="29" name="그룹 28"/>
+            <p:cNvGrpSpPr/>
+            <p:nvPr/>
+          </p:nvGrpSpPr>
+          <p:grpSpPr>
+            <a:xfrm flipH="1" flipV="1">
+              <a:off x="8222350" y="5709309"/>
+              <a:ext cx="206248" cy="177800"/>
+              <a:chOff x="676338" y="1066800"/>
+              <a:chExt cx="206248" cy="177800"/>
+            </a:xfrm>
+          </p:grpSpPr>
+          <p:sp>
+            <p:nvSpPr>
+              <p:cNvPr id="30" name="직사각형 29"/>
+              <p:cNvSpPr/>
+              <p:nvPr/>
+            </p:nvSpPr>
+            <p:spPr>
+              <a:xfrm>
+                <a:off x="676338" y="1066800"/>
+                <a:ext cx="206248" cy="177800"/>
+              </a:xfrm>
+              <a:prstGeom prst="rect">
+                <a:avLst/>
+              </a:prstGeom>
+              <a:solidFill>
+                <a:schemeClr val="bg1">
+                  <a:lumMod val="75000"/>
+                </a:schemeClr>
+              </a:solidFill>
+              <a:ln>
+                <a:noFill/>
+              </a:ln>
+            </p:spPr>
+            <p:style>
+              <a:lnRef idx="2">
+                <a:schemeClr val="accent1">
+                  <a:shade val="50000"/>
+                </a:schemeClr>
+              </a:lnRef>
+              <a:fillRef idx="1">
+                <a:schemeClr val="accent1"/>
+              </a:fillRef>
+              <a:effectRef idx="0">
+                <a:schemeClr val="accent1"/>
+              </a:effectRef>
+              <a:fontRef idx="minor">
+                <a:schemeClr val="lt1"/>
+              </a:fontRef>
+            </p:style>
+            <p:txBody>
+              <a:bodyPr rtlCol="0" anchor="ctr"/>
+              <a:lstStyle/>
+              <a:p>
+                <a:pPr algn="ctr"/>
+                <a:endParaRPr lang="en-US">
+                  <a:latin typeface="Roboto" pitchFamily="2" charset="0"/>
+                  <a:ea typeface="Roboto" pitchFamily="2" charset="0"/>
+                </a:endParaRPr>
+              </a:p>
+            </p:txBody>
+          </p:sp>
+          <p:sp>
+            <p:nvSpPr>
+              <p:cNvPr id="31" name="이등변 삼각형 30"/>
+              <p:cNvSpPr/>
+              <p:nvPr/>
+            </p:nvSpPr>
+            <p:spPr>
+              <a:xfrm>
+                <a:off x="701738" y="1085850"/>
+                <a:ext cx="154686" cy="133350"/>
+              </a:xfrm>
+              <a:prstGeom prst="triangle">
+                <a:avLst/>
+              </a:prstGeom>
+              <a:solidFill>
+                <a:schemeClr val="tx1"/>
+              </a:solidFill>
+              <a:ln>
+                <a:noFill/>
+              </a:ln>
+            </p:spPr>
+            <p:style>
+              <a:lnRef idx="2">
+                <a:schemeClr val="dk1">
+                  <a:shade val="50000"/>
+                </a:schemeClr>
+              </a:lnRef>
+              <a:fillRef idx="1">
+                <a:schemeClr val="dk1"/>
+              </a:fillRef>
+              <a:effectRef idx="0">
+                <a:schemeClr val="dk1"/>
+              </a:effectRef>
+              <a:fontRef idx="minor">
+                <a:schemeClr val="lt1"/>
+              </a:fontRef>
+            </p:style>
+            <p:txBody>
+              <a:bodyPr rtlCol="0" anchor="ctr"/>
+              <a:lstStyle/>
+              <a:p>
+                <a:pPr algn="ctr"/>
+                <a:endParaRPr lang="en-US">
+                  <a:latin typeface="Roboto" pitchFamily="2" charset="0"/>
+                  <a:ea typeface="Roboto" pitchFamily="2" charset="0"/>
+                </a:endParaRPr>
+              </a:p>
+            </p:txBody>
+          </p:sp>
+        </p:grpSp>
+        <p:sp>
+          <p:nvSpPr>
+            <p:cNvPr id="3" name="직사각형 2"/>
+            <p:cNvSpPr/>
+            <p:nvPr/>
+          </p:nvSpPr>
+          <p:spPr>
+            <a:xfrm>
+              <a:off x="2909694" y="1638041"/>
+              <a:ext cx="1091380" cy="530942"/>
+            </a:xfrm>
+            <a:prstGeom prst="rect">
+              <a:avLst/>
+            </a:prstGeom>
+            <a:ln>
+              <a:solidFill>
+                <a:schemeClr val="bg2"/>
+              </a:solidFill>
+            </a:ln>
+          </p:spPr>
+          <p:style>
+            <a:lnRef idx="2">
+              <a:schemeClr val="dk1">
+                <a:shade val="50000"/>
+              </a:schemeClr>
+            </a:lnRef>
+            <a:fillRef idx="1">
+              <a:schemeClr val="dk1"/>
+            </a:fillRef>
+            <a:effectRef idx="0">
+              <a:schemeClr val="dk1"/>
+            </a:effectRef>
+            <a:fontRef idx="minor">
+              <a:schemeClr val="lt1"/>
+            </a:fontRef>
+          </p:style>
+          <p:txBody>
+            <a:bodyPr rtlCol="0" anchor="ctr"/>
+            <a:lstStyle/>
+            <a:p>
+              <a:pPr algn="ctr"/>
+              <a:r>
+                <a:rPr lang="en-US" altLang="ko-KR" sz="1400" dirty="0" smtClean="0">
+                  <a:latin typeface="Roboto" pitchFamily="2" charset="0"/>
+                  <a:ea typeface="Roboto" pitchFamily="2" charset="0"/>
+                </a:rPr>
+                <a:t>All</a:t>
+              </a:r>
+              <a:endParaRPr lang="ko-KR" altLang="en-US" sz="1400">
+                <a:latin typeface="Roboto" pitchFamily="2" charset="0"/>
+              </a:endParaRPr>
+            </a:p>
+          </p:txBody>
+        </p:sp>
+        <p:sp>
+          <p:nvSpPr>
+            <p:cNvPr id="56" name="직사각형 55"/>
+            <p:cNvSpPr/>
+            <p:nvPr/>
+          </p:nvSpPr>
+          <p:spPr>
+            <a:xfrm>
+              <a:off x="4001074" y="1638041"/>
+              <a:ext cx="1091380" cy="530942"/>
+            </a:xfrm>
+            <a:prstGeom prst="rect">
+              <a:avLst/>
+            </a:prstGeom>
+            <a:solidFill>
+              <a:srgbClr val="BFBFBF"/>
+            </a:solidFill>
+            <a:ln>
+              <a:solidFill>
+                <a:schemeClr val="bg2"/>
+              </a:solidFill>
+            </a:ln>
+          </p:spPr>
+          <p:style>
+            <a:lnRef idx="2">
+              <a:schemeClr val="accent1">
+                <a:shade val="50000"/>
+              </a:schemeClr>
+            </a:lnRef>
+            <a:fillRef idx="1">
+              <a:schemeClr val="accent1"/>
+            </a:fillRef>
+            <a:effectRef idx="0">
+              <a:schemeClr val="accent1"/>
+            </a:effectRef>
+            <a:fontRef idx="minor">
+              <a:schemeClr val="lt1"/>
+            </a:fontRef>
+          </p:style>
+          <p:txBody>
+            <a:bodyPr rtlCol="0" anchor="ctr"/>
+            <a:lstStyle/>
+            <a:p>
+              <a:pPr algn="ctr"/>
+              <a:r>
+                <a:rPr lang="en-US" altLang="ko-KR" sz="1400" dirty="0" smtClean="0">
+                  <a:solidFill>
+                    <a:schemeClr val="tx1"/>
+                  </a:solidFill>
+                  <a:latin typeface="Roboto" pitchFamily="2" charset="0"/>
+                  <a:ea typeface="Roboto" pitchFamily="2" charset="0"/>
+                </a:rPr>
+                <a:t>Category 1</a:t>
+              </a:r>
+              <a:endParaRPr lang="ko-KR" altLang="en-US" sz="1400">
+                <a:solidFill>
+                  <a:schemeClr val="tx1"/>
+                </a:solidFill>
+                <a:latin typeface="Roboto" pitchFamily="2" charset="0"/>
+              </a:endParaRPr>
+            </a:p>
+          </p:txBody>
+        </p:sp>
+        <p:sp>
+          <p:nvSpPr>
+            <p:cNvPr id="57" name="직사각형 56"/>
+            <p:cNvSpPr/>
+            <p:nvPr/>
+          </p:nvSpPr>
+          <p:spPr>
+            <a:xfrm>
+              <a:off x="5092454" y="1638041"/>
+              <a:ext cx="1091380" cy="530942"/>
+            </a:xfrm>
+            <a:prstGeom prst="rect">
+              <a:avLst/>
+            </a:prstGeom>
+            <a:solidFill>
+              <a:srgbClr val="BFBFBF"/>
+            </a:solidFill>
+            <a:ln>
+              <a:solidFill>
+                <a:schemeClr val="bg2"/>
+              </a:solidFill>
+            </a:ln>
+          </p:spPr>
+          <p:style>
+            <a:lnRef idx="2">
+              <a:schemeClr val="accent1">
+                <a:shade val="50000"/>
+              </a:schemeClr>
+            </a:lnRef>
+            <a:fillRef idx="1">
+              <a:schemeClr val="accent1"/>
+            </a:fillRef>
+            <a:effectRef idx="0">
+              <a:schemeClr val="accent1"/>
+            </a:effectRef>
+            <a:fontRef idx="minor">
+              <a:schemeClr val="lt1"/>
+            </a:fontRef>
+          </p:style>
+          <p:txBody>
+            <a:bodyPr rtlCol="0" anchor="ctr"/>
+            <a:lstStyle/>
+            <a:p>
+              <a:pPr algn="ctr"/>
+              <a:r>
+                <a:rPr lang="en-US" altLang="ko-KR" sz="1400" dirty="0">
+                  <a:solidFill>
+                    <a:schemeClr val="tx1"/>
+                  </a:solidFill>
+                  <a:latin typeface="Roboto" pitchFamily="2" charset="0"/>
+                  <a:ea typeface="Roboto" pitchFamily="2" charset="0"/>
+                </a:rPr>
+                <a:t>Category 2</a:t>
+              </a:r>
+              <a:endParaRPr lang="ko-KR" altLang="en-US" sz="1400">
+                <a:solidFill>
+                  <a:schemeClr val="tx1"/>
+                </a:solidFill>
+                <a:latin typeface="Roboto" pitchFamily="2" charset="0"/>
+              </a:endParaRPr>
+            </a:p>
+          </p:txBody>
+        </p:sp>
+        <p:sp>
+          <p:nvSpPr>
+            <p:cNvPr id="17" name="직사각형 16"/>
+            <p:cNvSpPr/>
+            <p:nvPr/>
+          </p:nvSpPr>
+          <p:spPr>
+            <a:xfrm>
+              <a:off x="6183834" y="1638041"/>
+              <a:ext cx="1091380" cy="530942"/>
+            </a:xfrm>
+            <a:prstGeom prst="rect">
+              <a:avLst/>
+            </a:prstGeom>
+            <a:solidFill>
+              <a:srgbClr val="BFBFBF"/>
+            </a:solidFill>
+            <a:ln>
+              <a:solidFill>
+                <a:schemeClr val="bg2"/>
+              </a:solidFill>
+            </a:ln>
+          </p:spPr>
+          <p:style>
+            <a:lnRef idx="2">
+              <a:schemeClr val="accent1">
+                <a:shade val="50000"/>
+              </a:schemeClr>
+            </a:lnRef>
+            <a:fillRef idx="1">
+              <a:schemeClr val="accent1"/>
+            </a:fillRef>
+            <a:effectRef idx="0">
+              <a:schemeClr val="accent1"/>
+            </a:effectRef>
+            <a:fontRef idx="minor">
+              <a:schemeClr val="lt1"/>
+            </a:fontRef>
+          </p:style>
+          <p:txBody>
+            <a:bodyPr rtlCol="0" anchor="ctr"/>
+            <a:lstStyle/>
+            <a:p>
+              <a:pPr algn="ctr"/>
+              <a:r>
+                <a:rPr lang="en-US" altLang="ko-KR" sz="1400" dirty="0">
+                  <a:solidFill>
+                    <a:schemeClr val="tx1"/>
+                  </a:solidFill>
+                  <a:latin typeface="Roboto" pitchFamily="2" charset="0"/>
+                  <a:ea typeface="Roboto" pitchFamily="2" charset="0"/>
+                </a:rPr>
+                <a:t>Category </a:t>
+              </a:r>
+              <a:r>
+                <a:rPr lang="en-US" altLang="ko-KR" sz="1400" dirty="0" smtClean="0">
+                  <a:solidFill>
+                    <a:schemeClr val="tx1"/>
+                  </a:solidFill>
+                  <a:latin typeface="Roboto" pitchFamily="2" charset="0"/>
+                  <a:ea typeface="Roboto" pitchFamily="2" charset="0"/>
+                </a:rPr>
+                <a:t>3</a:t>
+              </a:r>
+              <a:endParaRPr lang="ko-KR" altLang="en-US" sz="1400">
+                <a:solidFill>
+                  <a:schemeClr val="tx1"/>
+                </a:solidFill>
+                <a:latin typeface="Roboto" pitchFamily="2" charset="0"/>
+              </a:endParaRPr>
+            </a:p>
+          </p:txBody>
+        </p:sp>
+        <p:sp>
+          <p:nvSpPr>
+            <p:cNvPr id="18" name="직사각형 17"/>
+            <p:cNvSpPr/>
+            <p:nvPr/>
+          </p:nvSpPr>
+          <p:spPr>
+            <a:xfrm>
+              <a:off x="7275214" y="1643688"/>
+              <a:ext cx="1091380" cy="530942"/>
+            </a:xfrm>
+            <a:prstGeom prst="rect">
+              <a:avLst/>
+            </a:prstGeom>
+            <a:solidFill>
+              <a:srgbClr val="BFBFBF"/>
+            </a:solidFill>
+            <a:ln>
+              <a:solidFill>
+                <a:schemeClr val="bg2"/>
+              </a:solidFill>
+            </a:ln>
+          </p:spPr>
+          <p:style>
+            <a:lnRef idx="2">
+              <a:schemeClr val="accent1">
+                <a:shade val="50000"/>
+              </a:schemeClr>
+            </a:lnRef>
+            <a:fillRef idx="1">
+              <a:schemeClr val="accent1"/>
+            </a:fillRef>
+            <a:effectRef idx="0">
+              <a:schemeClr val="accent1"/>
+            </a:effectRef>
+            <a:fontRef idx="minor">
+              <a:schemeClr val="lt1"/>
+            </a:fontRef>
+          </p:style>
+          <p:txBody>
+            <a:bodyPr rtlCol="0" anchor="ctr"/>
+            <a:lstStyle/>
+            <a:p>
+              <a:pPr algn="ctr"/>
+              <a:r>
+                <a:rPr lang="en-US" altLang="ko-KR" sz="1400" dirty="0">
+                  <a:solidFill>
+                    <a:schemeClr val="tx1"/>
+                  </a:solidFill>
+                  <a:latin typeface="Roboto" pitchFamily="2" charset="0"/>
+                  <a:ea typeface="Roboto" pitchFamily="2" charset="0"/>
+                </a:rPr>
+                <a:t>Category </a:t>
+              </a:r>
+              <a:r>
+                <a:rPr lang="en-US" altLang="ko-KR" sz="1400" dirty="0" smtClean="0">
+                  <a:solidFill>
+                    <a:schemeClr val="tx1"/>
+                  </a:solidFill>
+                  <a:latin typeface="Roboto" pitchFamily="2" charset="0"/>
+                  <a:ea typeface="Roboto" pitchFamily="2" charset="0"/>
+                </a:rPr>
+                <a:t>4</a:t>
+              </a:r>
+              <a:endParaRPr lang="ko-KR" altLang="en-US" sz="1400">
+                <a:solidFill>
+                  <a:schemeClr val="tx1"/>
+                </a:solidFill>
+                <a:latin typeface="Roboto" pitchFamily="2" charset="0"/>
+              </a:endParaRPr>
+            </a:p>
+          </p:txBody>
+        </p:sp>
+        <p:sp>
+          <p:nvSpPr>
+            <p:cNvPr id="19" name="직사각형 18"/>
+            <p:cNvSpPr/>
+            <p:nvPr/>
+          </p:nvSpPr>
+          <p:spPr>
+            <a:xfrm>
+              <a:off x="1852314" y="1283109"/>
+              <a:ext cx="766915" cy="4929528"/>
+            </a:xfrm>
+            <a:prstGeom prst="rect">
+              <a:avLst/>
+            </a:prstGeom>
+            <a:solidFill>
+              <a:schemeClr val="bg2">
+                <a:lumMod val="50000"/>
+              </a:schemeClr>
+            </a:solidFill>
+            <a:ln>
+              <a:noFill/>
+            </a:ln>
+          </p:spPr>
+          <p:style>
+            <a:lnRef idx="2">
+              <a:schemeClr val="accent1">
+                <a:shade val="50000"/>
+              </a:schemeClr>
+            </a:lnRef>
+            <a:fillRef idx="1">
+              <a:schemeClr val="accent1"/>
+            </a:fillRef>
+            <a:effectRef idx="0">
+              <a:schemeClr val="accent1"/>
+            </a:effectRef>
+            <a:fontRef idx="minor">
+              <a:schemeClr val="lt1"/>
+            </a:fontRef>
+          </p:style>
+          <p:txBody>
+            <a:bodyPr rtlCol="0" anchor="ctr"/>
+            <a:lstStyle/>
+            <a:p>
+              <a:pPr algn="ctr"/>
+              <a:endParaRPr lang="en-US" sz="1600">
+                <a:latin typeface="Roboto" panose="02000000000000000000" pitchFamily="2" charset="0"/>
+                <a:ea typeface="Roboto" panose="02000000000000000000" pitchFamily="2" charset="0"/>
+              </a:endParaRPr>
+            </a:p>
+          </p:txBody>
+        </p:sp>
+        <p:pic>
+          <p:nvPicPr>
+            <p:cNvPr id="11" name="그림 10"/>
+            <p:cNvPicPr>
+              <a:picLocks noChangeAspect="1"/>
+            </p:cNvPicPr>
+            <p:nvPr/>
+          </p:nvPicPr>
+          <p:blipFill>
+            <a:blip r:embed="rId2">
+              <a:extLst>
+                <a:ext uri="{28A0092B-C50C-407E-A947-70E740481C1C}">
+                  <a14:useLocalDpi xmlns:a14="http://schemas.microsoft.com/office/drawing/2010/main" val="0"/>
+                </a:ext>
+              </a:extLst>
+            </a:blip>
+            <a:stretch>
+              <a:fillRect/>
+            </a:stretch>
+          </p:blipFill>
+          <p:spPr>
+            <a:xfrm>
+              <a:off x="3104883" y="2777927"/>
+              <a:ext cx="797455" cy="797455"/>
+            </a:xfrm>
+            <a:prstGeom prst="rect">
+              <a:avLst/>
+            </a:prstGeom>
+          </p:spPr>
+        </p:pic>
+        <p:pic>
+          <p:nvPicPr>
+            <p:cNvPr id="27" name="그림 26"/>
+            <p:cNvPicPr>
+              <a:picLocks noChangeAspect="1"/>
+            </p:cNvPicPr>
+            <p:nvPr/>
+          </p:nvPicPr>
+          <p:blipFill>
+            <a:blip r:embed="rId2">
+              <a:extLst>
+                <a:ext uri="{28A0092B-C50C-407E-A947-70E740481C1C}">
+                  <a14:useLocalDpi xmlns:a14="http://schemas.microsoft.com/office/drawing/2010/main" val="0"/>
+                </a:ext>
+              </a:extLst>
+            </a:blip>
+            <a:stretch>
+              <a:fillRect/>
+            </a:stretch>
+          </p:blipFill>
+          <p:spPr>
+            <a:xfrm>
+              <a:off x="4121588" y="2777927"/>
+              <a:ext cx="797455" cy="797455"/>
+            </a:xfrm>
+            <a:prstGeom prst="rect">
+              <a:avLst/>
+            </a:prstGeom>
+          </p:spPr>
+        </p:pic>
+        <p:pic>
+          <p:nvPicPr>
+            <p:cNvPr id="28" name="그림 27"/>
+            <p:cNvPicPr>
+              <a:picLocks noChangeAspect="1"/>
+            </p:cNvPicPr>
+            <p:nvPr/>
+          </p:nvPicPr>
+          <p:blipFill>
+            <a:blip r:embed="rId2">
+              <a:extLst>
+                <a:ext uri="{28A0092B-C50C-407E-A947-70E740481C1C}">
+                  <a14:useLocalDpi xmlns:a14="http://schemas.microsoft.com/office/drawing/2010/main" val="0"/>
+                </a:ext>
+              </a:extLst>
+            </a:blip>
+            <a:stretch>
+              <a:fillRect/>
+            </a:stretch>
+          </p:blipFill>
+          <p:spPr>
+            <a:xfrm>
+              <a:off x="5137736" y="2777927"/>
+              <a:ext cx="797455" cy="797455"/>
+            </a:xfrm>
+            <a:prstGeom prst="rect">
+              <a:avLst/>
+            </a:prstGeom>
+          </p:spPr>
+        </p:pic>
+        <p:pic>
+          <p:nvPicPr>
+            <p:cNvPr id="33" name="그림 32"/>
+            <p:cNvPicPr>
+              <a:picLocks noChangeAspect="1"/>
+            </p:cNvPicPr>
+            <p:nvPr/>
+          </p:nvPicPr>
+          <p:blipFill>
+            <a:blip r:embed="rId2">
+              <a:extLst>
+                <a:ext uri="{28A0092B-C50C-407E-A947-70E740481C1C}">
+                  <a14:useLocalDpi xmlns:a14="http://schemas.microsoft.com/office/drawing/2010/main" val="0"/>
+                </a:ext>
+              </a:extLst>
+            </a:blip>
+            <a:stretch>
+              <a:fillRect/>
+            </a:stretch>
+          </p:blipFill>
+          <p:spPr>
+            <a:xfrm>
+              <a:off x="6153884" y="2778185"/>
+              <a:ext cx="797455" cy="797455"/>
+            </a:xfrm>
+            <a:prstGeom prst="rect">
+              <a:avLst/>
+            </a:prstGeom>
+          </p:spPr>
+        </p:pic>
+        <p:pic>
+          <p:nvPicPr>
+            <p:cNvPr id="41" name="그림 40"/>
+            <p:cNvPicPr>
+              <a:picLocks noChangeAspect="1"/>
+            </p:cNvPicPr>
+            <p:nvPr/>
+          </p:nvPicPr>
+          <p:blipFill>
+            <a:blip r:embed="rId2">
+              <a:extLst>
+                <a:ext uri="{28A0092B-C50C-407E-A947-70E740481C1C}">
+                  <a14:useLocalDpi xmlns:a14="http://schemas.microsoft.com/office/drawing/2010/main" val="0"/>
+                </a:ext>
+              </a:extLst>
+            </a:blip>
+            <a:stretch>
+              <a:fillRect/>
+            </a:stretch>
+          </p:blipFill>
+          <p:spPr>
+            <a:xfrm>
+              <a:off x="7170032" y="2777927"/>
+              <a:ext cx="797455" cy="797455"/>
+            </a:xfrm>
+            <a:prstGeom prst="rect">
+              <a:avLst/>
+            </a:prstGeom>
+          </p:spPr>
+        </p:pic>
+        <p:pic>
+          <p:nvPicPr>
+            <p:cNvPr id="43" name="그림 42"/>
+            <p:cNvPicPr>
+              <a:picLocks noChangeAspect="1"/>
+            </p:cNvPicPr>
+            <p:nvPr/>
+          </p:nvPicPr>
+          <p:blipFill>
+            <a:blip r:embed="rId2">
+              <a:extLst>
+                <a:ext uri="{28A0092B-C50C-407E-A947-70E740481C1C}">
+                  <a14:useLocalDpi xmlns:a14="http://schemas.microsoft.com/office/drawing/2010/main" val="0"/>
+                </a:ext>
+              </a:extLst>
+            </a:blip>
+            <a:stretch>
+              <a:fillRect/>
+            </a:stretch>
+          </p:blipFill>
+          <p:spPr>
+            <a:xfrm>
+              <a:off x="3104883" y="3844761"/>
+              <a:ext cx="797455" cy="797455"/>
+            </a:xfrm>
+            <a:prstGeom prst="rect">
+              <a:avLst/>
+            </a:prstGeom>
+          </p:spPr>
+        </p:pic>
+        <p:pic>
+          <p:nvPicPr>
+            <p:cNvPr id="44" name="그림 43"/>
+            <p:cNvPicPr>
+              <a:picLocks noChangeAspect="1"/>
+            </p:cNvPicPr>
+            <p:nvPr/>
+          </p:nvPicPr>
+          <p:blipFill>
+            <a:blip r:embed="rId2">
+              <a:extLst>
+                <a:ext uri="{28A0092B-C50C-407E-A947-70E740481C1C}">
+                  <a14:useLocalDpi xmlns:a14="http://schemas.microsoft.com/office/drawing/2010/main" val="0"/>
+                </a:ext>
+              </a:extLst>
+            </a:blip>
+            <a:stretch>
+              <a:fillRect/>
+            </a:stretch>
+          </p:blipFill>
+          <p:spPr>
+            <a:xfrm>
+              <a:off x="4121588" y="3844761"/>
+              <a:ext cx="797455" cy="797455"/>
+            </a:xfrm>
+            <a:prstGeom prst="rect">
+              <a:avLst/>
+            </a:prstGeom>
+          </p:spPr>
+        </p:pic>
+        <p:pic>
+          <p:nvPicPr>
+            <p:cNvPr id="45" name="그림 44"/>
+            <p:cNvPicPr>
+              <a:picLocks noChangeAspect="1"/>
+            </p:cNvPicPr>
+            <p:nvPr/>
+          </p:nvPicPr>
+          <p:blipFill>
+            <a:blip r:embed="rId2">
+              <a:extLst>
+                <a:ext uri="{28A0092B-C50C-407E-A947-70E740481C1C}">
+                  <a14:useLocalDpi xmlns:a14="http://schemas.microsoft.com/office/drawing/2010/main" val="0"/>
+                </a:ext>
+              </a:extLst>
+            </a:blip>
+            <a:stretch>
+              <a:fillRect/>
+            </a:stretch>
+          </p:blipFill>
+          <p:spPr>
+            <a:xfrm>
+              <a:off x="5137736" y="3844761"/>
+              <a:ext cx="797455" cy="797455"/>
+            </a:xfrm>
+            <a:prstGeom prst="rect">
+              <a:avLst/>
+            </a:prstGeom>
+          </p:spPr>
+        </p:pic>
+        <p:pic>
+          <p:nvPicPr>
+            <p:cNvPr id="46" name="그림 45"/>
+            <p:cNvPicPr>
+              <a:picLocks noChangeAspect="1"/>
+            </p:cNvPicPr>
+            <p:nvPr/>
+          </p:nvPicPr>
+          <p:blipFill>
+            <a:blip r:embed="rId2">
+              <a:extLst>
+                <a:ext uri="{28A0092B-C50C-407E-A947-70E740481C1C}">
+                  <a14:useLocalDpi xmlns:a14="http://schemas.microsoft.com/office/drawing/2010/main" val="0"/>
+                </a:ext>
+              </a:extLst>
+            </a:blip>
+            <a:stretch>
+              <a:fillRect/>
+            </a:stretch>
+          </p:blipFill>
+          <p:spPr>
+            <a:xfrm>
+              <a:off x="6153884" y="3845019"/>
+              <a:ext cx="797455" cy="797455"/>
+            </a:xfrm>
+            <a:prstGeom prst="rect">
+              <a:avLst/>
+            </a:prstGeom>
+          </p:spPr>
+        </p:pic>
+        <p:pic>
+          <p:nvPicPr>
+            <p:cNvPr id="47" name="그림 46"/>
+            <p:cNvPicPr>
+              <a:picLocks noChangeAspect="1"/>
+            </p:cNvPicPr>
+            <p:nvPr/>
+          </p:nvPicPr>
+          <p:blipFill>
+            <a:blip r:embed="rId2">
+              <a:extLst>
+                <a:ext uri="{28A0092B-C50C-407E-A947-70E740481C1C}">
+                  <a14:useLocalDpi xmlns:a14="http://schemas.microsoft.com/office/drawing/2010/main" val="0"/>
+                </a:ext>
+              </a:extLst>
+            </a:blip>
+            <a:stretch>
+              <a:fillRect/>
+            </a:stretch>
+          </p:blipFill>
+          <p:spPr>
+            <a:xfrm>
+              <a:off x="7170032" y="3844761"/>
+              <a:ext cx="797455" cy="797455"/>
+            </a:xfrm>
+            <a:prstGeom prst="rect">
+              <a:avLst/>
+            </a:prstGeom>
+          </p:spPr>
+        </p:pic>
+        <p:pic>
+          <p:nvPicPr>
+            <p:cNvPr id="48" name="그림 47"/>
+            <p:cNvPicPr>
+              <a:picLocks noChangeAspect="1"/>
+            </p:cNvPicPr>
+            <p:nvPr/>
+          </p:nvPicPr>
+          <p:blipFill>
+            <a:blip r:embed="rId2">
+              <a:extLst>
+                <a:ext uri="{28A0092B-C50C-407E-A947-70E740481C1C}">
+                  <a14:useLocalDpi xmlns:a14="http://schemas.microsoft.com/office/drawing/2010/main" val="0"/>
+                </a:ext>
+              </a:extLst>
+            </a:blip>
+            <a:stretch>
+              <a:fillRect/>
+            </a:stretch>
+          </p:blipFill>
+          <p:spPr>
+            <a:xfrm>
+              <a:off x="3121876" y="4911854"/>
+              <a:ext cx="797455" cy="797455"/>
+            </a:xfrm>
+            <a:prstGeom prst="rect">
+              <a:avLst/>
+            </a:prstGeom>
+          </p:spPr>
+        </p:pic>
+        <p:pic>
+          <p:nvPicPr>
+            <p:cNvPr id="49" name="그림 48"/>
+            <p:cNvPicPr>
+              <a:picLocks noChangeAspect="1"/>
+            </p:cNvPicPr>
+            <p:nvPr/>
+          </p:nvPicPr>
+          <p:blipFill>
+            <a:blip r:embed="rId2">
+              <a:extLst>
+                <a:ext uri="{28A0092B-C50C-407E-A947-70E740481C1C}">
+                  <a14:useLocalDpi xmlns:a14="http://schemas.microsoft.com/office/drawing/2010/main" val="0"/>
+                </a:ext>
+              </a:extLst>
+            </a:blip>
+            <a:stretch>
+              <a:fillRect/>
+            </a:stretch>
+          </p:blipFill>
+          <p:spPr>
+            <a:xfrm>
+              <a:off x="4138581" y="4911854"/>
+              <a:ext cx="797455" cy="797455"/>
+            </a:xfrm>
+            <a:prstGeom prst="rect">
+              <a:avLst/>
+            </a:prstGeom>
+          </p:spPr>
+        </p:pic>
+        <p:pic>
+          <p:nvPicPr>
+            <p:cNvPr id="50" name="그림 49"/>
+            <p:cNvPicPr>
+              <a:picLocks noChangeAspect="1"/>
+            </p:cNvPicPr>
+            <p:nvPr/>
+          </p:nvPicPr>
+          <p:blipFill>
+            <a:blip r:embed="rId2">
+              <a:extLst>
+                <a:ext uri="{28A0092B-C50C-407E-A947-70E740481C1C}">
+                  <a14:useLocalDpi xmlns:a14="http://schemas.microsoft.com/office/drawing/2010/main" val="0"/>
+                </a:ext>
+              </a:extLst>
+            </a:blip>
+            <a:stretch>
+              <a:fillRect/>
+            </a:stretch>
+          </p:blipFill>
+          <p:spPr>
+            <a:xfrm>
+              <a:off x="5154729" y="4911854"/>
+              <a:ext cx="797455" cy="797455"/>
+            </a:xfrm>
+            <a:prstGeom prst="rect">
+              <a:avLst/>
+            </a:prstGeom>
+          </p:spPr>
+        </p:pic>
+        <p:pic>
+          <p:nvPicPr>
+            <p:cNvPr id="51" name="그림 50"/>
+            <p:cNvPicPr>
+              <a:picLocks noChangeAspect="1"/>
+            </p:cNvPicPr>
+            <p:nvPr/>
+          </p:nvPicPr>
+          <p:blipFill>
+            <a:blip r:embed="rId2">
+              <a:extLst>
+                <a:ext uri="{28A0092B-C50C-407E-A947-70E740481C1C}">
+                  <a14:useLocalDpi xmlns:a14="http://schemas.microsoft.com/office/drawing/2010/main" val="0"/>
+                </a:ext>
+              </a:extLst>
+            </a:blip>
+            <a:stretch>
+              <a:fillRect/>
+            </a:stretch>
+          </p:blipFill>
+          <p:spPr>
+            <a:xfrm>
+              <a:off x="6170877" y="4912112"/>
+              <a:ext cx="797455" cy="797455"/>
+            </a:xfrm>
+            <a:prstGeom prst="rect">
+              <a:avLst/>
+            </a:prstGeom>
+          </p:spPr>
+        </p:pic>
+        <p:pic>
+          <p:nvPicPr>
+            <p:cNvPr id="52" name="그림 51"/>
+            <p:cNvPicPr>
+              <a:picLocks noChangeAspect="1"/>
+            </p:cNvPicPr>
+            <p:nvPr/>
+          </p:nvPicPr>
+          <p:blipFill>
+            <a:blip r:embed="rId2">
+              <a:extLst>
+                <a:ext uri="{28A0092B-C50C-407E-A947-70E740481C1C}">
+                  <a14:useLocalDpi xmlns:a14="http://schemas.microsoft.com/office/drawing/2010/main" val="0"/>
+                </a:ext>
+              </a:extLst>
+            </a:blip>
+            <a:stretch>
+              <a:fillRect/>
+            </a:stretch>
+          </p:blipFill>
+          <p:spPr>
+            <a:xfrm>
+              <a:off x="7187025" y="4911854"/>
+              <a:ext cx="797455" cy="797455"/>
+            </a:xfrm>
+            <a:prstGeom prst="rect">
+              <a:avLst/>
+            </a:prstGeom>
+          </p:spPr>
+        </p:pic>
+        <p:pic>
+          <p:nvPicPr>
+            <p:cNvPr id="26" name="그림 25"/>
+            <p:cNvPicPr>
+              <a:picLocks noChangeAspect="1"/>
+            </p:cNvPicPr>
+            <p:nvPr/>
+          </p:nvPicPr>
+          <p:blipFill>
+            <a:blip r:embed="rId3">
+              <a:extLst>
+                <a:ext uri="{28A0092B-C50C-407E-A947-70E740481C1C}">
+                  <a14:useLocalDpi xmlns:a14="http://schemas.microsoft.com/office/drawing/2010/main" val="0"/>
+                </a:ext>
+              </a:extLst>
+            </a:blip>
+            <a:stretch>
+              <a:fillRect/>
+            </a:stretch>
+          </p:blipFill>
+          <p:spPr>
+            <a:xfrm>
+              <a:off x="1969320" y="4397401"/>
+              <a:ext cx="504000" cy="504000"/>
+            </a:xfrm>
+            <a:prstGeom prst="rect">
+              <a:avLst/>
+            </a:prstGeom>
+          </p:spPr>
+        </p:pic>
+        <p:pic>
+          <p:nvPicPr>
+            <p:cNvPr id="54" name="그림 53"/>
+            <p:cNvPicPr>
+              <a:picLocks noChangeAspect="1"/>
+            </p:cNvPicPr>
+            <p:nvPr/>
+          </p:nvPicPr>
+          <p:blipFill>
+            <a:blip r:embed="rId4">
+              <a:extLst>
+                <a:ext uri="{28A0092B-C50C-407E-A947-70E740481C1C}">
+                  <a14:useLocalDpi xmlns:a14="http://schemas.microsoft.com/office/drawing/2010/main" val="0"/>
+                </a:ext>
+              </a:extLst>
+            </a:blip>
+            <a:stretch>
+              <a:fillRect/>
+            </a:stretch>
+          </p:blipFill>
+          <p:spPr>
+            <a:xfrm>
+              <a:off x="1983463" y="5293776"/>
+              <a:ext cx="504000" cy="504000"/>
+            </a:xfrm>
+            <a:prstGeom prst="rect">
+              <a:avLst/>
+            </a:prstGeom>
+          </p:spPr>
+        </p:pic>
+        <p:pic>
+          <p:nvPicPr>
+            <p:cNvPr id="58" name="그림 57"/>
+            <p:cNvPicPr>
+              <a:picLocks noChangeAspect="1"/>
+            </p:cNvPicPr>
+            <p:nvPr/>
+          </p:nvPicPr>
+          <p:blipFill>
+            <a:blip r:embed="rId5">
+              <a:extLst>
+                <a:ext uri="{28A0092B-C50C-407E-A947-70E740481C1C}">
+                  <a14:useLocalDpi xmlns:a14="http://schemas.microsoft.com/office/drawing/2010/main" val="0"/>
+                </a:ext>
+              </a:extLst>
+            </a:blip>
+            <a:stretch>
+              <a:fillRect/>
+            </a:stretch>
+          </p:blipFill>
+          <p:spPr>
+            <a:xfrm>
+              <a:off x="1983771" y="1629273"/>
+              <a:ext cx="504000" cy="504000"/>
+            </a:xfrm>
+            <a:prstGeom prst="rect">
+              <a:avLst/>
+            </a:prstGeom>
+          </p:spPr>
+        </p:pic>
+        <p:pic>
+          <p:nvPicPr>
+            <p:cNvPr id="59" name="그림 58"/>
+            <p:cNvPicPr>
+              <a:picLocks noChangeAspect="1"/>
+            </p:cNvPicPr>
+            <p:nvPr/>
+          </p:nvPicPr>
+          <p:blipFill>
+            <a:blip r:embed="rId6">
+              <a:extLst>
+                <a:ext uri="{28A0092B-C50C-407E-A947-70E740481C1C}">
+                  <a14:useLocalDpi xmlns:a14="http://schemas.microsoft.com/office/drawing/2010/main" val="0"/>
+                </a:ext>
+              </a:extLst>
+            </a:blip>
+            <a:stretch>
+              <a:fillRect/>
+            </a:stretch>
+          </p:blipFill>
+          <p:spPr>
+            <a:xfrm>
+              <a:off x="1983463" y="3501026"/>
+              <a:ext cx="504000" cy="504000"/>
+            </a:xfrm>
+            <a:prstGeom prst="rect">
+              <a:avLst/>
+            </a:prstGeom>
+          </p:spPr>
+        </p:pic>
+        <p:pic>
+          <p:nvPicPr>
+            <p:cNvPr id="61" name="그림 60"/>
+            <p:cNvPicPr>
+              <a:picLocks noChangeAspect="1"/>
+            </p:cNvPicPr>
+            <p:nvPr/>
+          </p:nvPicPr>
+          <p:blipFill>
+            <a:blip r:embed="rId7">
+              <a:extLst>
+                <a:ext uri="{28A0092B-C50C-407E-A947-70E740481C1C}">
+                  <a14:useLocalDpi xmlns:a14="http://schemas.microsoft.com/office/drawing/2010/main" val="0"/>
+                </a:ext>
+              </a:extLst>
+            </a:blip>
+            <a:stretch>
+              <a:fillRect/>
+            </a:stretch>
+          </p:blipFill>
+          <p:spPr>
+            <a:xfrm>
+              <a:off x="1972576" y="2598914"/>
+              <a:ext cx="504000" cy="504000"/>
+            </a:xfrm>
+            <a:prstGeom prst="rect">
+              <a:avLst/>
+            </a:prstGeom>
+          </p:spPr>
+        </p:pic>
+      </p:grpSp>
+    </p:spTree>
+    <p:extLst>
+      <p:ext uri="{BB962C8B-B14F-4D97-AF65-F5344CB8AC3E}">
+        <p14:creationId xmlns:p14="http://schemas.microsoft.com/office/powerpoint/2010/main" val="3491919077"/>
+      </p:ext>
+    </p:extLst>
+  </p:cSld>
+  <p:clrMapOvr>
+    <a:masterClrMapping/>
+  </p:clrMapOvr>
+</p:sld>
+</file>
+
+<file path=ppt/slides/slide5.xml><?xml version="1.0" encoding="utf-8"?>
+<p:sld xmlns:a="http://schemas.openxmlformats.org/drawingml/2006/main" xmlns:r="http://schemas.openxmlformats.org/officeDocument/2006/relationships" xmlns:p="http://schemas.openxmlformats.org/presentationml/2006/main">
+  <p:cSld>
+    <p:spTree>
+      <p:nvGrpSpPr>
+        <p:cNvPr id="1" name=""/>
+        <p:cNvGrpSpPr/>
+        <p:nvPr/>
+      </p:nvGrpSpPr>
+      <p:grpSpPr>
+        <a:xfrm>
+          <a:off x="0" y="0"/>
+          <a:ext cx="0" cy="0"/>
+          <a:chOff x="0" y="0"/>
+          <a:chExt cx="0" cy="0"/>
+        </a:xfrm>
+      </p:grpSpPr>
+      <p:sp>
+        <p:nvSpPr>
           <p:cNvPr id="2" name="제목 1"/>
           <p:cNvSpPr>
             <a:spLocks noGrp="1"/>
@@ -11105,7 +14010,7 @@
 </p:sld>
 </file>
 
-<file path=ppt/slides/slide5.xml><?xml version="1.0" encoding="utf-8"?>
+<file path=ppt/slides/slide6.xml><?xml version="1.0" encoding="utf-8"?>
 <p:sld xmlns:a="http://schemas.openxmlformats.org/drawingml/2006/main" xmlns:r="http://schemas.openxmlformats.org/officeDocument/2006/relationships" xmlns:p="http://schemas.openxmlformats.org/presentationml/2006/main">
   <p:cSld>
     <p:spTree>
@@ -16537,7 +19442,7 @@
 </p:sld>
 </file>
 
-<file path=ppt/slides/slide6.xml><?xml version="1.0" encoding="utf-8"?>
+<file path=ppt/slides/slide7.xml><?xml version="1.0" encoding="utf-8"?>
 <p:sld xmlns:a="http://schemas.openxmlformats.org/drawingml/2006/main" xmlns:r="http://schemas.openxmlformats.org/officeDocument/2006/relationships" xmlns:p="http://schemas.openxmlformats.org/presentationml/2006/main">
   <p:cSld>
     <p:spTree>
@@ -17972,7 +20877,7 @@
 </p:sld>
 </file>
 
-<file path=ppt/slides/slide7.xml><?xml version="1.0" encoding="utf-8"?>
+<file path=ppt/slides/slide8.xml><?xml version="1.0" encoding="utf-8"?>
 <p:sld xmlns:a="http://schemas.openxmlformats.org/drawingml/2006/main" xmlns:r="http://schemas.openxmlformats.org/officeDocument/2006/relationships" xmlns:p="http://schemas.openxmlformats.org/presentationml/2006/main">
   <p:cSld>
     <p:spTree>
@@ -20949,7 +23854,7 @@
 </p:sld>
 </file>
 
-<file path=ppt/slides/slide8.xml><?xml version="1.0" encoding="utf-8"?>
+<file path=ppt/slides/slide9.xml><?xml version="1.0" encoding="utf-8"?>
 <p:sld xmlns:a="http://schemas.openxmlformats.org/drawingml/2006/main" xmlns:r="http://schemas.openxmlformats.org/officeDocument/2006/relationships" xmlns:p="http://schemas.openxmlformats.org/presentationml/2006/main">
   <p:cSld>
     <p:spTree>
@@ -20993,1341 +23898,6 @@
     <p:extLst>
       <p:ext uri="{BB962C8B-B14F-4D97-AF65-F5344CB8AC3E}">
         <p14:creationId xmlns:p14="http://schemas.microsoft.com/office/powerpoint/2010/main" val="1621827409"/>
-      </p:ext>
-    </p:extLst>
-  </p:cSld>
-  <p:clrMapOvr>
-    <a:masterClrMapping/>
-  </p:clrMapOvr>
-</p:sld>
-</file>
-
-<file path=ppt/slides/slide9.xml><?xml version="1.0" encoding="utf-8"?>
-<p:sld xmlns:a="http://schemas.openxmlformats.org/drawingml/2006/main" xmlns:r="http://schemas.openxmlformats.org/officeDocument/2006/relationships" xmlns:p="http://schemas.openxmlformats.org/presentationml/2006/main">
-  <p:cSld>
-    <p:spTree>
-      <p:nvGrpSpPr>
-        <p:cNvPr id="1" name=""/>
-        <p:cNvGrpSpPr/>
-        <p:nvPr/>
-      </p:nvGrpSpPr>
-      <p:grpSpPr>
-        <a:xfrm>
-          <a:off x="0" y="0"/>
-          <a:ext cx="0" cy="0"/>
-          <a:chOff x="0" y="0"/>
-          <a:chExt cx="0" cy="0"/>
-        </a:xfrm>
-      </p:grpSpPr>
-      <p:grpSp>
-        <p:nvGrpSpPr>
-          <p:cNvPr id="4" name="그룹 3"/>
-          <p:cNvGrpSpPr/>
-          <p:nvPr/>
-        </p:nvGrpSpPr>
-        <p:grpSpPr>
-          <a:xfrm>
-            <a:off x="7101100" y="507465"/>
-            <a:ext cx="2837062" cy="4917906"/>
-            <a:chOff x="5113972" y="840765"/>
-            <a:chExt cx="2837062" cy="4917906"/>
-          </a:xfrm>
-        </p:grpSpPr>
-        <p:sp>
-          <p:nvSpPr>
-            <p:cNvPr id="99" name="직사각형 98"/>
-            <p:cNvSpPr/>
-            <p:nvPr/>
-          </p:nvSpPr>
-          <p:spPr>
-            <a:xfrm>
-              <a:off x="5145868" y="840765"/>
-              <a:ext cx="2788837" cy="4917905"/>
-            </a:xfrm>
-            <a:prstGeom prst="rect">
-              <a:avLst/>
-            </a:prstGeom>
-            <a:solidFill>
-              <a:schemeClr val="bg1"/>
-            </a:solidFill>
-            <a:ln>
-              <a:solidFill>
-                <a:schemeClr val="bg1">
-                  <a:lumMod val="75000"/>
-                </a:schemeClr>
-              </a:solidFill>
-              <a:prstDash val="dash"/>
-            </a:ln>
-          </p:spPr>
-          <p:style>
-            <a:lnRef idx="2">
-              <a:schemeClr val="accent1">
-                <a:shade val="50000"/>
-              </a:schemeClr>
-            </a:lnRef>
-            <a:fillRef idx="1">
-              <a:schemeClr val="accent1"/>
-            </a:fillRef>
-            <a:effectRef idx="0">
-              <a:schemeClr val="accent1"/>
-            </a:effectRef>
-            <a:fontRef idx="minor">
-              <a:schemeClr val="lt1"/>
-            </a:fontRef>
-          </p:style>
-          <p:txBody>
-            <a:bodyPr rtlCol="0" anchor="ctr"/>
-            <a:lstStyle/>
-            <a:p>
-              <a:pPr algn="ctr"/>
-              <a:endParaRPr lang="en-US"/>
-            </a:p>
-          </p:txBody>
-        </p:sp>
-        <p:sp>
-          <p:nvSpPr>
-            <p:cNvPr id="100" name="직사각형 99"/>
-            <p:cNvSpPr/>
-            <p:nvPr/>
-          </p:nvSpPr>
-          <p:spPr>
-            <a:xfrm>
-              <a:off x="5113972" y="1889762"/>
-              <a:ext cx="2804404" cy="2552154"/>
-            </a:xfrm>
-            <a:prstGeom prst="rect">
-              <a:avLst/>
-            </a:prstGeom>
-            <a:solidFill>
-              <a:schemeClr val="bg1"/>
-            </a:solidFill>
-            <a:ln>
-              <a:solidFill>
-                <a:schemeClr val="tx1"/>
-              </a:solidFill>
-            </a:ln>
-          </p:spPr>
-          <p:style>
-            <a:lnRef idx="2">
-              <a:schemeClr val="accent1">
-                <a:shade val="50000"/>
-              </a:schemeClr>
-            </a:lnRef>
-            <a:fillRef idx="1">
-              <a:schemeClr val="accent1"/>
-            </a:fillRef>
-            <a:effectRef idx="0">
-              <a:schemeClr val="accent1"/>
-            </a:effectRef>
-            <a:fontRef idx="minor">
-              <a:schemeClr val="lt1"/>
-            </a:fontRef>
-          </p:style>
-          <p:txBody>
-            <a:bodyPr rtlCol="0" anchor="ctr"/>
-            <a:lstStyle/>
-            <a:p>
-              <a:pPr algn="ctr"/>
-              <a:endParaRPr lang="en-US"/>
-            </a:p>
-          </p:txBody>
-        </p:sp>
-        <p:sp>
-          <p:nvSpPr>
-            <p:cNvPr id="102" name="직사각형 101"/>
-            <p:cNvSpPr/>
-            <p:nvPr/>
-          </p:nvSpPr>
-          <p:spPr>
-            <a:xfrm>
-              <a:off x="5971868" y="1038511"/>
-              <a:ext cx="1080000" cy="720000"/>
-            </a:xfrm>
-            <a:prstGeom prst="rect">
-              <a:avLst/>
-            </a:prstGeom>
-            <a:solidFill>
-              <a:schemeClr val="accent1"/>
-            </a:solidFill>
-          </p:spPr>
-          <p:style>
-            <a:lnRef idx="2">
-              <a:schemeClr val="accent1">
-                <a:shade val="50000"/>
-              </a:schemeClr>
-            </a:lnRef>
-            <a:fillRef idx="1">
-              <a:schemeClr val="accent1"/>
-            </a:fillRef>
-            <a:effectRef idx="0">
-              <a:schemeClr val="accent1"/>
-            </a:effectRef>
-            <a:fontRef idx="minor">
-              <a:schemeClr val="lt1"/>
-            </a:fontRef>
-          </p:style>
-          <p:txBody>
-            <a:bodyPr rtlCol="0" anchor="ctr"/>
-            <a:lstStyle/>
-            <a:p>
-              <a:pPr algn="ctr"/>
-              <a:r>
-                <a:rPr lang="en-US" dirty="0" smtClean="0"/>
-                <a:t>Box 1</a:t>
-              </a:r>
-              <a:endParaRPr lang="en-US" dirty="0"/>
-            </a:p>
-          </p:txBody>
-        </p:sp>
-        <p:sp>
-          <p:nvSpPr>
-            <p:cNvPr id="103" name="직사각형 102"/>
-            <p:cNvSpPr/>
-            <p:nvPr/>
-          </p:nvSpPr>
-          <p:spPr>
-            <a:xfrm>
-              <a:off x="5977691" y="4969526"/>
-              <a:ext cx="1080000" cy="720000"/>
-            </a:xfrm>
-            <a:prstGeom prst="rect">
-              <a:avLst/>
-            </a:prstGeom>
-          </p:spPr>
-          <p:style>
-            <a:lnRef idx="2">
-              <a:schemeClr val="accent1">
-                <a:shade val="50000"/>
-              </a:schemeClr>
-            </a:lnRef>
-            <a:fillRef idx="1">
-              <a:schemeClr val="accent1"/>
-            </a:fillRef>
-            <a:effectRef idx="0">
-              <a:schemeClr val="accent1"/>
-            </a:effectRef>
-            <a:fontRef idx="minor">
-              <a:schemeClr val="lt1"/>
-            </a:fontRef>
-          </p:style>
-          <p:txBody>
-            <a:bodyPr rtlCol="0" anchor="ctr"/>
-            <a:lstStyle/>
-            <a:p>
-              <a:pPr algn="ctr"/>
-              <a:r>
-                <a:rPr lang="en-US" dirty="0" smtClean="0"/>
-                <a:t>Box 3</a:t>
-              </a:r>
-              <a:endParaRPr lang="en-US" dirty="0"/>
-            </a:p>
-          </p:txBody>
-        </p:sp>
-        <p:sp>
-          <p:nvSpPr>
-            <p:cNvPr id="104" name="직사각형 103"/>
-            <p:cNvSpPr/>
-            <p:nvPr/>
-          </p:nvSpPr>
-          <p:spPr>
-            <a:xfrm>
-              <a:off x="5971868" y="2056357"/>
-              <a:ext cx="1080000" cy="720000"/>
-            </a:xfrm>
-            <a:prstGeom prst="rect">
-              <a:avLst/>
-            </a:prstGeom>
-            <a:solidFill>
-              <a:srgbClr val="D95757"/>
-            </a:solidFill>
-          </p:spPr>
-          <p:style>
-            <a:lnRef idx="2">
-              <a:schemeClr val="accent1">
-                <a:shade val="50000"/>
-              </a:schemeClr>
-            </a:lnRef>
-            <a:fillRef idx="1">
-              <a:schemeClr val="accent1"/>
-            </a:fillRef>
-            <a:effectRef idx="0">
-              <a:schemeClr val="accent1"/>
-            </a:effectRef>
-            <a:fontRef idx="minor">
-              <a:schemeClr val="lt1"/>
-            </a:fontRef>
-          </p:style>
-          <p:txBody>
-            <a:bodyPr rtlCol="0" anchor="ctr"/>
-            <a:lstStyle/>
-            <a:p>
-              <a:pPr algn="ctr"/>
-              <a:r>
-                <a:rPr lang="en-US" dirty="0" smtClean="0"/>
-                <a:t>Box 2</a:t>
-              </a:r>
-              <a:endParaRPr lang="en-US" dirty="0"/>
-            </a:p>
-          </p:txBody>
-        </p:sp>
-        <p:sp>
-          <p:nvSpPr>
-            <p:cNvPr id="105" name="직사각형 104"/>
-            <p:cNvSpPr/>
-            <p:nvPr/>
-          </p:nvSpPr>
-          <p:spPr>
-            <a:xfrm>
-              <a:off x="7697034" y="1889761"/>
-              <a:ext cx="254000" cy="2556000"/>
-            </a:xfrm>
-            <a:prstGeom prst="rect">
-              <a:avLst/>
-            </a:prstGeom>
-            <a:solidFill>
-              <a:schemeClr val="bg1"/>
-            </a:solidFill>
-            <a:ln>
-              <a:solidFill>
-                <a:schemeClr val="tx1"/>
-              </a:solidFill>
-            </a:ln>
-          </p:spPr>
-          <p:style>
-            <a:lnRef idx="2">
-              <a:schemeClr val="accent3"/>
-            </a:lnRef>
-            <a:fillRef idx="1">
-              <a:schemeClr val="lt1"/>
-            </a:fillRef>
-            <a:effectRef idx="0">
-              <a:schemeClr val="accent3"/>
-            </a:effectRef>
-            <a:fontRef idx="minor">
-              <a:schemeClr val="dk1"/>
-            </a:fontRef>
-          </p:style>
-          <p:txBody>
-            <a:bodyPr rtlCol="0" anchor="ctr"/>
-            <a:lstStyle/>
-            <a:p>
-              <a:pPr algn="ctr"/>
-              <a:endParaRPr lang="en-US"/>
-            </a:p>
-          </p:txBody>
-        </p:sp>
-        <p:sp>
-          <p:nvSpPr>
-            <p:cNvPr id="106" name="직사각형 105"/>
-            <p:cNvSpPr/>
-            <p:nvPr/>
-          </p:nvSpPr>
-          <p:spPr>
-            <a:xfrm>
-              <a:off x="7724003" y="2413943"/>
-              <a:ext cx="206248" cy="1041400"/>
-            </a:xfrm>
-            <a:prstGeom prst="rect">
-              <a:avLst/>
-            </a:prstGeom>
-            <a:solidFill>
-              <a:schemeClr val="bg1">
-                <a:lumMod val="75000"/>
-              </a:schemeClr>
-            </a:solidFill>
-            <a:ln>
-              <a:noFill/>
-            </a:ln>
-          </p:spPr>
-          <p:style>
-            <a:lnRef idx="2">
-              <a:schemeClr val="dk1">
-                <a:shade val="50000"/>
-              </a:schemeClr>
-            </a:lnRef>
-            <a:fillRef idx="1">
-              <a:schemeClr val="dk1"/>
-            </a:fillRef>
-            <a:effectRef idx="0">
-              <a:schemeClr val="dk1"/>
-            </a:effectRef>
-            <a:fontRef idx="minor">
-              <a:schemeClr val="lt1"/>
-            </a:fontRef>
-          </p:style>
-          <p:txBody>
-            <a:bodyPr rtlCol="0" anchor="ctr"/>
-            <a:lstStyle/>
-            <a:p>
-              <a:pPr algn="ctr"/>
-              <a:endParaRPr lang="en-US"/>
-            </a:p>
-          </p:txBody>
-        </p:sp>
-        <p:grpSp>
-          <p:nvGrpSpPr>
-            <p:cNvPr id="107" name="그룹 106"/>
-            <p:cNvGrpSpPr/>
-            <p:nvPr/>
-          </p:nvGrpSpPr>
-          <p:grpSpPr>
-            <a:xfrm>
-              <a:off x="7722723" y="1900647"/>
-              <a:ext cx="206248" cy="177800"/>
-              <a:chOff x="676338" y="1066800"/>
-              <a:chExt cx="206248" cy="177800"/>
-            </a:xfrm>
-          </p:grpSpPr>
-          <p:sp>
-            <p:nvSpPr>
-              <p:cNvPr id="113" name="직사각형 112"/>
-              <p:cNvSpPr/>
-              <p:nvPr/>
-            </p:nvSpPr>
-            <p:spPr>
-              <a:xfrm>
-                <a:off x="676338" y="1066800"/>
-                <a:ext cx="206248" cy="177800"/>
-              </a:xfrm>
-              <a:prstGeom prst="rect">
-                <a:avLst/>
-              </a:prstGeom>
-              <a:solidFill>
-                <a:schemeClr val="bg1">
-                  <a:lumMod val="75000"/>
-                </a:schemeClr>
-              </a:solidFill>
-              <a:ln>
-                <a:noFill/>
-              </a:ln>
-            </p:spPr>
-            <p:style>
-              <a:lnRef idx="2">
-                <a:schemeClr val="accent1">
-                  <a:shade val="50000"/>
-                </a:schemeClr>
-              </a:lnRef>
-              <a:fillRef idx="1">
-                <a:schemeClr val="accent1"/>
-              </a:fillRef>
-              <a:effectRef idx="0">
-                <a:schemeClr val="accent1"/>
-              </a:effectRef>
-              <a:fontRef idx="minor">
-                <a:schemeClr val="lt1"/>
-              </a:fontRef>
-            </p:style>
-            <p:txBody>
-              <a:bodyPr rtlCol="0" anchor="ctr"/>
-              <a:lstStyle/>
-              <a:p>
-                <a:pPr algn="ctr"/>
-                <a:endParaRPr lang="en-US"/>
-              </a:p>
-            </p:txBody>
-          </p:sp>
-          <p:sp>
-            <p:nvSpPr>
-              <p:cNvPr id="114" name="이등변 삼각형 113"/>
-              <p:cNvSpPr/>
-              <p:nvPr/>
-            </p:nvSpPr>
-            <p:spPr>
-              <a:xfrm>
-                <a:off x="701738" y="1085850"/>
-                <a:ext cx="154686" cy="133350"/>
-              </a:xfrm>
-              <a:prstGeom prst="triangle">
-                <a:avLst/>
-              </a:prstGeom>
-              <a:solidFill>
-                <a:schemeClr val="tx1"/>
-              </a:solidFill>
-              <a:ln>
-                <a:noFill/>
-              </a:ln>
-            </p:spPr>
-            <p:style>
-              <a:lnRef idx="2">
-                <a:schemeClr val="dk1">
-                  <a:shade val="50000"/>
-                </a:schemeClr>
-              </a:lnRef>
-              <a:fillRef idx="1">
-                <a:schemeClr val="dk1"/>
-              </a:fillRef>
-              <a:effectRef idx="0">
-                <a:schemeClr val="dk1"/>
-              </a:effectRef>
-              <a:fontRef idx="minor">
-                <a:schemeClr val="lt1"/>
-              </a:fontRef>
-            </p:style>
-            <p:txBody>
-              <a:bodyPr rtlCol="0" anchor="ctr"/>
-              <a:lstStyle/>
-              <a:p>
-                <a:pPr algn="ctr"/>
-                <a:endParaRPr lang="en-US"/>
-              </a:p>
-            </p:txBody>
-          </p:sp>
-        </p:grpSp>
-        <p:grpSp>
-          <p:nvGrpSpPr>
-            <p:cNvPr id="108" name="그룹 107"/>
-            <p:cNvGrpSpPr/>
-            <p:nvPr/>
-          </p:nvGrpSpPr>
-          <p:grpSpPr>
-            <a:xfrm flipH="1" flipV="1">
-              <a:off x="7722723" y="4256859"/>
-              <a:ext cx="206248" cy="177800"/>
-              <a:chOff x="676338" y="1066800"/>
-              <a:chExt cx="206248" cy="177800"/>
-            </a:xfrm>
-          </p:grpSpPr>
-          <p:sp>
-            <p:nvSpPr>
-              <p:cNvPr id="111" name="직사각형 110"/>
-              <p:cNvSpPr/>
-              <p:nvPr/>
-            </p:nvSpPr>
-            <p:spPr>
-              <a:xfrm>
-                <a:off x="676338" y="1066800"/>
-                <a:ext cx="206248" cy="177800"/>
-              </a:xfrm>
-              <a:prstGeom prst="rect">
-                <a:avLst/>
-              </a:prstGeom>
-              <a:solidFill>
-                <a:schemeClr val="bg1">
-                  <a:lumMod val="75000"/>
-                </a:schemeClr>
-              </a:solidFill>
-              <a:ln>
-                <a:noFill/>
-              </a:ln>
-            </p:spPr>
-            <p:style>
-              <a:lnRef idx="2">
-                <a:schemeClr val="accent1">
-                  <a:shade val="50000"/>
-                </a:schemeClr>
-              </a:lnRef>
-              <a:fillRef idx="1">
-                <a:schemeClr val="accent1"/>
-              </a:fillRef>
-              <a:effectRef idx="0">
-                <a:schemeClr val="accent1"/>
-              </a:effectRef>
-              <a:fontRef idx="minor">
-                <a:schemeClr val="lt1"/>
-              </a:fontRef>
-            </p:style>
-            <p:txBody>
-              <a:bodyPr rtlCol="0" anchor="ctr"/>
-              <a:lstStyle/>
-              <a:p>
-                <a:pPr algn="ctr"/>
-                <a:endParaRPr lang="en-US"/>
-              </a:p>
-            </p:txBody>
-          </p:sp>
-          <p:sp>
-            <p:nvSpPr>
-              <p:cNvPr id="112" name="이등변 삼각형 111"/>
-              <p:cNvSpPr/>
-              <p:nvPr/>
-            </p:nvSpPr>
-            <p:spPr>
-              <a:xfrm>
-                <a:off x="701738" y="1085850"/>
-                <a:ext cx="154686" cy="133350"/>
-              </a:xfrm>
-              <a:prstGeom prst="triangle">
-                <a:avLst/>
-              </a:prstGeom>
-              <a:solidFill>
-                <a:schemeClr val="tx1"/>
-              </a:solidFill>
-              <a:ln>
-                <a:noFill/>
-              </a:ln>
-            </p:spPr>
-            <p:style>
-              <a:lnRef idx="2">
-                <a:schemeClr val="dk1">
-                  <a:shade val="50000"/>
-                </a:schemeClr>
-              </a:lnRef>
-              <a:fillRef idx="1">
-                <a:schemeClr val="dk1"/>
-              </a:fillRef>
-              <a:effectRef idx="0">
-                <a:schemeClr val="dk1"/>
-              </a:effectRef>
-              <a:fontRef idx="minor">
-                <a:schemeClr val="lt1"/>
-              </a:fontRef>
-            </p:style>
-            <p:txBody>
-              <a:bodyPr rtlCol="0" anchor="ctr"/>
-              <a:lstStyle/>
-              <a:p>
-                <a:pPr algn="ctr"/>
-                <a:endParaRPr lang="en-US"/>
-              </a:p>
-            </p:txBody>
-          </p:sp>
-        </p:grpSp>
-        <p:sp>
-          <p:nvSpPr>
-            <p:cNvPr id="109" name="직사각형 108"/>
-            <p:cNvSpPr/>
-            <p:nvPr/>
-          </p:nvSpPr>
-          <p:spPr>
-            <a:xfrm>
-              <a:off x="5649588" y="904858"/>
-              <a:ext cx="1709165" cy="894461"/>
-            </a:xfrm>
-            <a:prstGeom prst="rect">
-              <a:avLst/>
-            </a:prstGeom>
-            <a:solidFill>
-              <a:schemeClr val="bg1">
-                <a:alpha val="60000"/>
-              </a:schemeClr>
-            </a:solidFill>
-            <a:ln>
-              <a:noFill/>
-            </a:ln>
-          </p:spPr>
-          <p:style>
-            <a:lnRef idx="2">
-              <a:schemeClr val="accent1">
-                <a:shade val="50000"/>
-              </a:schemeClr>
-            </a:lnRef>
-            <a:fillRef idx="1">
-              <a:schemeClr val="accent1"/>
-            </a:fillRef>
-            <a:effectRef idx="0">
-              <a:schemeClr val="accent1"/>
-            </a:effectRef>
-            <a:fontRef idx="minor">
-              <a:schemeClr val="lt1"/>
-            </a:fontRef>
-          </p:style>
-          <p:txBody>
-            <a:bodyPr rtlCol="0" anchor="ctr"/>
-            <a:lstStyle/>
-            <a:p>
-              <a:pPr algn="ctr"/>
-              <a:endParaRPr lang="en-US"/>
-            </a:p>
-          </p:txBody>
-        </p:sp>
-        <p:sp>
-          <p:nvSpPr>
-            <p:cNvPr id="110" name="직사각형 109"/>
-            <p:cNvSpPr/>
-            <p:nvPr/>
-          </p:nvSpPr>
-          <p:spPr>
-            <a:xfrm>
-              <a:off x="5365450" y="4648377"/>
-              <a:ext cx="2349671" cy="1110294"/>
-            </a:xfrm>
-            <a:prstGeom prst="rect">
-              <a:avLst/>
-            </a:prstGeom>
-            <a:solidFill>
-              <a:schemeClr val="bg1">
-                <a:alpha val="60000"/>
-              </a:schemeClr>
-            </a:solidFill>
-            <a:ln>
-              <a:noFill/>
-            </a:ln>
-          </p:spPr>
-          <p:style>
-            <a:lnRef idx="2">
-              <a:schemeClr val="accent1">
-                <a:shade val="50000"/>
-              </a:schemeClr>
-            </a:lnRef>
-            <a:fillRef idx="1">
-              <a:schemeClr val="accent1"/>
-            </a:fillRef>
-            <a:effectRef idx="0">
-              <a:schemeClr val="accent1"/>
-            </a:effectRef>
-            <a:fontRef idx="minor">
-              <a:schemeClr val="lt1"/>
-            </a:fontRef>
-          </p:style>
-          <p:txBody>
-            <a:bodyPr rtlCol="0" anchor="ctr"/>
-            <a:lstStyle/>
-            <a:p>
-              <a:pPr algn="ctr"/>
-              <a:endParaRPr lang="en-US"/>
-            </a:p>
-          </p:txBody>
-        </p:sp>
-      </p:grpSp>
-      <p:grpSp>
-        <p:nvGrpSpPr>
-          <p:cNvPr id="53" name="그룹 52"/>
-          <p:cNvGrpSpPr/>
-          <p:nvPr/>
-        </p:nvGrpSpPr>
-        <p:grpSpPr>
-          <a:xfrm>
-            <a:off x="3982071" y="1556461"/>
-            <a:ext cx="2837062" cy="4919828"/>
-            <a:chOff x="1676400" y="1940094"/>
-            <a:chExt cx="2837062" cy="4919828"/>
-          </a:xfrm>
-        </p:grpSpPr>
-        <p:sp>
-          <p:nvSpPr>
-            <p:cNvPr id="54" name="직사각형 53"/>
-            <p:cNvSpPr/>
-            <p:nvPr/>
-          </p:nvSpPr>
-          <p:spPr>
-            <a:xfrm>
-              <a:off x="1724625" y="1940094"/>
-              <a:ext cx="2788837" cy="4917905"/>
-            </a:xfrm>
-            <a:prstGeom prst="rect">
-              <a:avLst/>
-            </a:prstGeom>
-            <a:solidFill>
-              <a:schemeClr val="bg1"/>
-            </a:solidFill>
-            <a:ln>
-              <a:solidFill>
-                <a:schemeClr val="bg1">
-                  <a:lumMod val="75000"/>
-                </a:schemeClr>
-              </a:solidFill>
-              <a:prstDash val="dash"/>
-            </a:ln>
-          </p:spPr>
-          <p:style>
-            <a:lnRef idx="2">
-              <a:schemeClr val="accent1">
-                <a:shade val="50000"/>
-              </a:schemeClr>
-            </a:lnRef>
-            <a:fillRef idx="1">
-              <a:schemeClr val="accent1"/>
-            </a:fillRef>
-            <a:effectRef idx="0">
-              <a:schemeClr val="accent1"/>
-            </a:effectRef>
-            <a:fontRef idx="minor">
-              <a:schemeClr val="lt1"/>
-            </a:fontRef>
-          </p:style>
-          <p:txBody>
-            <a:bodyPr rtlCol="0" anchor="ctr"/>
-            <a:lstStyle/>
-            <a:p>
-              <a:pPr algn="ctr"/>
-              <a:endParaRPr lang="en-US"/>
-            </a:p>
-          </p:txBody>
-        </p:sp>
-        <p:sp>
-          <p:nvSpPr>
-            <p:cNvPr id="55" name="직사각형 54"/>
-            <p:cNvSpPr/>
-            <p:nvPr/>
-          </p:nvSpPr>
-          <p:spPr>
-            <a:xfrm>
-              <a:off x="1676400" y="1943647"/>
-              <a:ext cx="2804404" cy="2552154"/>
-            </a:xfrm>
-            <a:prstGeom prst="rect">
-              <a:avLst/>
-            </a:prstGeom>
-            <a:solidFill>
-              <a:schemeClr val="bg1"/>
-            </a:solidFill>
-            <a:ln>
-              <a:solidFill>
-                <a:schemeClr val="tx1"/>
-              </a:solidFill>
-            </a:ln>
-          </p:spPr>
-          <p:style>
-            <a:lnRef idx="2">
-              <a:schemeClr val="accent1">
-                <a:shade val="50000"/>
-              </a:schemeClr>
-            </a:lnRef>
-            <a:fillRef idx="1">
-              <a:schemeClr val="accent1"/>
-            </a:fillRef>
-            <a:effectRef idx="0">
-              <a:schemeClr val="accent1"/>
-            </a:effectRef>
-            <a:fontRef idx="minor">
-              <a:schemeClr val="lt1"/>
-            </a:fontRef>
-          </p:style>
-          <p:txBody>
-            <a:bodyPr rtlCol="0" anchor="ctr"/>
-            <a:lstStyle/>
-            <a:p>
-              <a:pPr algn="ctr"/>
-              <a:endParaRPr lang="en-US"/>
-            </a:p>
-          </p:txBody>
-        </p:sp>
-        <p:sp>
-          <p:nvSpPr>
-            <p:cNvPr id="57" name="직사각형 56"/>
-            <p:cNvSpPr/>
-            <p:nvPr/>
-          </p:nvSpPr>
-          <p:spPr>
-            <a:xfrm>
-              <a:off x="2534296" y="2153100"/>
-              <a:ext cx="1080000" cy="720000"/>
-            </a:xfrm>
-            <a:prstGeom prst="rect">
-              <a:avLst/>
-            </a:prstGeom>
-            <a:solidFill>
-              <a:schemeClr val="accent1"/>
-            </a:solidFill>
-          </p:spPr>
-          <p:style>
-            <a:lnRef idx="2">
-              <a:schemeClr val="accent1">
-                <a:shade val="50000"/>
-              </a:schemeClr>
-            </a:lnRef>
-            <a:fillRef idx="1">
-              <a:schemeClr val="accent1"/>
-            </a:fillRef>
-            <a:effectRef idx="0">
-              <a:schemeClr val="accent1"/>
-            </a:effectRef>
-            <a:fontRef idx="minor">
-              <a:schemeClr val="lt1"/>
-            </a:fontRef>
-          </p:style>
-          <p:txBody>
-            <a:bodyPr rtlCol="0" anchor="ctr"/>
-            <a:lstStyle/>
-            <a:p>
-              <a:pPr algn="ctr"/>
-              <a:r>
-                <a:rPr lang="en-US" dirty="0" smtClean="0"/>
-                <a:t>Box </a:t>
-              </a:r>
-              <a:r>
-                <a:rPr lang="en-US" dirty="0"/>
-                <a:t>1</a:t>
-              </a:r>
-            </a:p>
-          </p:txBody>
-        </p:sp>
-        <p:sp>
-          <p:nvSpPr>
-            <p:cNvPr id="58" name="직사각형 57"/>
-            <p:cNvSpPr/>
-            <p:nvPr/>
-          </p:nvSpPr>
-          <p:spPr>
-            <a:xfrm>
-              <a:off x="2540119" y="6084115"/>
-              <a:ext cx="1080000" cy="720000"/>
-            </a:xfrm>
-            <a:prstGeom prst="rect">
-              <a:avLst/>
-            </a:prstGeom>
-          </p:spPr>
-          <p:style>
-            <a:lnRef idx="2">
-              <a:schemeClr val="accent1">
-                <a:shade val="50000"/>
-              </a:schemeClr>
-            </a:lnRef>
-            <a:fillRef idx="1">
-              <a:schemeClr val="accent1"/>
-            </a:fillRef>
-            <a:effectRef idx="0">
-              <a:schemeClr val="accent1"/>
-            </a:effectRef>
-            <a:fontRef idx="minor">
-              <a:schemeClr val="lt1"/>
-            </a:fontRef>
-          </p:style>
-          <p:txBody>
-            <a:bodyPr rtlCol="0" anchor="ctr"/>
-            <a:lstStyle/>
-            <a:p>
-              <a:pPr algn="ctr"/>
-              <a:r>
-                <a:rPr lang="en-US" dirty="0" smtClean="0"/>
-                <a:t>Box 3</a:t>
-              </a:r>
-              <a:endParaRPr lang="en-US" dirty="0"/>
-            </a:p>
-          </p:txBody>
-        </p:sp>
-        <p:sp>
-          <p:nvSpPr>
-            <p:cNvPr id="59" name="직사각형 58"/>
-            <p:cNvSpPr/>
-            <p:nvPr/>
-          </p:nvSpPr>
-          <p:spPr>
-            <a:xfrm>
-              <a:off x="2534296" y="3170946"/>
-              <a:ext cx="1080000" cy="720000"/>
-            </a:xfrm>
-            <a:prstGeom prst="rect">
-              <a:avLst/>
-            </a:prstGeom>
-            <a:solidFill>
-              <a:srgbClr val="D95757"/>
-            </a:solidFill>
-          </p:spPr>
-          <p:style>
-            <a:lnRef idx="2">
-              <a:schemeClr val="accent1">
-                <a:shade val="50000"/>
-              </a:schemeClr>
-            </a:lnRef>
-            <a:fillRef idx="1">
-              <a:schemeClr val="accent1"/>
-            </a:fillRef>
-            <a:effectRef idx="0">
-              <a:schemeClr val="accent1"/>
-            </a:effectRef>
-            <a:fontRef idx="minor">
-              <a:schemeClr val="lt1"/>
-            </a:fontRef>
-          </p:style>
-          <p:txBody>
-            <a:bodyPr rtlCol="0" anchor="ctr"/>
-            <a:lstStyle/>
-            <a:p>
-              <a:pPr algn="ctr"/>
-              <a:r>
-                <a:rPr lang="en-US" dirty="0" smtClean="0"/>
-                <a:t>Box 2</a:t>
-              </a:r>
-              <a:endParaRPr lang="en-US" dirty="0"/>
-            </a:p>
-          </p:txBody>
-        </p:sp>
-        <p:sp>
-          <p:nvSpPr>
-            <p:cNvPr id="60" name="직사각형 59"/>
-            <p:cNvSpPr/>
-            <p:nvPr/>
-          </p:nvSpPr>
-          <p:spPr>
-            <a:xfrm>
-              <a:off x="4259462" y="1943646"/>
-              <a:ext cx="254000" cy="2556000"/>
-            </a:xfrm>
-            <a:prstGeom prst="rect">
-              <a:avLst/>
-            </a:prstGeom>
-            <a:solidFill>
-              <a:schemeClr val="bg1"/>
-            </a:solidFill>
-            <a:ln>
-              <a:solidFill>
-                <a:schemeClr val="tx1"/>
-              </a:solidFill>
-            </a:ln>
-          </p:spPr>
-          <p:style>
-            <a:lnRef idx="2">
-              <a:schemeClr val="accent3"/>
-            </a:lnRef>
-            <a:fillRef idx="1">
-              <a:schemeClr val="lt1"/>
-            </a:fillRef>
-            <a:effectRef idx="0">
-              <a:schemeClr val="accent3"/>
-            </a:effectRef>
-            <a:fontRef idx="minor">
-              <a:schemeClr val="dk1"/>
-            </a:fontRef>
-          </p:style>
-          <p:txBody>
-            <a:bodyPr rtlCol="0" anchor="ctr"/>
-            <a:lstStyle/>
-            <a:p>
-              <a:pPr algn="ctr"/>
-              <a:endParaRPr lang="en-US"/>
-            </a:p>
-          </p:txBody>
-        </p:sp>
-        <p:sp>
-          <p:nvSpPr>
-            <p:cNvPr id="61" name="직사각형 60"/>
-            <p:cNvSpPr/>
-            <p:nvPr/>
-          </p:nvSpPr>
-          <p:spPr>
-            <a:xfrm>
-              <a:off x="4285151" y="2161705"/>
-              <a:ext cx="206248" cy="1041400"/>
-            </a:xfrm>
-            <a:prstGeom prst="rect">
-              <a:avLst/>
-            </a:prstGeom>
-            <a:solidFill>
-              <a:schemeClr val="bg1">
-                <a:lumMod val="75000"/>
-              </a:schemeClr>
-            </a:solidFill>
-            <a:ln>
-              <a:noFill/>
-            </a:ln>
-          </p:spPr>
-          <p:style>
-            <a:lnRef idx="2">
-              <a:schemeClr val="dk1">
-                <a:shade val="50000"/>
-              </a:schemeClr>
-            </a:lnRef>
-            <a:fillRef idx="1">
-              <a:schemeClr val="dk1"/>
-            </a:fillRef>
-            <a:effectRef idx="0">
-              <a:schemeClr val="dk1"/>
-            </a:effectRef>
-            <a:fontRef idx="minor">
-              <a:schemeClr val="lt1"/>
-            </a:fontRef>
-          </p:style>
-          <p:txBody>
-            <a:bodyPr rtlCol="0" anchor="ctr"/>
-            <a:lstStyle/>
-            <a:p>
-              <a:pPr algn="ctr"/>
-              <a:endParaRPr lang="en-US"/>
-            </a:p>
-          </p:txBody>
-        </p:sp>
-        <p:grpSp>
-          <p:nvGrpSpPr>
-            <p:cNvPr id="62" name="그룹 61"/>
-            <p:cNvGrpSpPr/>
-            <p:nvPr/>
-          </p:nvGrpSpPr>
-          <p:grpSpPr>
-            <a:xfrm>
-              <a:off x="4285151" y="1954532"/>
-              <a:ext cx="206248" cy="177800"/>
-              <a:chOff x="676338" y="1066800"/>
-              <a:chExt cx="206248" cy="177800"/>
-            </a:xfrm>
-          </p:grpSpPr>
-          <p:sp>
-            <p:nvSpPr>
-              <p:cNvPr id="70" name="직사각형 69"/>
-              <p:cNvSpPr/>
-              <p:nvPr/>
-            </p:nvSpPr>
-            <p:spPr>
-              <a:xfrm>
-                <a:off x="676338" y="1066800"/>
-                <a:ext cx="206248" cy="177800"/>
-              </a:xfrm>
-              <a:prstGeom prst="rect">
-                <a:avLst/>
-              </a:prstGeom>
-              <a:solidFill>
-                <a:schemeClr val="bg1">
-                  <a:lumMod val="75000"/>
-                </a:schemeClr>
-              </a:solidFill>
-              <a:ln>
-                <a:noFill/>
-              </a:ln>
-            </p:spPr>
-            <p:style>
-              <a:lnRef idx="2">
-                <a:schemeClr val="accent1">
-                  <a:shade val="50000"/>
-                </a:schemeClr>
-              </a:lnRef>
-              <a:fillRef idx="1">
-                <a:schemeClr val="accent1"/>
-              </a:fillRef>
-              <a:effectRef idx="0">
-                <a:schemeClr val="accent1"/>
-              </a:effectRef>
-              <a:fontRef idx="minor">
-                <a:schemeClr val="lt1"/>
-              </a:fontRef>
-            </p:style>
-            <p:txBody>
-              <a:bodyPr rtlCol="0" anchor="ctr"/>
-              <a:lstStyle/>
-              <a:p>
-                <a:pPr algn="ctr"/>
-                <a:endParaRPr lang="en-US"/>
-              </a:p>
-            </p:txBody>
-          </p:sp>
-          <p:sp>
-            <p:nvSpPr>
-              <p:cNvPr id="71" name="이등변 삼각형 70"/>
-              <p:cNvSpPr/>
-              <p:nvPr/>
-            </p:nvSpPr>
-            <p:spPr>
-              <a:xfrm>
-                <a:off x="701738" y="1085850"/>
-                <a:ext cx="154686" cy="133350"/>
-              </a:xfrm>
-              <a:prstGeom prst="triangle">
-                <a:avLst/>
-              </a:prstGeom>
-              <a:solidFill>
-                <a:schemeClr val="tx1"/>
-              </a:solidFill>
-              <a:ln>
-                <a:noFill/>
-              </a:ln>
-            </p:spPr>
-            <p:style>
-              <a:lnRef idx="2">
-                <a:schemeClr val="dk1">
-                  <a:shade val="50000"/>
-                </a:schemeClr>
-              </a:lnRef>
-              <a:fillRef idx="1">
-                <a:schemeClr val="dk1"/>
-              </a:fillRef>
-              <a:effectRef idx="0">
-                <a:schemeClr val="dk1"/>
-              </a:effectRef>
-              <a:fontRef idx="minor">
-                <a:schemeClr val="lt1"/>
-              </a:fontRef>
-            </p:style>
-            <p:txBody>
-              <a:bodyPr rtlCol="0" anchor="ctr"/>
-              <a:lstStyle/>
-              <a:p>
-                <a:pPr algn="ctr"/>
-                <a:endParaRPr lang="en-US"/>
-              </a:p>
-            </p:txBody>
-          </p:sp>
-        </p:grpSp>
-        <p:grpSp>
-          <p:nvGrpSpPr>
-            <p:cNvPr id="63" name="그룹 62"/>
-            <p:cNvGrpSpPr/>
-            <p:nvPr/>
-          </p:nvGrpSpPr>
-          <p:grpSpPr>
-            <a:xfrm flipH="1" flipV="1">
-              <a:off x="4285151" y="4310744"/>
-              <a:ext cx="206248" cy="177800"/>
-              <a:chOff x="676338" y="1066800"/>
-              <a:chExt cx="206248" cy="177800"/>
-            </a:xfrm>
-          </p:grpSpPr>
-          <p:sp>
-            <p:nvSpPr>
-              <p:cNvPr id="68" name="직사각형 67"/>
-              <p:cNvSpPr/>
-              <p:nvPr/>
-            </p:nvSpPr>
-            <p:spPr>
-              <a:xfrm>
-                <a:off x="676338" y="1066800"/>
-                <a:ext cx="206248" cy="177800"/>
-              </a:xfrm>
-              <a:prstGeom prst="rect">
-                <a:avLst/>
-              </a:prstGeom>
-              <a:solidFill>
-                <a:schemeClr val="bg1">
-                  <a:lumMod val="75000"/>
-                </a:schemeClr>
-              </a:solidFill>
-              <a:ln>
-                <a:noFill/>
-              </a:ln>
-            </p:spPr>
-            <p:style>
-              <a:lnRef idx="2">
-                <a:schemeClr val="accent1">
-                  <a:shade val="50000"/>
-                </a:schemeClr>
-              </a:lnRef>
-              <a:fillRef idx="1">
-                <a:schemeClr val="accent1"/>
-              </a:fillRef>
-              <a:effectRef idx="0">
-                <a:schemeClr val="accent1"/>
-              </a:effectRef>
-              <a:fontRef idx="minor">
-                <a:schemeClr val="lt1"/>
-              </a:fontRef>
-            </p:style>
-            <p:txBody>
-              <a:bodyPr rtlCol="0" anchor="ctr"/>
-              <a:lstStyle/>
-              <a:p>
-                <a:pPr algn="ctr"/>
-                <a:endParaRPr lang="en-US"/>
-              </a:p>
-            </p:txBody>
-          </p:sp>
-          <p:sp>
-            <p:nvSpPr>
-              <p:cNvPr id="69" name="이등변 삼각형 68"/>
-              <p:cNvSpPr/>
-              <p:nvPr/>
-            </p:nvSpPr>
-            <p:spPr>
-              <a:xfrm>
-                <a:off x="701738" y="1085850"/>
-                <a:ext cx="154686" cy="133350"/>
-              </a:xfrm>
-              <a:prstGeom prst="triangle">
-                <a:avLst/>
-              </a:prstGeom>
-              <a:solidFill>
-                <a:schemeClr val="tx1"/>
-              </a:solidFill>
-              <a:ln>
-                <a:noFill/>
-              </a:ln>
-            </p:spPr>
-            <p:style>
-              <a:lnRef idx="2">
-                <a:schemeClr val="dk1">
-                  <a:shade val="50000"/>
-                </a:schemeClr>
-              </a:lnRef>
-              <a:fillRef idx="1">
-                <a:schemeClr val="dk1"/>
-              </a:fillRef>
-              <a:effectRef idx="0">
-                <a:schemeClr val="dk1"/>
-              </a:effectRef>
-              <a:fontRef idx="minor">
-                <a:schemeClr val="lt1"/>
-              </a:fontRef>
-            </p:style>
-            <p:txBody>
-              <a:bodyPr rtlCol="0" anchor="ctr"/>
-              <a:lstStyle/>
-              <a:p>
-                <a:pPr algn="ctr"/>
-                <a:endParaRPr lang="en-US"/>
-              </a:p>
-            </p:txBody>
-          </p:sp>
-        </p:grpSp>
-        <p:sp>
-          <p:nvSpPr>
-            <p:cNvPr id="67" name="직사각형 66"/>
-            <p:cNvSpPr/>
-            <p:nvPr/>
-          </p:nvSpPr>
-          <p:spPr>
-            <a:xfrm>
-              <a:off x="1899460" y="5749628"/>
-              <a:ext cx="2349671" cy="1110294"/>
-            </a:xfrm>
-            <a:prstGeom prst="rect">
-              <a:avLst/>
-            </a:prstGeom>
-            <a:solidFill>
-              <a:schemeClr val="bg1">
-                <a:alpha val="60000"/>
-              </a:schemeClr>
-            </a:solidFill>
-            <a:ln>
-              <a:noFill/>
-            </a:ln>
-          </p:spPr>
-          <p:style>
-            <a:lnRef idx="2">
-              <a:schemeClr val="accent1">
-                <a:shade val="50000"/>
-              </a:schemeClr>
-            </a:lnRef>
-            <a:fillRef idx="1">
-              <a:schemeClr val="accent1"/>
-            </a:fillRef>
-            <a:effectRef idx="0">
-              <a:schemeClr val="accent1"/>
-            </a:effectRef>
-            <a:fontRef idx="minor">
-              <a:schemeClr val="lt1"/>
-            </a:fontRef>
-          </p:style>
-          <p:txBody>
-            <a:bodyPr rtlCol="0" anchor="ctr"/>
-            <a:lstStyle/>
-            <a:p>
-              <a:pPr algn="ctr"/>
-              <a:endParaRPr lang="en-US"/>
-            </a:p>
-          </p:txBody>
-        </p:sp>
-      </p:grpSp>
-      <p:sp>
-        <p:nvSpPr>
-          <p:cNvPr id="72" name="TextBox 71"/>
-          <p:cNvSpPr txBox="1"/>
-          <p:nvPr/>
-        </p:nvSpPr>
-        <p:spPr>
-          <a:xfrm>
-            <a:off x="261258" y="276632"/>
-            <a:ext cx="2104230" cy="461665"/>
-          </a:xfrm>
-          <a:prstGeom prst="rect">
-            <a:avLst/>
-          </a:prstGeom>
-          <a:noFill/>
-        </p:spPr>
-        <p:txBody>
-          <a:bodyPr wrap="none" rtlCol="0">
-            <a:spAutoFit/>
-          </a:bodyPr>
-          <a:lstStyle/>
-          <a:p>
-            <a:r>
-              <a:rPr lang="en-US" sz="2400" dirty="0" err="1" smtClean="0"/>
-              <a:t>navbeforescroll</a:t>
-            </a:r>
-            <a:endParaRPr lang="en-US" sz="2400" dirty="0"/>
-          </a:p>
-        </p:txBody>
-      </p:sp>
-    </p:spTree>
-    <p:extLst>
-      <p:ext uri="{BB962C8B-B14F-4D97-AF65-F5344CB8AC3E}">
-        <p14:creationId xmlns:p14="http://schemas.microsoft.com/office/powerpoint/2010/main" val="2845019110"/>
       </p:ext>
     </p:extLst>
   </p:cSld>

--- a/docs/images_of_spec.pptx
+++ b/docs/images_of_spec.pptx
@@ -23,6 +23,8 @@
     <p:sldId id="275" r:id="rId17"/>
     <p:sldId id="272" r:id="rId18"/>
     <p:sldId id="274" r:id="rId19"/>
+    <p:sldId id="277" r:id="rId20"/>
+    <p:sldId id="278" r:id="rId21"/>
   </p:sldIdLst>
   <p:sldSz cx="12192000" cy="6858000"/>
   <p:notesSz cx="6858000" cy="9144000"/>
@@ -260,7 +262,7 @@
           <a:p>
             <a:fld id="{278DCA68-1BB8-4FF4-BF77-5209A30E84B9}" type="datetimeFigureOut">
               <a:rPr lang="en-US" smtClean="0"/>
-              <a:t>11/22/2019</a:t>
+              <a:t>11/25/2019</a:t>
             </a:fld>
             <a:endParaRPr lang="en-US"/>
           </a:p>
@@ -430,7 +432,7 @@
           <a:p>
             <a:fld id="{278DCA68-1BB8-4FF4-BF77-5209A30E84B9}" type="datetimeFigureOut">
               <a:rPr lang="en-US" smtClean="0"/>
-              <a:t>11/22/2019</a:t>
+              <a:t>11/25/2019</a:t>
             </a:fld>
             <a:endParaRPr lang="en-US"/>
           </a:p>
@@ -610,7 +612,7 @@
           <a:p>
             <a:fld id="{278DCA68-1BB8-4FF4-BF77-5209A30E84B9}" type="datetimeFigureOut">
               <a:rPr lang="en-US" smtClean="0"/>
-              <a:t>11/22/2019</a:t>
+              <a:t>11/25/2019</a:t>
             </a:fld>
             <a:endParaRPr lang="en-US"/>
           </a:p>
@@ -780,7 +782,7 @@
           <a:p>
             <a:fld id="{278DCA68-1BB8-4FF4-BF77-5209A30E84B9}" type="datetimeFigureOut">
               <a:rPr lang="en-US" smtClean="0"/>
-              <a:t>11/22/2019</a:t>
+              <a:t>11/25/2019</a:t>
             </a:fld>
             <a:endParaRPr lang="en-US"/>
           </a:p>
@@ -1026,7 +1028,7 @@
           <a:p>
             <a:fld id="{278DCA68-1BB8-4FF4-BF77-5209A30E84B9}" type="datetimeFigureOut">
               <a:rPr lang="en-US" smtClean="0"/>
-              <a:t>11/22/2019</a:t>
+              <a:t>11/25/2019</a:t>
             </a:fld>
             <a:endParaRPr lang="en-US"/>
           </a:p>
@@ -1258,7 +1260,7 @@
           <a:p>
             <a:fld id="{278DCA68-1BB8-4FF4-BF77-5209A30E84B9}" type="datetimeFigureOut">
               <a:rPr lang="en-US" smtClean="0"/>
-              <a:t>11/22/2019</a:t>
+              <a:t>11/25/2019</a:t>
             </a:fld>
             <a:endParaRPr lang="en-US"/>
           </a:p>
@@ -1625,7 +1627,7 @@
           <a:p>
             <a:fld id="{278DCA68-1BB8-4FF4-BF77-5209A30E84B9}" type="datetimeFigureOut">
               <a:rPr lang="en-US" smtClean="0"/>
-              <a:t>11/22/2019</a:t>
+              <a:t>11/25/2019</a:t>
             </a:fld>
             <a:endParaRPr lang="en-US"/>
           </a:p>
@@ -1743,7 +1745,7 @@
           <a:p>
             <a:fld id="{278DCA68-1BB8-4FF4-BF77-5209A30E84B9}" type="datetimeFigureOut">
               <a:rPr lang="en-US" smtClean="0"/>
-              <a:t>11/22/2019</a:t>
+              <a:t>11/25/2019</a:t>
             </a:fld>
             <a:endParaRPr lang="en-US"/>
           </a:p>
@@ -1838,7 +1840,7 @@
           <a:p>
             <a:fld id="{278DCA68-1BB8-4FF4-BF77-5209A30E84B9}" type="datetimeFigureOut">
               <a:rPr lang="en-US" smtClean="0"/>
-              <a:t>11/22/2019</a:t>
+              <a:t>11/25/2019</a:t>
             </a:fld>
             <a:endParaRPr lang="en-US"/>
           </a:p>
@@ -2115,7 +2117,7 @@
           <a:p>
             <a:fld id="{278DCA68-1BB8-4FF4-BF77-5209A30E84B9}" type="datetimeFigureOut">
               <a:rPr lang="en-US" smtClean="0"/>
-              <a:t>11/22/2019</a:t>
+              <a:t>11/25/2019</a:t>
             </a:fld>
             <a:endParaRPr lang="en-US"/>
           </a:p>
@@ -2368,7 +2370,7 @@
           <a:p>
             <a:fld id="{278DCA68-1BB8-4FF4-BF77-5209A30E84B9}" type="datetimeFigureOut">
               <a:rPr lang="en-US" smtClean="0"/>
-              <a:t>11/22/2019</a:t>
+              <a:t>11/25/2019</a:t>
             </a:fld>
             <a:endParaRPr lang="en-US"/>
           </a:p>
@@ -2581,7 +2583,7 @@
           <a:p>
             <a:fld id="{278DCA68-1BB8-4FF4-BF77-5209A30E84B9}" type="datetimeFigureOut">
               <a:rPr lang="en-US" smtClean="0"/>
-              <a:t>11/22/2019</a:t>
+              <a:t>11/25/2019</a:t>
             </a:fld>
             <a:endParaRPr lang="en-US"/>
           </a:p>
@@ -10252,6 +10254,78 @@
 </p:sld>
 </file>
 
+<file path=ppt/slides/slide19.xml><?xml version="1.0" encoding="utf-8"?>
+<p:sld xmlns:a="http://schemas.openxmlformats.org/drawingml/2006/main" xmlns:r="http://schemas.openxmlformats.org/officeDocument/2006/relationships" xmlns:p="http://schemas.openxmlformats.org/presentationml/2006/main">
+  <p:cSld>
+    <p:spTree>
+      <p:nvGrpSpPr>
+        <p:cNvPr id="1" name=""/>
+        <p:cNvGrpSpPr/>
+        <p:nvPr/>
+      </p:nvGrpSpPr>
+      <p:grpSpPr>
+        <a:xfrm>
+          <a:off x="0" y="0"/>
+          <a:ext cx="0" cy="0"/>
+          <a:chOff x="0" y="0"/>
+          <a:chExt cx="0" cy="0"/>
+        </a:xfrm>
+      </p:grpSpPr>
+      <p:sp>
+        <p:nvSpPr>
+          <p:cNvPr id="2" name="제목 1"/>
+          <p:cNvSpPr>
+            <a:spLocks noGrp="1"/>
+          </p:cNvSpPr>
+          <p:nvPr>
+            <p:ph type="title"/>
+          </p:nvPr>
+        </p:nvSpPr>
+        <p:spPr/>
+        <p:txBody>
+          <a:bodyPr/>
+          <a:lstStyle/>
+          <a:p>
+            <a:r>
+              <a:rPr lang="en-US" altLang="ko-KR" dirty="0" smtClean="0"/>
+              <a:t>spatial-navigation-function</a:t>
+            </a:r>
+            <a:endParaRPr lang="ko-KR" altLang="en-US"/>
+          </a:p>
+        </p:txBody>
+      </p:sp>
+      <p:sp>
+        <p:nvSpPr>
+          <p:cNvPr id="3" name="텍스트 개체 틀 2"/>
+          <p:cNvSpPr>
+            <a:spLocks noGrp="1"/>
+          </p:cNvSpPr>
+          <p:nvPr>
+            <p:ph type="body" idx="1"/>
+          </p:nvPr>
+        </p:nvSpPr>
+        <p:spPr/>
+        <p:txBody>
+          <a:bodyPr/>
+          <a:lstStyle/>
+          <a:p>
+            <a:endParaRPr lang="ko-KR" altLang="en-US"/>
+          </a:p>
+        </p:txBody>
+      </p:sp>
+    </p:spTree>
+    <p:extLst>
+      <p:ext uri="{BB962C8B-B14F-4D97-AF65-F5344CB8AC3E}">
+        <p14:creationId xmlns:p14="http://schemas.microsoft.com/office/powerpoint/2010/main" val="117799303"/>
+      </p:ext>
+    </p:extLst>
+  </p:cSld>
+  <p:clrMapOvr>
+    <a:masterClrMapping/>
+  </p:clrMapOvr>
+</p:sld>
+</file>
+
 <file path=ppt/slides/slide2.xml><?xml version="1.0" encoding="utf-8"?>
 <p:sld xmlns:a="http://schemas.openxmlformats.org/drawingml/2006/main" xmlns:r="http://schemas.openxmlformats.org/officeDocument/2006/relationships" xmlns:p="http://schemas.openxmlformats.org/presentationml/2006/main">
   <p:cSld>
@@ -10296,6 +10370,1083 @@
     <p:extLst>
       <p:ext uri="{BB962C8B-B14F-4D97-AF65-F5344CB8AC3E}">
         <p14:creationId xmlns:p14="http://schemas.microsoft.com/office/powerpoint/2010/main" val="1391109801"/>
+      </p:ext>
+    </p:extLst>
+  </p:cSld>
+  <p:clrMapOvr>
+    <a:masterClrMapping/>
+  </p:clrMapOvr>
+</p:sld>
+</file>
+
+<file path=ppt/slides/slide20.xml><?xml version="1.0" encoding="utf-8"?>
+<p:sld xmlns:a="http://schemas.openxmlformats.org/drawingml/2006/main" xmlns:r="http://schemas.openxmlformats.org/officeDocument/2006/relationships" xmlns:p="http://schemas.openxmlformats.org/presentationml/2006/main">
+  <p:cSld>
+    <p:spTree>
+      <p:nvGrpSpPr>
+        <p:cNvPr id="1" name=""/>
+        <p:cNvGrpSpPr/>
+        <p:nvPr/>
+      </p:nvGrpSpPr>
+      <p:grpSpPr>
+        <a:xfrm>
+          <a:off x="0" y="0"/>
+          <a:ext cx="0" cy="0"/>
+          <a:chOff x="0" y="0"/>
+          <a:chExt cx="0" cy="0"/>
+        </a:xfrm>
+      </p:grpSpPr>
+      <p:grpSp>
+        <p:nvGrpSpPr>
+          <p:cNvPr id="2" name="그룹 1"/>
+          <p:cNvGrpSpPr/>
+          <p:nvPr/>
+        </p:nvGrpSpPr>
+        <p:grpSpPr>
+          <a:xfrm>
+            <a:off x="2861184" y="1268361"/>
+            <a:ext cx="5654214" cy="4586748"/>
+            <a:chOff x="2861184" y="1268361"/>
+            <a:chExt cx="5654214" cy="4586748"/>
+          </a:xfrm>
+        </p:grpSpPr>
+        <p:sp>
+          <p:nvSpPr>
+            <p:cNvPr id="5" name="직사각형 4"/>
+            <p:cNvSpPr/>
+            <p:nvPr/>
+          </p:nvSpPr>
+          <p:spPr>
+            <a:xfrm>
+              <a:off x="6399456" y="1908516"/>
+              <a:ext cx="360000" cy="360000"/>
+            </a:xfrm>
+            <a:prstGeom prst="rect">
+              <a:avLst/>
+            </a:prstGeom>
+          </p:spPr>
+          <p:style>
+            <a:lnRef idx="2">
+              <a:schemeClr val="accent5">
+                <a:shade val="50000"/>
+              </a:schemeClr>
+            </a:lnRef>
+            <a:fillRef idx="1">
+              <a:schemeClr val="accent5"/>
+            </a:fillRef>
+            <a:effectRef idx="0">
+              <a:schemeClr val="accent5"/>
+            </a:effectRef>
+            <a:fontRef idx="minor">
+              <a:schemeClr val="lt1"/>
+            </a:fontRef>
+          </p:style>
+          <p:txBody>
+            <a:bodyPr rtlCol="0" anchor="ctr"/>
+            <a:lstStyle/>
+            <a:p>
+              <a:pPr algn="ctr"/>
+              <a:endParaRPr lang="en-US" sz="1200">
+                <a:latin typeface="Roboto" panose="02000000000000000000" pitchFamily="2" charset="0"/>
+                <a:ea typeface="Roboto" panose="02000000000000000000" pitchFamily="2" charset="0"/>
+              </a:endParaRPr>
+            </a:p>
+          </p:txBody>
+        </p:sp>
+        <p:sp>
+          <p:nvSpPr>
+            <p:cNvPr id="6" name="TextBox 5"/>
+            <p:cNvSpPr txBox="1"/>
+            <p:nvPr/>
+          </p:nvSpPr>
+          <p:spPr>
+            <a:xfrm>
+              <a:off x="6811085" y="1947492"/>
+              <a:ext cx="1704313" cy="307777"/>
+            </a:xfrm>
+            <a:prstGeom prst="rect">
+              <a:avLst/>
+            </a:prstGeom>
+            <a:noFill/>
+          </p:spPr>
+          <p:txBody>
+            <a:bodyPr wrap="none" rtlCol="0">
+              <a:spAutoFit/>
+            </a:bodyPr>
+            <a:lstStyle/>
+            <a:p>
+              <a:r>
+                <a:rPr lang="en-US" sz="1400" dirty="0" smtClean="0">
+                  <a:latin typeface="Roboto" panose="02000000000000000000" pitchFamily="2" charset="0"/>
+                  <a:ea typeface="Roboto" panose="02000000000000000000" pitchFamily="2" charset="0"/>
+                </a:rPr>
+                <a:t>Candidate Element</a:t>
+              </a:r>
+              <a:endParaRPr lang="en-US" sz="1400" dirty="0">
+                <a:latin typeface="Roboto" panose="02000000000000000000" pitchFamily="2" charset="0"/>
+                <a:ea typeface="Roboto" panose="02000000000000000000" pitchFamily="2" charset="0"/>
+              </a:endParaRPr>
+            </a:p>
+          </p:txBody>
+        </p:sp>
+        <p:sp>
+          <p:nvSpPr>
+            <p:cNvPr id="7" name="직사각형 6"/>
+            <p:cNvSpPr/>
+            <p:nvPr/>
+          </p:nvSpPr>
+          <p:spPr>
+            <a:xfrm>
+              <a:off x="6399456" y="1301141"/>
+              <a:ext cx="360000" cy="360000"/>
+            </a:xfrm>
+            <a:prstGeom prst="rect">
+              <a:avLst/>
+            </a:prstGeom>
+            <a:solidFill>
+              <a:srgbClr val="C00000"/>
+            </a:solidFill>
+          </p:spPr>
+          <p:style>
+            <a:lnRef idx="2">
+              <a:schemeClr val="accent6">
+                <a:shade val="50000"/>
+              </a:schemeClr>
+            </a:lnRef>
+            <a:fillRef idx="1">
+              <a:schemeClr val="accent6"/>
+            </a:fillRef>
+            <a:effectRef idx="0">
+              <a:schemeClr val="accent6"/>
+            </a:effectRef>
+            <a:fontRef idx="minor">
+              <a:schemeClr val="lt1"/>
+            </a:fontRef>
+          </p:style>
+          <p:txBody>
+            <a:bodyPr rtlCol="0" anchor="ctr"/>
+            <a:lstStyle/>
+            <a:p>
+              <a:pPr algn="ctr"/>
+              <a:endParaRPr lang="en-US" sz="1200">
+                <a:latin typeface="Roboto" panose="02000000000000000000" pitchFamily="2" charset="0"/>
+                <a:ea typeface="Roboto" panose="02000000000000000000" pitchFamily="2" charset="0"/>
+              </a:endParaRPr>
+            </a:p>
+          </p:txBody>
+        </p:sp>
+        <p:sp>
+          <p:nvSpPr>
+            <p:cNvPr id="8" name="TextBox 7"/>
+            <p:cNvSpPr txBox="1"/>
+            <p:nvPr/>
+          </p:nvSpPr>
+          <p:spPr>
+            <a:xfrm>
+              <a:off x="6811085" y="1327252"/>
+              <a:ext cx="1572610" cy="307777"/>
+            </a:xfrm>
+            <a:prstGeom prst="rect">
+              <a:avLst/>
+            </a:prstGeom>
+            <a:noFill/>
+          </p:spPr>
+          <p:txBody>
+            <a:bodyPr wrap="none" rtlCol="0">
+              <a:spAutoFit/>
+            </a:bodyPr>
+            <a:lstStyle/>
+            <a:p>
+              <a:r>
+                <a:rPr lang="en-US" sz="1400" dirty="0" smtClean="0">
+                  <a:latin typeface="Roboto" panose="02000000000000000000" pitchFamily="2" charset="0"/>
+                  <a:ea typeface="Roboto" panose="02000000000000000000" pitchFamily="2" charset="0"/>
+                </a:rPr>
+                <a:t>Focused Element</a:t>
+              </a:r>
+              <a:endParaRPr lang="en-US" sz="1400" dirty="0">
+                <a:latin typeface="Roboto" panose="02000000000000000000" pitchFamily="2" charset="0"/>
+                <a:ea typeface="Roboto" panose="02000000000000000000" pitchFamily="2" charset="0"/>
+              </a:endParaRPr>
+            </a:p>
+          </p:txBody>
+        </p:sp>
+        <p:cxnSp>
+          <p:nvCxnSpPr>
+            <p:cNvPr id="13" name="직선 연결선 12"/>
+            <p:cNvCxnSpPr>
+              <a:stCxn id="19" idx="1"/>
+              <a:endCxn id="19" idx="3"/>
+            </p:cNvCxnSpPr>
+            <p:nvPr/>
+          </p:nvCxnSpPr>
+          <p:spPr>
+            <a:xfrm>
+              <a:off x="2861186" y="3561735"/>
+              <a:ext cx="3317047" cy="0"/>
+            </a:xfrm>
+            <a:prstGeom prst="line">
+              <a:avLst/>
+            </a:prstGeom>
+            <a:ln w="12700">
+              <a:solidFill>
+                <a:schemeClr val="accent3"/>
+              </a:solidFill>
+              <a:prstDash val="dash"/>
+            </a:ln>
+          </p:spPr>
+          <p:style>
+            <a:lnRef idx="1">
+              <a:schemeClr val="accent1"/>
+            </a:lnRef>
+            <a:fillRef idx="0">
+              <a:schemeClr val="accent1"/>
+            </a:fillRef>
+            <a:effectRef idx="0">
+              <a:schemeClr val="accent1"/>
+            </a:effectRef>
+            <a:fontRef idx="minor">
+              <a:schemeClr val="tx1"/>
+            </a:fontRef>
+          </p:style>
+        </p:cxnSp>
+        <p:cxnSp>
+          <p:nvCxnSpPr>
+            <p:cNvPr id="15" name="직선 연결선 14"/>
+            <p:cNvCxnSpPr>
+              <a:stCxn id="19" idx="2"/>
+              <a:endCxn id="19" idx="0"/>
+            </p:cNvCxnSpPr>
+            <p:nvPr/>
+          </p:nvCxnSpPr>
+          <p:spPr>
+            <a:xfrm flipV="1">
+              <a:off x="4519710" y="1268361"/>
+              <a:ext cx="0" cy="4586748"/>
+            </a:xfrm>
+            <a:prstGeom prst="line">
+              <a:avLst/>
+            </a:prstGeom>
+            <a:ln w="12700">
+              <a:solidFill>
+                <a:schemeClr val="accent3"/>
+              </a:solidFill>
+              <a:prstDash val="dash"/>
+            </a:ln>
+          </p:spPr>
+          <p:style>
+            <a:lnRef idx="1">
+              <a:schemeClr val="accent1"/>
+            </a:lnRef>
+            <a:fillRef idx="0">
+              <a:schemeClr val="accent1"/>
+            </a:fillRef>
+            <a:effectRef idx="0">
+              <a:schemeClr val="accent1"/>
+            </a:effectRef>
+            <a:fontRef idx="minor">
+              <a:schemeClr val="tx1"/>
+            </a:fontRef>
+          </p:style>
+        </p:cxnSp>
+        <p:sp>
+          <p:nvSpPr>
+            <p:cNvPr id="19" name="직사각형 18"/>
+            <p:cNvSpPr/>
+            <p:nvPr/>
+          </p:nvSpPr>
+          <p:spPr>
+            <a:xfrm>
+              <a:off x="2861186" y="1268361"/>
+              <a:ext cx="3317047" cy="4586748"/>
+            </a:xfrm>
+            <a:prstGeom prst="rect">
+              <a:avLst/>
+            </a:prstGeom>
+            <a:noFill/>
+            <a:ln>
+              <a:solidFill>
+                <a:schemeClr val="accent3"/>
+              </a:solidFill>
+            </a:ln>
+          </p:spPr>
+          <p:style>
+            <a:lnRef idx="2">
+              <a:schemeClr val="accent1">
+                <a:shade val="50000"/>
+              </a:schemeClr>
+            </a:lnRef>
+            <a:fillRef idx="1">
+              <a:schemeClr val="accent1"/>
+            </a:fillRef>
+            <a:effectRef idx="0">
+              <a:schemeClr val="accent1"/>
+            </a:effectRef>
+            <a:fontRef idx="minor">
+              <a:schemeClr val="lt1"/>
+            </a:fontRef>
+          </p:style>
+          <p:txBody>
+            <a:bodyPr rtlCol="0" anchor="ctr"/>
+            <a:lstStyle/>
+            <a:p>
+              <a:pPr algn="ctr"/>
+              <a:endParaRPr lang="ko-KR" altLang="en-US"/>
+            </a:p>
+          </p:txBody>
+        </p:sp>
+        <p:cxnSp>
+          <p:nvCxnSpPr>
+            <p:cNvPr id="24" name="직선 연결선 23"/>
+            <p:cNvCxnSpPr/>
+            <p:nvPr/>
+          </p:nvCxnSpPr>
+          <p:spPr>
+            <a:xfrm flipV="1">
+              <a:off x="3683968" y="1268361"/>
+              <a:ext cx="0" cy="4586748"/>
+            </a:xfrm>
+            <a:prstGeom prst="line">
+              <a:avLst/>
+            </a:prstGeom>
+            <a:ln w="12700">
+              <a:solidFill>
+                <a:schemeClr val="accent3"/>
+              </a:solidFill>
+              <a:prstDash val="dash"/>
+            </a:ln>
+          </p:spPr>
+          <p:style>
+            <a:lnRef idx="1">
+              <a:schemeClr val="accent1"/>
+            </a:lnRef>
+            <a:fillRef idx="0">
+              <a:schemeClr val="accent1"/>
+            </a:fillRef>
+            <a:effectRef idx="0">
+              <a:schemeClr val="accent1"/>
+            </a:effectRef>
+            <a:fontRef idx="minor">
+              <a:schemeClr val="tx1"/>
+            </a:fontRef>
+          </p:style>
+        </p:cxnSp>
+        <p:cxnSp>
+          <p:nvCxnSpPr>
+            <p:cNvPr id="25" name="직선 연결선 24"/>
+            <p:cNvCxnSpPr/>
+            <p:nvPr/>
+          </p:nvCxnSpPr>
+          <p:spPr>
+            <a:xfrm flipV="1">
+              <a:off x="5335787" y="1268361"/>
+              <a:ext cx="0" cy="4586748"/>
+            </a:xfrm>
+            <a:prstGeom prst="line">
+              <a:avLst/>
+            </a:prstGeom>
+            <a:ln w="12700">
+              <a:solidFill>
+                <a:schemeClr val="accent3"/>
+              </a:solidFill>
+              <a:prstDash val="dash"/>
+            </a:ln>
+          </p:spPr>
+          <p:style>
+            <a:lnRef idx="1">
+              <a:schemeClr val="accent1"/>
+            </a:lnRef>
+            <a:fillRef idx="0">
+              <a:schemeClr val="accent1"/>
+            </a:fillRef>
+            <a:effectRef idx="0">
+              <a:schemeClr val="accent1"/>
+            </a:effectRef>
+            <a:fontRef idx="minor">
+              <a:schemeClr val="tx1"/>
+            </a:fontRef>
+          </p:style>
+        </p:cxnSp>
+        <p:cxnSp>
+          <p:nvCxnSpPr>
+            <p:cNvPr id="28" name="직선 연결선 27"/>
+            <p:cNvCxnSpPr/>
+            <p:nvPr/>
+          </p:nvCxnSpPr>
+          <p:spPr>
+            <a:xfrm>
+              <a:off x="2861186" y="2425007"/>
+              <a:ext cx="3317047" cy="0"/>
+            </a:xfrm>
+            <a:prstGeom prst="line">
+              <a:avLst/>
+            </a:prstGeom>
+            <a:ln w="12700">
+              <a:solidFill>
+                <a:schemeClr val="accent3"/>
+              </a:solidFill>
+              <a:prstDash val="dash"/>
+            </a:ln>
+          </p:spPr>
+          <p:style>
+            <a:lnRef idx="1">
+              <a:schemeClr val="accent1"/>
+            </a:lnRef>
+            <a:fillRef idx="0">
+              <a:schemeClr val="accent1"/>
+            </a:fillRef>
+            <a:effectRef idx="0">
+              <a:schemeClr val="accent1"/>
+            </a:effectRef>
+            <a:fontRef idx="minor">
+              <a:schemeClr val="tx1"/>
+            </a:fontRef>
+          </p:style>
+        </p:cxnSp>
+        <p:cxnSp>
+          <p:nvCxnSpPr>
+            <p:cNvPr id="29" name="직선 연결선 28"/>
+            <p:cNvCxnSpPr/>
+            <p:nvPr/>
+          </p:nvCxnSpPr>
+          <p:spPr>
+            <a:xfrm>
+              <a:off x="2861186" y="4698463"/>
+              <a:ext cx="3317047" cy="0"/>
+            </a:xfrm>
+            <a:prstGeom prst="line">
+              <a:avLst/>
+            </a:prstGeom>
+            <a:ln w="12700">
+              <a:solidFill>
+                <a:schemeClr val="accent3"/>
+              </a:solidFill>
+              <a:prstDash val="dash"/>
+            </a:ln>
+          </p:spPr>
+          <p:style>
+            <a:lnRef idx="1">
+              <a:schemeClr val="accent1"/>
+            </a:lnRef>
+            <a:fillRef idx="0">
+              <a:schemeClr val="accent1"/>
+            </a:fillRef>
+            <a:effectRef idx="0">
+              <a:schemeClr val="accent1"/>
+            </a:effectRef>
+            <a:fontRef idx="minor">
+              <a:schemeClr val="tx1"/>
+            </a:fontRef>
+          </p:style>
+        </p:cxnSp>
+        <p:cxnSp>
+          <p:nvCxnSpPr>
+            <p:cNvPr id="40" name="직선 연결선 39"/>
+            <p:cNvCxnSpPr/>
+            <p:nvPr/>
+          </p:nvCxnSpPr>
+          <p:spPr>
+            <a:xfrm flipV="1">
+              <a:off x="3271014" y="1268361"/>
+              <a:ext cx="0" cy="4586748"/>
+            </a:xfrm>
+            <a:prstGeom prst="line">
+              <a:avLst/>
+            </a:prstGeom>
+            <a:ln w="12700">
+              <a:solidFill>
+                <a:schemeClr val="accent3"/>
+              </a:solidFill>
+              <a:prstDash val="dash"/>
+            </a:ln>
+          </p:spPr>
+          <p:style>
+            <a:lnRef idx="1">
+              <a:schemeClr val="accent1"/>
+            </a:lnRef>
+            <a:fillRef idx="0">
+              <a:schemeClr val="accent1"/>
+            </a:fillRef>
+            <a:effectRef idx="0">
+              <a:schemeClr val="accent1"/>
+            </a:effectRef>
+            <a:fontRef idx="minor">
+              <a:schemeClr val="tx1"/>
+            </a:fontRef>
+          </p:style>
+        </p:cxnSp>
+        <p:cxnSp>
+          <p:nvCxnSpPr>
+            <p:cNvPr id="41" name="직선 연결선 40"/>
+            <p:cNvCxnSpPr/>
+            <p:nvPr/>
+          </p:nvCxnSpPr>
+          <p:spPr>
+            <a:xfrm flipV="1">
+              <a:off x="5763491" y="1268361"/>
+              <a:ext cx="0" cy="4586748"/>
+            </a:xfrm>
+            <a:prstGeom prst="line">
+              <a:avLst/>
+            </a:prstGeom>
+            <a:ln w="12700">
+              <a:solidFill>
+                <a:schemeClr val="accent3"/>
+              </a:solidFill>
+              <a:prstDash val="dash"/>
+            </a:ln>
+          </p:spPr>
+          <p:style>
+            <a:lnRef idx="1">
+              <a:schemeClr val="accent1"/>
+            </a:lnRef>
+            <a:fillRef idx="0">
+              <a:schemeClr val="accent1"/>
+            </a:fillRef>
+            <a:effectRef idx="0">
+              <a:schemeClr val="accent1"/>
+            </a:effectRef>
+            <a:fontRef idx="minor">
+              <a:schemeClr val="tx1"/>
+            </a:fontRef>
+          </p:style>
+        </p:cxnSp>
+        <p:cxnSp>
+          <p:nvCxnSpPr>
+            <p:cNvPr id="42" name="직선 연결선 41"/>
+            <p:cNvCxnSpPr/>
+            <p:nvPr/>
+          </p:nvCxnSpPr>
+          <p:spPr>
+            <a:xfrm flipV="1">
+              <a:off x="4937581" y="1268361"/>
+              <a:ext cx="0" cy="4586748"/>
+            </a:xfrm>
+            <a:prstGeom prst="line">
+              <a:avLst/>
+            </a:prstGeom>
+            <a:ln w="12700">
+              <a:solidFill>
+                <a:schemeClr val="accent3"/>
+              </a:solidFill>
+              <a:prstDash val="dash"/>
+            </a:ln>
+          </p:spPr>
+          <p:style>
+            <a:lnRef idx="1">
+              <a:schemeClr val="accent1"/>
+            </a:lnRef>
+            <a:fillRef idx="0">
+              <a:schemeClr val="accent1"/>
+            </a:fillRef>
+            <a:effectRef idx="0">
+              <a:schemeClr val="accent1"/>
+            </a:effectRef>
+            <a:fontRef idx="minor">
+              <a:schemeClr val="tx1"/>
+            </a:fontRef>
+          </p:style>
+        </p:cxnSp>
+        <p:cxnSp>
+          <p:nvCxnSpPr>
+            <p:cNvPr id="43" name="직선 연결선 42"/>
+            <p:cNvCxnSpPr/>
+            <p:nvPr/>
+          </p:nvCxnSpPr>
+          <p:spPr>
+            <a:xfrm flipV="1">
+              <a:off x="4096923" y="1268361"/>
+              <a:ext cx="0" cy="4586748"/>
+            </a:xfrm>
+            <a:prstGeom prst="line">
+              <a:avLst/>
+            </a:prstGeom>
+            <a:ln w="12700">
+              <a:solidFill>
+                <a:schemeClr val="accent3"/>
+              </a:solidFill>
+              <a:prstDash val="dash"/>
+            </a:ln>
+          </p:spPr>
+          <p:style>
+            <a:lnRef idx="1">
+              <a:schemeClr val="accent1"/>
+            </a:lnRef>
+            <a:fillRef idx="0">
+              <a:schemeClr val="accent1"/>
+            </a:fillRef>
+            <a:effectRef idx="0">
+              <a:schemeClr val="accent1"/>
+            </a:effectRef>
+            <a:fontRef idx="minor">
+              <a:schemeClr val="tx1"/>
+            </a:fontRef>
+          </p:style>
+        </p:cxnSp>
+        <p:cxnSp>
+          <p:nvCxnSpPr>
+            <p:cNvPr id="44" name="직선 연결선 43"/>
+            <p:cNvCxnSpPr/>
+            <p:nvPr/>
+          </p:nvCxnSpPr>
+          <p:spPr>
+            <a:xfrm>
+              <a:off x="2861185" y="1635029"/>
+              <a:ext cx="3317047" cy="0"/>
+            </a:xfrm>
+            <a:prstGeom prst="line">
+              <a:avLst/>
+            </a:prstGeom>
+            <a:ln w="12700">
+              <a:solidFill>
+                <a:schemeClr val="accent3"/>
+              </a:solidFill>
+              <a:prstDash val="dash"/>
+            </a:ln>
+          </p:spPr>
+          <p:style>
+            <a:lnRef idx="1">
+              <a:schemeClr val="accent1"/>
+            </a:lnRef>
+            <a:fillRef idx="0">
+              <a:schemeClr val="accent1"/>
+            </a:fillRef>
+            <a:effectRef idx="0">
+              <a:schemeClr val="accent1"/>
+            </a:effectRef>
+            <a:fontRef idx="minor">
+              <a:schemeClr val="tx1"/>
+            </a:fontRef>
+          </p:style>
+        </p:cxnSp>
+        <p:cxnSp>
+          <p:nvCxnSpPr>
+            <p:cNvPr id="45" name="직선 연결선 44"/>
+            <p:cNvCxnSpPr/>
+            <p:nvPr/>
+          </p:nvCxnSpPr>
+          <p:spPr>
+            <a:xfrm>
+              <a:off x="2861184" y="2032908"/>
+              <a:ext cx="3317047" cy="0"/>
+            </a:xfrm>
+            <a:prstGeom prst="line">
+              <a:avLst/>
+            </a:prstGeom>
+            <a:ln w="12700">
+              <a:solidFill>
+                <a:schemeClr val="accent3"/>
+              </a:solidFill>
+              <a:prstDash val="dash"/>
+            </a:ln>
+          </p:spPr>
+          <p:style>
+            <a:lnRef idx="1">
+              <a:schemeClr val="accent1"/>
+            </a:lnRef>
+            <a:fillRef idx="0">
+              <a:schemeClr val="accent1"/>
+            </a:fillRef>
+            <a:effectRef idx="0">
+              <a:schemeClr val="accent1"/>
+            </a:effectRef>
+            <a:fontRef idx="minor">
+              <a:schemeClr val="tx1"/>
+            </a:fontRef>
+          </p:style>
+        </p:cxnSp>
+        <p:cxnSp>
+          <p:nvCxnSpPr>
+            <p:cNvPr id="46" name="직선 연결선 45"/>
+            <p:cNvCxnSpPr/>
+            <p:nvPr/>
+          </p:nvCxnSpPr>
+          <p:spPr>
+            <a:xfrm>
+              <a:off x="2861185" y="2790320"/>
+              <a:ext cx="3317047" cy="0"/>
+            </a:xfrm>
+            <a:prstGeom prst="line">
+              <a:avLst/>
+            </a:prstGeom>
+            <a:ln w="12700">
+              <a:solidFill>
+                <a:schemeClr val="accent3"/>
+              </a:solidFill>
+              <a:prstDash val="dash"/>
+            </a:ln>
+          </p:spPr>
+          <p:style>
+            <a:lnRef idx="1">
+              <a:schemeClr val="accent1"/>
+            </a:lnRef>
+            <a:fillRef idx="0">
+              <a:schemeClr val="accent1"/>
+            </a:fillRef>
+            <a:effectRef idx="0">
+              <a:schemeClr val="accent1"/>
+            </a:effectRef>
+            <a:fontRef idx="minor">
+              <a:schemeClr val="tx1"/>
+            </a:fontRef>
+          </p:style>
+        </p:cxnSp>
+        <p:cxnSp>
+          <p:nvCxnSpPr>
+            <p:cNvPr id="47" name="직선 연결선 46"/>
+            <p:cNvCxnSpPr/>
+            <p:nvPr/>
+          </p:nvCxnSpPr>
+          <p:spPr>
+            <a:xfrm>
+              <a:off x="2861184" y="3188199"/>
+              <a:ext cx="3317047" cy="0"/>
+            </a:xfrm>
+            <a:prstGeom prst="line">
+              <a:avLst/>
+            </a:prstGeom>
+            <a:ln w="12700">
+              <a:solidFill>
+                <a:schemeClr val="accent3"/>
+              </a:solidFill>
+              <a:prstDash val="dash"/>
+            </a:ln>
+          </p:spPr>
+          <p:style>
+            <a:lnRef idx="1">
+              <a:schemeClr val="accent1"/>
+            </a:lnRef>
+            <a:fillRef idx="0">
+              <a:schemeClr val="accent1"/>
+            </a:fillRef>
+            <a:effectRef idx="0">
+              <a:schemeClr val="accent1"/>
+            </a:effectRef>
+            <a:fontRef idx="minor">
+              <a:schemeClr val="tx1"/>
+            </a:fontRef>
+          </p:style>
+        </p:cxnSp>
+        <p:cxnSp>
+          <p:nvCxnSpPr>
+            <p:cNvPr id="48" name="직선 연결선 47"/>
+            <p:cNvCxnSpPr/>
+            <p:nvPr/>
+          </p:nvCxnSpPr>
+          <p:spPr>
+            <a:xfrm>
+              <a:off x="2861185" y="3955442"/>
+              <a:ext cx="3317047" cy="0"/>
+            </a:xfrm>
+            <a:prstGeom prst="line">
+              <a:avLst/>
+            </a:prstGeom>
+            <a:ln w="12700">
+              <a:solidFill>
+                <a:schemeClr val="accent3"/>
+              </a:solidFill>
+              <a:prstDash val="dash"/>
+            </a:ln>
+          </p:spPr>
+          <p:style>
+            <a:lnRef idx="1">
+              <a:schemeClr val="accent1"/>
+            </a:lnRef>
+            <a:fillRef idx="0">
+              <a:schemeClr val="accent1"/>
+            </a:fillRef>
+            <a:effectRef idx="0">
+              <a:schemeClr val="accent1"/>
+            </a:effectRef>
+            <a:fontRef idx="minor">
+              <a:schemeClr val="tx1"/>
+            </a:fontRef>
+          </p:style>
+        </p:cxnSp>
+        <p:cxnSp>
+          <p:nvCxnSpPr>
+            <p:cNvPr id="49" name="직선 연결선 48"/>
+            <p:cNvCxnSpPr/>
+            <p:nvPr/>
+          </p:nvCxnSpPr>
+          <p:spPr>
+            <a:xfrm>
+              <a:off x="2861184" y="4353321"/>
+              <a:ext cx="3317047" cy="0"/>
+            </a:xfrm>
+            <a:prstGeom prst="line">
+              <a:avLst/>
+            </a:prstGeom>
+            <a:ln w="12700">
+              <a:solidFill>
+                <a:schemeClr val="accent3"/>
+              </a:solidFill>
+              <a:prstDash val="dash"/>
+            </a:ln>
+          </p:spPr>
+          <p:style>
+            <a:lnRef idx="1">
+              <a:schemeClr val="accent1"/>
+            </a:lnRef>
+            <a:fillRef idx="0">
+              <a:schemeClr val="accent1"/>
+            </a:fillRef>
+            <a:effectRef idx="0">
+              <a:schemeClr val="accent1"/>
+            </a:effectRef>
+            <a:fontRef idx="minor">
+              <a:schemeClr val="tx1"/>
+            </a:fontRef>
+          </p:style>
+        </p:cxnSp>
+        <p:cxnSp>
+          <p:nvCxnSpPr>
+            <p:cNvPr id="50" name="직선 연결선 49"/>
+            <p:cNvCxnSpPr/>
+            <p:nvPr/>
+          </p:nvCxnSpPr>
+          <p:spPr>
+            <a:xfrm>
+              <a:off x="2861185" y="5091067"/>
+              <a:ext cx="3317047" cy="0"/>
+            </a:xfrm>
+            <a:prstGeom prst="line">
+              <a:avLst/>
+            </a:prstGeom>
+            <a:ln w="12700">
+              <a:solidFill>
+                <a:schemeClr val="accent3"/>
+              </a:solidFill>
+              <a:prstDash val="dash"/>
+            </a:ln>
+          </p:spPr>
+          <p:style>
+            <a:lnRef idx="1">
+              <a:schemeClr val="accent1"/>
+            </a:lnRef>
+            <a:fillRef idx="0">
+              <a:schemeClr val="accent1"/>
+            </a:fillRef>
+            <a:effectRef idx="0">
+              <a:schemeClr val="accent1"/>
+            </a:effectRef>
+            <a:fontRef idx="minor">
+              <a:schemeClr val="tx1"/>
+            </a:fontRef>
+          </p:style>
+        </p:cxnSp>
+        <p:cxnSp>
+          <p:nvCxnSpPr>
+            <p:cNvPr id="51" name="직선 연결선 50"/>
+            <p:cNvCxnSpPr/>
+            <p:nvPr/>
+          </p:nvCxnSpPr>
+          <p:spPr>
+            <a:xfrm>
+              <a:off x="2861184" y="5488946"/>
+              <a:ext cx="3317047" cy="0"/>
+            </a:xfrm>
+            <a:prstGeom prst="line">
+              <a:avLst/>
+            </a:prstGeom>
+            <a:ln w="12700">
+              <a:solidFill>
+                <a:schemeClr val="accent3"/>
+              </a:solidFill>
+              <a:prstDash val="dash"/>
+            </a:ln>
+          </p:spPr>
+          <p:style>
+            <a:lnRef idx="1">
+              <a:schemeClr val="accent1"/>
+            </a:lnRef>
+            <a:fillRef idx="0">
+              <a:schemeClr val="accent1"/>
+            </a:fillRef>
+            <a:effectRef idx="0">
+              <a:schemeClr val="accent1"/>
+            </a:effectRef>
+            <a:fontRef idx="minor">
+              <a:schemeClr val="tx1"/>
+            </a:fontRef>
+          </p:style>
+        </p:cxnSp>
+        <p:sp>
+          <p:nvSpPr>
+            <p:cNvPr id="52" name="직사각형 51"/>
+            <p:cNvSpPr/>
+            <p:nvPr/>
+          </p:nvSpPr>
+          <p:spPr>
+            <a:xfrm>
+              <a:off x="4095751" y="1628940"/>
+              <a:ext cx="841828" cy="795218"/>
+            </a:xfrm>
+            <a:prstGeom prst="rect">
+              <a:avLst/>
+            </a:prstGeom>
+            <a:solidFill>
+              <a:srgbClr val="C00000"/>
+            </a:solidFill>
+          </p:spPr>
+          <p:style>
+            <a:lnRef idx="2">
+              <a:schemeClr val="accent6">
+                <a:shade val="50000"/>
+              </a:schemeClr>
+            </a:lnRef>
+            <a:fillRef idx="1">
+              <a:schemeClr val="accent6"/>
+            </a:fillRef>
+            <a:effectRef idx="0">
+              <a:schemeClr val="accent6"/>
+            </a:effectRef>
+            <a:fontRef idx="minor">
+              <a:schemeClr val="lt1"/>
+            </a:fontRef>
+          </p:style>
+          <p:txBody>
+            <a:bodyPr rtlCol="0" anchor="ctr"/>
+            <a:lstStyle/>
+            <a:p>
+              <a:pPr algn="ctr"/>
+              <a:r>
+                <a:rPr lang="en-US" dirty="0" smtClean="0">
+                  <a:solidFill>
+                    <a:schemeClr val="tx1"/>
+                  </a:solidFill>
+                  <a:latin typeface="Roboto Medium" pitchFamily="2" charset="0"/>
+                  <a:ea typeface="Roboto Medium" pitchFamily="2" charset="0"/>
+                </a:rPr>
+                <a:t>A</a:t>
+              </a:r>
+              <a:endParaRPr lang="en-US" dirty="0">
+                <a:solidFill>
+                  <a:schemeClr val="tx1"/>
+                </a:solidFill>
+                <a:latin typeface="Roboto Medium" pitchFamily="2" charset="0"/>
+                <a:ea typeface="Roboto Medium" pitchFamily="2" charset="0"/>
+              </a:endParaRPr>
+            </a:p>
+          </p:txBody>
+        </p:sp>
+        <p:sp>
+          <p:nvSpPr>
+            <p:cNvPr id="54" name="직사각형 53"/>
+            <p:cNvSpPr/>
+            <p:nvPr/>
+          </p:nvSpPr>
+          <p:spPr>
+            <a:xfrm>
+              <a:off x="4308314" y="5081595"/>
+              <a:ext cx="408042" cy="407352"/>
+            </a:xfrm>
+            <a:prstGeom prst="rect">
+              <a:avLst/>
+            </a:prstGeom>
+          </p:spPr>
+          <p:style>
+            <a:lnRef idx="2">
+              <a:schemeClr val="accent5">
+                <a:shade val="50000"/>
+              </a:schemeClr>
+            </a:lnRef>
+            <a:fillRef idx="1">
+              <a:schemeClr val="accent5"/>
+            </a:fillRef>
+            <a:effectRef idx="0">
+              <a:schemeClr val="accent5"/>
+            </a:effectRef>
+            <a:fontRef idx="minor">
+              <a:schemeClr val="lt1"/>
+            </a:fontRef>
+          </p:style>
+          <p:txBody>
+            <a:bodyPr rtlCol="0" anchor="ctr"/>
+            <a:lstStyle/>
+            <a:p>
+              <a:pPr algn="ctr"/>
+              <a:r>
+                <a:rPr lang="en-US" dirty="0" smtClean="0">
+                  <a:solidFill>
+                    <a:schemeClr val="tx1"/>
+                  </a:solidFill>
+                  <a:latin typeface="Roboto Medium" pitchFamily="2" charset="0"/>
+                  <a:ea typeface="Roboto Medium" pitchFamily="2" charset="0"/>
+                </a:rPr>
+                <a:t>C</a:t>
+              </a:r>
+              <a:endParaRPr lang="en-US" dirty="0">
+                <a:solidFill>
+                  <a:schemeClr val="tx1"/>
+                </a:solidFill>
+                <a:latin typeface="Roboto Medium" pitchFamily="2" charset="0"/>
+                <a:ea typeface="Roboto Medium" pitchFamily="2" charset="0"/>
+              </a:endParaRPr>
+            </a:p>
+          </p:txBody>
+        </p:sp>
+        <p:sp>
+          <p:nvSpPr>
+            <p:cNvPr id="55" name="직사각형 54"/>
+            <p:cNvSpPr/>
+            <p:nvPr/>
+          </p:nvSpPr>
+          <p:spPr>
+            <a:xfrm>
+              <a:off x="3680842" y="2785584"/>
+              <a:ext cx="420997" cy="402615"/>
+            </a:xfrm>
+            <a:prstGeom prst="rect">
+              <a:avLst/>
+            </a:prstGeom>
+          </p:spPr>
+          <p:style>
+            <a:lnRef idx="2">
+              <a:schemeClr val="accent5">
+                <a:shade val="50000"/>
+              </a:schemeClr>
+            </a:lnRef>
+            <a:fillRef idx="1">
+              <a:schemeClr val="accent5"/>
+            </a:fillRef>
+            <a:effectRef idx="0">
+              <a:schemeClr val="accent5"/>
+            </a:effectRef>
+            <a:fontRef idx="minor">
+              <a:schemeClr val="lt1"/>
+            </a:fontRef>
+          </p:style>
+          <p:txBody>
+            <a:bodyPr rtlCol="0" anchor="ctr"/>
+            <a:lstStyle/>
+            <a:p>
+              <a:pPr algn="ctr"/>
+              <a:r>
+                <a:rPr lang="en-US" dirty="0" smtClean="0">
+                  <a:solidFill>
+                    <a:schemeClr val="tx1"/>
+                  </a:solidFill>
+                  <a:latin typeface="Roboto Medium" pitchFamily="2" charset="0"/>
+                  <a:ea typeface="Roboto Medium" pitchFamily="2" charset="0"/>
+                </a:rPr>
+                <a:t>B</a:t>
+              </a:r>
+              <a:endParaRPr lang="en-US" dirty="0">
+                <a:solidFill>
+                  <a:schemeClr val="tx1"/>
+                </a:solidFill>
+                <a:latin typeface="Roboto Medium" pitchFamily="2" charset="0"/>
+                <a:ea typeface="Roboto Medium" pitchFamily="2" charset="0"/>
+              </a:endParaRPr>
+            </a:p>
+          </p:txBody>
+        </p:sp>
+      </p:grpSp>
+    </p:spTree>
+    <p:extLst>
+      <p:ext uri="{BB962C8B-B14F-4D97-AF65-F5344CB8AC3E}">
+        <p14:creationId xmlns:p14="http://schemas.microsoft.com/office/powerpoint/2010/main" val="2813050524"/>
       </p:ext>
     </p:extLst>
   </p:cSld>
